--- a/instructions/instructionsDiapo.pptx
+++ b/instructions/instructionsDiapo.pptx
@@ -32,7 +32,7 @@
     <a:defPPr>
       <a:defRPr lang="fr-FR"/>
     </a:defPPr>
-    <a:lvl1pPr marL="0" algn="l" defTabSz="914400" rtl="0" eaLnBrk="1" latinLnBrk="0" hangingPunct="1">
+    <a:lvl1pPr marL="0" algn="l" defTabSz="914357" rtl="0" eaLnBrk="1" latinLnBrk="0" hangingPunct="1">
       <a:defRPr sz="1800" kern="1200">
         <a:solidFill>
           <a:schemeClr val="tx1"/>
@@ -42,7 +42,7 @@
         <a:cs typeface="+mn-cs"/>
       </a:defRPr>
     </a:lvl1pPr>
-    <a:lvl2pPr marL="457200" algn="l" defTabSz="914400" rtl="0" eaLnBrk="1" latinLnBrk="0" hangingPunct="1">
+    <a:lvl2pPr marL="457178" algn="l" defTabSz="914357" rtl="0" eaLnBrk="1" latinLnBrk="0" hangingPunct="1">
       <a:defRPr sz="1800" kern="1200">
         <a:solidFill>
           <a:schemeClr val="tx1"/>
@@ -52,7 +52,7 @@
         <a:cs typeface="+mn-cs"/>
       </a:defRPr>
     </a:lvl2pPr>
-    <a:lvl3pPr marL="914400" algn="l" defTabSz="914400" rtl="0" eaLnBrk="1" latinLnBrk="0" hangingPunct="1">
+    <a:lvl3pPr marL="914357" algn="l" defTabSz="914357" rtl="0" eaLnBrk="1" latinLnBrk="0" hangingPunct="1">
       <a:defRPr sz="1800" kern="1200">
         <a:solidFill>
           <a:schemeClr val="tx1"/>
@@ -62,7 +62,7 @@
         <a:cs typeface="+mn-cs"/>
       </a:defRPr>
     </a:lvl3pPr>
-    <a:lvl4pPr marL="1371600" algn="l" defTabSz="914400" rtl="0" eaLnBrk="1" latinLnBrk="0" hangingPunct="1">
+    <a:lvl4pPr marL="1371536" algn="l" defTabSz="914357" rtl="0" eaLnBrk="1" latinLnBrk="0" hangingPunct="1">
       <a:defRPr sz="1800" kern="1200">
         <a:solidFill>
           <a:schemeClr val="tx1"/>
@@ -72,7 +72,7 @@
         <a:cs typeface="+mn-cs"/>
       </a:defRPr>
     </a:lvl4pPr>
-    <a:lvl5pPr marL="1828800" algn="l" defTabSz="914400" rtl="0" eaLnBrk="1" latinLnBrk="0" hangingPunct="1">
+    <a:lvl5pPr marL="1828714" algn="l" defTabSz="914357" rtl="0" eaLnBrk="1" latinLnBrk="0" hangingPunct="1">
       <a:defRPr sz="1800" kern="1200">
         <a:solidFill>
           <a:schemeClr val="tx1"/>
@@ -82,7 +82,7 @@
         <a:cs typeface="+mn-cs"/>
       </a:defRPr>
     </a:lvl5pPr>
-    <a:lvl6pPr marL="2286000" algn="l" defTabSz="914400" rtl="0" eaLnBrk="1" latinLnBrk="0" hangingPunct="1">
+    <a:lvl6pPr marL="2285892" algn="l" defTabSz="914357" rtl="0" eaLnBrk="1" latinLnBrk="0" hangingPunct="1">
       <a:defRPr sz="1800" kern="1200">
         <a:solidFill>
           <a:schemeClr val="tx1"/>
@@ -92,7 +92,7 @@
         <a:cs typeface="+mn-cs"/>
       </a:defRPr>
     </a:lvl6pPr>
-    <a:lvl7pPr marL="2743200" algn="l" defTabSz="914400" rtl="0" eaLnBrk="1" latinLnBrk="0" hangingPunct="1">
+    <a:lvl7pPr marL="2743070" algn="l" defTabSz="914357" rtl="0" eaLnBrk="1" latinLnBrk="0" hangingPunct="1">
       <a:defRPr sz="1800" kern="1200">
         <a:solidFill>
           <a:schemeClr val="tx1"/>
@@ -102,7 +102,7 @@
         <a:cs typeface="+mn-cs"/>
       </a:defRPr>
     </a:lvl7pPr>
-    <a:lvl8pPr marL="3200400" algn="l" defTabSz="914400" rtl="0" eaLnBrk="1" latinLnBrk="0" hangingPunct="1">
+    <a:lvl8pPr marL="3200249" algn="l" defTabSz="914357" rtl="0" eaLnBrk="1" latinLnBrk="0" hangingPunct="1">
       <a:defRPr sz="1800" kern="1200">
         <a:solidFill>
           <a:schemeClr val="tx1"/>
@@ -112,7 +112,7 @@
         <a:cs typeface="+mn-cs"/>
       </a:defRPr>
     </a:lvl8pPr>
-    <a:lvl9pPr marL="3657600" algn="l" defTabSz="914400" rtl="0" eaLnBrk="1" latinLnBrk="0" hangingPunct="1">
+    <a:lvl9pPr marL="3657428" algn="l" defTabSz="914357" rtl="0" eaLnBrk="1" latinLnBrk="0" hangingPunct="1">
       <a:defRPr sz="1800" kern="1200">
         <a:solidFill>
           <a:schemeClr val="tx1"/>
@@ -198,35 +198,35 @@
               <a:buNone/>
               <a:defRPr sz="2400"/>
             </a:lvl1pPr>
-            <a:lvl2pPr marL="457200" indent="0" algn="ctr">
+            <a:lvl2pPr marL="457209" indent="0" algn="ctr">
               <a:buNone/>
               <a:defRPr sz="2000"/>
             </a:lvl2pPr>
-            <a:lvl3pPr marL="914400" indent="0" algn="ctr">
+            <a:lvl3pPr marL="914418" indent="0" algn="ctr">
               <a:buNone/>
               <a:defRPr sz="1800"/>
             </a:lvl3pPr>
-            <a:lvl4pPr marL="1371600" indent="0" algn="ctr">
+            <a:lvl4pPr marL="1371627" indent="0" algn="ctr">
               <a:buNone/>
               <a:defRPr sz="1600"/>
             </a:lvl4pPr>
-            <a:lvl5pPr marL="1828800" indent="0" algn="ctr">
+            <a:lvl5pPr marL="1828837" indent="0" algn="ctr">
               <a:buNone/>
               <a:defRPr sz="1600"/>
             </a:lvl5pPr>
-            <a:lvl6pPr marL="2286000" indent="0" algn="ctr">
+            <a:lvl6pPr marL="2286046" indent="0" algn="ctr">
               <a:buNone/>
               <a:defRPr sz="1600"/>
             </a:lvl6pPr>
-            <a:lvl7pPr marL="2743200" indent="0" algn="ctr">
+            <a:lvl7pPr marL="2743255" indent="0" algn="ctr">
               <a:buNone/>
               <a:defRPr sz="1600"/>
             </a:lvl7pPr>
-            <a:lvl8pPr marL="3200400" indent="0" algn="ctr">
+            <a:lvl8pPr marL="3200464" indent="0" algn="ctr">
               <a:buNone/>
               <a:defRPr sz="1600"/>
             </a:lvl8pPr>
-            <a:lvl9pPr marL="3657600" indent="0" algn="ctr">
+            <a:lvl9pPr marL="3657673" indent="0" algn="ctr">
               <a:buNone/>
               <a:defRPr sz="1600"/>
             </a:lvl9pPr>
@@ -867,7 +867,7 @@
         </p:nvSpPr>
         <p:spPr>
           <a:xfrm>
-            <a:off x="831850" y="1709738"/>
+            <a:off x="831850" y="1709739"/>
             <a:ext cx="10515600" cy="2852737"/>
           </a:xfrm>
         </p:spPr>
@@ -899,7 +899,7 @@
         </p:nvSpPr>
         <p:spPr>
           <a:xfrm>
-            <a:off x="831850" y="4589463"/>
+            <a:off x="831850" y="4589464"/>
             <a:ext cx="10515600" cy="1500187"/>
           </a:xfrm>
         </p:spPr>
@@ -916,7 +916,7 @@
                 </a:solidFill>
               </a:defRPr>
             </a:lvl1pPr>
-            <a:lvl2pPr marL="457200" indent="0">
+            <a:lvl2pPr marL="457209" indent="0">
               <a:buNone/>
               <a:defRPr sz="2000">
                 <a:solidFill>
@@ -926,7 +926,7 @@
                 </a:solidFill>
               </a:defRPr>
             </a:lvl2pPr>
-            <a:lvl3pPr marL="914400" indent="0">
+            <a:lvl3pPr marL="914418" indent="0">
               <a:buNone/>
               <a:defRPr sz="1800">
                 <a:solidFill>
@@ -936,7 +936,7 @@
                 </a:solidFill>
               </a:defRPr>
             </a:lvl3pPr>
-            <a:lvl4pPr marL="1371600" indent="0">
+            <a:lvl4pPr marL="1371627" indent="0">
               <a:buNone/>
               <a:defRPr sz="1600">
                 <a:solidFill>
@@ -946,7 +946,7 @@
                 </a:solidFill>
               </a:defRPr>
             </a:lvl4pPr>
-            <a:lvl5pPr marL="1828800" indent="0">
+            <a:lvl5pPr marL="1828837" indent="0">
               <a:buNone/>
               <a:defRPr sz="1600">
                 <a:solidFill>
@@ -956,7 +956,7 @@
                 </a:solidFill>
               </a:defRPr>
             </a:lvl5pPr>
-            <a:lvl6pPr marL="2286000" indent="0">
+            <a:lvl6pPr marL="2286046" indent="0">
               <a:buNone/>
               <a:defRPr sz="1600">
                 <a:solidFill>
@@ -966,7 +966,7 @@
                 </a:solidFill>
               </a:defRPr>
             </a:lvl6pPr>
-            <a:lvl7pPr marL="2743200" indent="0">
+            <a:lvl7pPr marL="2743255" indent="0">
               <a:buNone/>
               <a:defRPr sz="1600">
                 <a:solidFill>
@@ -976,7 +976,7 @@
                 </a:solidFill>
               </a:defRPr>
             </a:lvl7pPr>
-            <a:lvl8pPr marL="3200400" indent="0">
+            <a:lvl8pPr marL="3200464" indent="0">
               <a:buNone/>
               <a:defRPr sz="1600">
                 <a:solidFill>
@@ -986,7 +986,7 @@
                 </a:solidFill>
               </a:defRPr>
             </a:lvl8pPr>
-            <a:lvl9pPr marL="3657600" indent="0">
+            <a:lvl9pPr marL="3657673" indent="0">
               <a:buNone/>
               <a:defRPr sz="1600">
                 <a:solidFill>
@@ -1345,7 +1345,7 @@
         </p:nvSpPr>
         <p:spPr>
           <a:xfrm>
-            <a:off x="839788" y="365125"/>
+            <a:off x="839788" y="365126"/>
             <a:ext cx="10515600" cy="1325563"/>
           </a:xfrm>
         </p:spPr>
@@ -1384,35 +1384,35 @@
               <a:buNone/>
               <a:defRPr sz="2400" b="1"/>
             </a:lvl1pPr>
-            <a:lvl2pPr marL="457200" indent="0">
+            <a:lvl2pPr marL="457209" indent="0">
               <a:buNone/>
               <a:defRPr sz="2000" b="1"/>
             </a:lvl2pPr>
-            <a:lvl3pPr marL="914400" indent="0">
+            <a:lvl3pPr marL="914418" indent="0">
               <a:buNone/>
               <a:defRPr sz="1800" b="1"/>
             </a:lvl3pPr>
-            <a:lvl4pPr marL="1371600" indent="0">
+            <a:lvl4pPr marL="1371627" indent="0">
               <a:buNone/>
               <a:defRPr sz="1600" b="1"/>
             </a:lvl4pPr>
-            <a:lvl5pPr marL="1828800" indent="0">
+            <a:lvl5pPr marL="1828837" indent="0">
               <a:buNone/>
               <a:defRPr sz="1600" b="1"/>
             </a:lvl5pPr>
-            <a:lvl6pPr marL="2286000" indent="0">
+            <a:lvl6pPr marL="2286046" indent="0">
               <a:buNone/>
               <a:defRPr sz="1600" b="1"/>
             </a:lvl6pPr>
-            <a:lvl7pPr marL="2743200" indent="0">
+            <a:lvl7pPr marL="2743255" indent="0">
               <a:buNone/>
               <a:defRPr sz="1600" b="1"/>
             </a:lvl7pPr>
-            <a:lvl8pPr marL="3200400" indent="0">
+            <a:lvl8pPr marL="3200464" indent="0">
               <a:buNone/>
               <a:defRPr sz="1600" b="1"/>
             </a:lvl8pPr>
-            <a:lvl9pPr marL="3657600" indent="0">
+            <a:lvl9pPr marL="3657673" indent="0">
               <a:buNone/>
               <a:defRPr sz="1600" b="1"/>
             </a:lvl9pPr>
@@ -1506,35 +1506,35 @@
               <a:buNone/>
               <a:defRPr sz="2400" b="1"/>
             </a:lvl1pPr>
-            <a:lvl2pPr marL="457200" indent="0">
+            <a:lvl2pPr marL="457209" indent="0">
               <a:buNone/>
               <a:defRPr sz="2000" b="1"/>
             </a:lvl2pPr>
-            <a:lvl3pPr marL="914400" indent="0">
+            <a:lvl3pPr marL="914418" indent="0">
               <a:buNone/>
               <a:defRPr sz="1800" b="1"/>
             </a:lvl3pPr>
-            <a:lvl4pPr marL="1371600" indent="0">
+            <a:lvl4pPr marL="1371627" indent="0">
               <a:buNone/>
               <a:defRPr sz="1600" b="1"/>
             </a:lvl4pPr>
-            <a:lvl5pPr marL="1828800" indent="0">
+            <a:lvl5pPr marL="1828837" indent="0">
               <a:buNone/>
               <a:defRPr sz="1600" b="1"/>
             </a:lvl5pPr>
-            <a:lvl6pPr marL="2286000" indent="0">
+            <a:lvl6pPr marL="2286046" indent="0">
               <a:buNone/>
               <a:defRPr sz="1600" b="1"/>
             </a:lvl6pPr>
-            <a:lvl7pPr marL="2743200" indent="0">
+            <a:lvl7pPr marL="2743255" indent="0">
               <a:buNone/>
               <a:defRPr sz="1600" b="1"/>
             </a:lvl7pPr>
-            <a:lvl8pPr marL="3200400" indent="0">
+            <a:lvl8pPr marL="3200464" indent="0">
               <a:buNone/>
               <a:defRPr sz="1600" b="1"/>
             </a:lvl8pPr>
-            <a:lvl9pPr marL="3657600" indent="0">
+            <a:lvl9pPr marL="3657673" indent="0">
               <a:buNone/>
               <a:defRPr sz="1600" b="1"/>
             </a:lvl9pPr>
@@ -1925,7 +1925,7 @@
         </p:nvSpPr>
         <p:spPr>
           <a:xfrm>
-            <a:off x="839788" y="457200"/>
+            <a:off x="839789" y="457200"/>
             <a:ext cx="3932237" cy="1600200"/>
           </a:xfrm>
         </p:spPr>
@@ -1957,7 +1957,7 @@
         </p:nvSpPr>
         <p:spPr>
           <a:xfrm>
-            <a:off x="5183188" y="987425"/>
+            <a:off x="5183188" y="987426"/>
             <a:ext cx="6172200" cy="4873625"/>
           </a:xfrm>
         </p:spPr>
@@ -2042,7 +2042,7 @@
         </p:nvSpPr>
         <p:spPr>
           <a:xfrm>
-            <a:off x="839788" y="2057400"/>
+            <a:off x="839789" y="2057400"/>
             <a:ext cx="3932237" cy="3811588"/>
           </a:xfrm>
         </p:spPr>
@@ -2053,35 +2053,35 @@
               <a:buNone/>
               <a:defRPr sz="1600"/>
             </a:lvl1pPr>
-            <a:lvl2pPr marL="457200" indent="0">
+            <a:lvl2pPr marL="457209" indent="0">
               <a:buNone/>
               <a:defRPr sz="1400"/>
             </a:lvl2pPr>
-            <a:lvl3pPr marL="914400" indent="0">
+            <a:lvl3pPr marL="914418" indent="0">
               <a:buNone/>
               <a:defRPr sz="1200"/>
             </a:lvl3pPr>
-            <a:lvl4pPr marL="1371600" indent="0">
+            <a:lvl4pPr marL="1371627" indent="0">
               <a:buNone/>
               <a:defRPr sz="1000"/>
             </a:lvl4pPr>
-            <a:lvl5pPr marL="1828800" indent="0">
+            <a:lvl5pPr marL="1828837" indent="0">
               <a:buNone/>
               <a:defRPr sz="1000"/>
             </a:lvl5pPr>
-            <a:lvl6pPr marL="2286000" indent="0">
+            <a:lvl6pPr marL="2286046" indent="0">
               <a:buNone/>
               <a:defRPr sz="1000"/>
             </a:lvl6pPr>
-            <a:lvl7pPr marL="2743200" indent="0">
+            <a:lvl7pPr marL="2743255" indent="0">
               <a:buNone/>
               <a:defRPr sz="1000"/>
             </a:lvl7pPr>
-            <a:lvl8pPr marL="3200400" indent="0">
+            <a:lvl8pPr marL="3200464" indent="0">
               <a:buNone/>
               <a:defRPr sz="1000"/>
             </a:lvl8pPr>
-            <a:lvl9pPr marL="3657600" indent="0">
+            <a:lvl9pPr marL="3657673" indent="0">
               <a:buNone/>
               <a:defRPr sz="1000"/>
             </a:lvl9pPr>
@@ -2202,7 +2202,7 @@
         </p:nvSpPr>
         <p:spPr>
           <a:xfrm>
-            <a:off x="839788" y="457200"/>
+            <a:off x="839789" y="457200"/>
             <a:ext cx="3932237" cy="1600200"/>
           </a:xfrm>
         </p:spPr>
@@ -2234,7 +2234,7 @@
         </p:nvSpPr>
         <p:spPr>
           <a:xfrm>
-            <a:off x="5183188" y="987425"/>
+            <a:off x="5183188" y="987426"/>
             <a:ext cx="6172200" cy="4873625"/>
           </a:xfrm>
         </p:spPr>
@@ -2245,35 +2245,35 @@
               <a:buNone/>
               <a:defRPr sz="3200"/>
             </a:lvl1pPr>
-            <a:lvl2pPr marL="457200" indent="0">
+            <a:lvl2pPr marL="457209" indent="0">
               <a:buNone/>
               <a:defRPr sz="2800"/>
             </a:lvl2pPr>
-            <a:lvl3pPr marL="914400" indent="0">
+            <a:lvl3pPr marL="914418" indent="0">
               <a:buNone/>
               <a:defRPr sz="2400"/>
             </a:lvl3pPr>
-            <a:lvl4pPr marL="1371600" indent="0">
+            <a:lvl4pPr marL="1371627" indent="0">
               <a:buNone/>
               <a:defRPr sz="2000"/>
             </a:lvl4pPr>
-            <a:lvl5pPr marL="1828800" indent="0">
+            <a:lvl5pPr marL="1828837" indent="0">
               <a:buNone/>
               <a:defRPr sz="2000"/>
             </a:lvl5pPr>
-            <a:lvl6pPr marL="2286000" indent="0">
+            <a:lvl6pPr marL="2286046" indent="0">
               <a:buNone/>
               <a:defRPr sz="2000"/>
             </a:lvl6pPr>
-            <a:lvl7pPr marL="2743200" indent="0">
+            <a:lvl7pPr marL="2743255" indent="0">
               <a:buNone/>
               <a:defRPr sz="2000"/>
             </a:lvl7pPr>
-            <a:lvl8pPr marL="3200400" indent="0">
+            <a:lvl8pPr marL="3200464" indent="0">
               <a:buNone/>
               <a:defRPr sz="2000"/>
             </a:lvl8pPr>
-            <a:lvl9pPr marL="3657600" indent="0">
+            <a:lvl9pPr marL="3657673" indent="0">
               <a:buNone/>
               <a:defRPr sz="2000"/>
             </a:lvl9pPr>
@@ -2295,7 +2295,7 @@
         </p:nvSpPr>
         <p:spPr>
           <a:xfrm>
-            <a:off x="839788" y="2057400"/>
+            <a:off x="839789" y="2057400"/>
             <a:ext cx="3932237" cy="3811588"/>
           </a:xfrm>
         </p:spPr>
@@ -2306,35 +2306,35 @@
               <a:buNone/>
               <a:defRPr sz="1600"/>
             </a:lvl1pPr>
-            <a:lvl2pPr marL="457200" indent="0">
+            <a:lvl2pPr marL="457209" indent="0">
               <a:buNone/>
               <a:defRPr sz="1400"/>
             </a:lvl2pPr>
-            <a:lvl3pPr marL="914400" indent="0">
+            <a:lvl3pPr marL="914418" indent="0">
               <a:buNone/>
               <a:defRPr sz="1200"/>
             </a:lvl3pPr>
-            <a:lvl4pPr marL="1371600" indent="0">
+            <a:lvl4pPr marL="1371627" indent="0">
               <a:buNone/>
               <a:defRPr sz="1000"/>
             </a:lvl4pPr>
-            <a:lvl5pPr marL="1828800" indent="0">
+            <a:lvl5pPr marL="1828837" indent="0">
               <a:buNone/>
               <a:defRPr sz="1000"/>
             </a:lvl5pPr>
-            <a:lvl6pPr marL="2286000" indent="0">
+            <a:lvl6pPr marL="2286046" indent="0">
               <a:buNone/>
               <a:defRPr sz="1000"/>
             </a:lvl6pPr>
-            <a:lvl7pPr marL="2743200" indent="0">
+            <a:lvl7pPr marL="2743255" indent="0">
               <a:buNone/>
               <a:defRPr sz="1000"/>
             </a:lvl7pPr>
-            <a:lvl8pPr marL="3200400" indent="0">
+            <a:lvl8pPr marL="3200464" indent="0">
               <a:buNone/>
               <a:defRPr sz="1000"/>
             </a:lvl8pPr>
-            <a:lvl9pPr marL="3657600" indent="0">
+            <a:lvl9pPr marL="3657673" indent="0">
               <a:buNone/>
               <a:defRPr sz="1000"/>
             </a:lvl9pPr>
@@ -2460,7 +2460,7 @@
         </p:nvSpPr>
         <p:spPr>
           <a:xfrm>
-            <a:off x="838200" y="365125"/>
+            <a:off x="838200" y="365126"/>
             <a:ext cx="10515600" cy="1325563"/>
           </a:xfrm>
           <a:prstGeom prst="rect">
@@ -2555,7 +2555,7 @@
         </p:nvSpPr>
         <p:spPr>
           <a:xfrm>
-            <a:off x="838200" y="6356350"/>
+            <a:off x="838200" y="6356351"/>
             <a:ext cx="2743200" cy="365125"/>
           </a:xfrm>
           <a:prstGeom prst="rect">
@@ -2596,7 +2596,7 @@
         </p:nvSpPr>
         <p:spPr>
           <a:xfrm>
-            <a:off x="4038600" y="6356350"/>
+            <a:off x="4038600" y="6356351"/>
             <a:ext cx="4114800" cy="365125"/>
           </a:xfrm>
           <a:prstGeom prst="rect">
@@ -2633,7 +2633,7 @@
         </p:nvSpPr>
         <p:spPr>
           <a:xfrm>
-            <a:off x="8610600" y="6356350"/>
+            <a:off x="8610600" y="6356351"/>
             <a:ext cx="2743200" cy="365125"/>
           </a:xfrm>
           <a:prstGeom prst="rect">
@@ -2685,7 +2685,7 @@
   </p:sldLayoutIdLst>
   <p:txStyles>
     <p:titleStyle>
-      <a:lvl1pPr algn="l" defTabSz="914400" rtl="0" eaLnBrk="1" latinLnBrk="0" hangingPunct="1">
+      <a:lvl1pPr algn="l" defTabSz="914418" rtl="0" eaLnBrk="1" latinLnBrk="0" hangingPunct="1">
         <a:lnSpc>
           <a:spcPct val="90000"/>
         </a:lnSpc>
@@ -2704,7 +2704,7 @@
       </a:lvl1pPr>
     </p:titleStyle>
     <p:bodyStyle>
-      <a:lvl1pPr marL="228600" indent="-228600" algn="l" defTabSz="914400" rtl="0" eaLnBrk="1" latinLnBrk="0" hangingPunct="1">
+      <a:lvl1pPr marL="228605" indent="-228605" algn="l" defTabSz="914418" rtl="0" eaLnBrk="1" latinLnBrk="0" hangingPunct="1">
         <a:lnSpc>
           <a:spcPct val="90000"/>
         </a:lnSpc>
@@ -2722,7 +2722,7 @@
           <a:cs typeface="+mn-cs"/>
         </a:defRPr>
       </a:lvl1pPr>
-      <a:lvl2pPr marL="685800" indent="-228600" algn="l" defTabSz="914400" rtl="0" eaLnBrk="1" latinLnBrk="0" hangingPunct="1">
+      <a:lvl2pPr marL="685814" indent="-228605" algn="l" defTabSz="914418" rtl="0" eaLnBrk="1" latinLnBrk="0" hangingPunct="1">
         <a:lnSpc>
           <a:spcPct val="90000"/>
         </a:lnSpc>
@@ -2740,7 +2740,7 @@
           <a:cs typeface="+mn-cs"/>
         </a:defRPr>
       </a:lvl2pPr>
-      <a:lvl3pPr marL="1143000" indent="-228600" algn="l" defTabSz="914400" rtl="0" eaLnBrk="1" latinLnBrk="0" hangingPunct="1">
+      <a:lvl3pPr marL="1143023" indent="-228605" algn="l" defTabSz="914418" rtl="0" eaLnBrk="1" latinLnBrk="0" hangingPunct="1">
         <a:lnSpc>
           <a:spcPct val="90000"/>
         </a:lnSpc>
@@ -2758,7 +2758,7 @@
           <a:cs typeface="+mn-cs"/>
         </a:defRPr>
       </a:lvl3pPr>
-      <a:lvl4pPr marL="1600200" indent="-228600" algn="l" defTabSz="914400" rtl="0" eaLnBrk="1" latinLnBrk="0" hangingPunct="1">
+      <a:lvl4pPr marL="1600232" indent="-228605" algn="l" defTabSz="914418" rtl="0" eaLnBrk="1" latinLnBrk="0" hangingPunct="1">
         <a:lnSpc>
           <a:spcPct val="90000"/>
         </a:lnSpc>
@@ -2776,7 +2776,7 @@
           <a:cs typeface="+mn-cs"/>
         </a:defRPr>
       </a:lvl4pPr>
-      <a:lvl5pPr marL="2057400" indent="-228600" algn="l" defTabSz="914400" rtl="0" eaLnBrk="1" latinLnBrk="0" hangingPunct="1">
+      <a:lvl5pPr marL="2057441" indent="-228605" algn="l" defTabSz="914418" rtl="0" eaLnBrk="1" latinLnBrk="0" hangingPunct="1">
         <a:lnSpc>
           <a:spcPct val="90000"/>
         </a:lnSpc>
@@ -2794,7 +2794,7 @@
           <a:cs typeface="+mn-cs"/>
         </a:defRPr>
       </a:lvl5pPr>
-      <a:lvl6pPr marL="2514600" indent="-228600" algn="l" defTabSz="914400" rtl="0" eaLnBrk="1" latinLnBrk="0" hangingPunct="1">
+      <a:lvl6pPr marL="2514650" indent="-228605" algn="l" defTabSz="914418" rtl="0" eaLnBrk="1" latinLnBrk="0" hangingPunct="1">
         <a:lnSpc>
           <a:spcPct val="90000"/>
         </a:lnSpc>
@@ -2812,7 +2812,7 @@
           <a:cs typeface="+mn-cs"/>
         </a:defRPr>
       </a:lvl6pPr>
-      <a:lvl7pPr marL="2971800" indent="-228600" algn="l" defTabSz="914400" rtl="0" eaLnBrk="1" latinLnBrk="0" hangingPunct="1">
+      <a:lvl7pPr marL="2971859" indent="-228605" algn="l" defTabSz="914418" rtl="0" eaLnBrk="1" latinLnBrk="0" hangingPunct="1">
         <a:lnSpc>
           <a:spcPct val="90000"/>
         </a:lnSpc>
@@ -2830,7 +2830,7 @@
           <a:cs typeface="+mn-cs"/>
         </a:defRPr>
       </a:lvl7pPr>
-      <a:lvl8pPr marL="3429000" indent="-228600" algn="l" defTabSz="914400" rtl="0" eaLnBrk="1" latinLnBrk="0" hangingPunct="1">
+      <a:lvl8pPr marL="3429069" indent="-228605" algn="l" defTabSz="914418" rtl="0" eaLnBrk="1" latinLnBrk="0" hangingPunct="1">
         <a:lnSpc>
           <a:spcPct val="90000"/>
         </a:lnSpc>
@@ -2848,7 +2848,7 @@
           <a:cs typeface="+mn-cs"/>
         </a:defRPr>
       </a:lvl8pPr>
-      <a:lvl9pPr marL="3886200" indent="-228600" algn="l" defTabSz="914400" rtl="0" eaLnBrk="1" latinLnBrk="0" hangingPunct="1">
+      <a:lvl9pPr marL="3886278" indent="-228605" algn="l" defTabSz="914418" rtl="0" eaLnBrk="1" latinLnBrk="0" hangingPunct="1">
         <a:lnSpc>
           <a:spcPct val="90000"/>
         </a:lnSpc>
@@ -2871,7 +2871,7 @@
       <a:defPPr>
         <a:defRPr lang="fr-FR"/>
       </a:defPPr>
-      <a:lvl1pPr marL="0" algn="l" defTabSz="914400" rtl="0" eaLnBrk="1" latinLnBrk="0" hangingPunct="1">
+      <a:lvl1pPr marL="0" algn="l" defTabSz="914418" rtl="0" eaLnBrk="1" latinLnBrk="0" hangingPunct="1">
         <a:defRPr sz="1800" kern="1200">
           <a:solidFill>
             <a:schemeClr val="tx1"/>
@@ -2881,7 +2881,7 @@
           <a:cs typeface="+mn-cs"/>
         </a:defRPr>
       </a:lvl1pPr>
-      <a:lvl2pPr marL="457200" algn="l" defTabSz="914400" rtl="0" eaLnBrk="1" latinLnBrk="0" hangingPunct="1">
+      <a:lvl2pPr marL="457209" algn="l" defTabSz="914418" rtl="0" eaLnBrk="1" latinLnBrk="0" hangingPunct="1">
         <a:defRPr sz="1800" kern="1200">
           <a:solidFill>
             <a:schemeClr val="tx1"/>
@@ -2891,7 +2891,7 @@
           <a:cs typeface="+mn-cs"/>
         </a:defRPr>
       </a:lvl2pPr>
-      <a:lvl3pPr marL="914400" algn="l" defTabSz="914400" rtl="0" eaLnBrk="1" latinLnBrk="0" hangingPunct="1">
+      <a:lvl3pPr marL="914418" algn="l" defTabSz="914418" rtl="0" eaLnBrk="1" latinLnBrk="0" hangingPunct="1">
         <a:defRPr sz="1800" kern="1200">
           <a:solidFill>
             <a:schemeClr val="tx1"/>
@@ -2901,7 +2901,7 @@
           <a:cs typeface="+mn-cs"/>
         </a:defRPr>
       </a:lvl3pPr>
-      <a:lvl4pPr marL="1371600" algn="l" defTabSz="914400" rtl="0" eaLnBrk="1" latinLnBrk="0" hangingPunct="1">
+      <a:lvl4pPr marL="1371627" algn="l" defTabSz="914418" rtl="0" eaLnBrk="1" latinLnBrk="0" hangingPunct="1">
         <a:defRPr sz="1800" kern="1200">
           <a:solidFill>
             <a:schemeClr val="tx1"/>
@@ -2911,7 +2911,7 @@
           <a:cs typeface="+mn-cs"/>
         </a:defRPr>
       </a:lvl4pPr>
-      <a:lvl5pPr marL="1828800" algn="l" defTabSz="914400" rtl="0" eaLnBrk="1" latinLnBrk="0" hangingPunct="1">
+      <a:lvl5pPr marL="1828837" algn="l" defTabSz="914418" rtl="0" eaLnBrk="1" latinLnBrk="0" hangingPunct="1">
         <a:defRPr sz="1800" kern="1200">
           <a:solidFill>
             <a:schemeClr val="tx1"/>
@@ -2921,7 +2921,7 @@
           <a:cs typeface="+mn-cs"/>
         </a:defRPr>
       </a:lvl5pPr>
-      <a:lvl6pPr marL="2286000" algn="l" defTabSz="914400" rtl="0" eaLnBrk="1" latinLnBrk="0" hangingPunct="1">
+      <a:lvl6pPr marL="2286046" algn="l" defTabSz="914418" rtl="0" eaLnBrk="1" latinLnBrk="0" hangingPunct="1">
         <a:defRPr sz="1800" kern="1200">
           <a:solidFill>
             <a:schemeClr val="tx1"/>
@@ -2931,7 +2931,7 @@
           <a:cs typeface="+mn-cs"/>
         </a:defRPr>
       </a:lvl6pPr>
-      <a:lvl7pPr marL="2743200" algn="l" defTabSz="914400" rtl="0" eaLnBrk="1" latinLnBrk="0" hangingPunct="1">
+      <a:lvl7pPr marL="2743255" algn="l" defTabSz="914418" rtl="0" eaLnBrk="1" latinLnBrk="0" hangingPunct="1">
         <a:defRPr sz="1800" kern="1200">
           <a:solidFill>
             <a:schemeClr val="tx1"/>
@@ -2941,7 +2941,7 @@
           <a:cs typeface="+mn-cs"/>
         </a:defRPr>
       </a:lvl7pPr>
-      <a:lvl8pPr marL="3200400" algn="l" defTabSz="914400" rtl="0" eaLnBrk="1" latinLnBrk="0" hangingPunct="1">
+      <a:lvl8pPr marL="3200464" algn="l" defTabSz="914418" rtl="0" eaLnBrk="1" latinLnBrk="0" hangingPunct="1">
         <a:defRPr sz="1800" kern="1200">
           <a:solidFill>
             <a:schemeClr val="tx1"/>
@@ -2951,7 +2951,7 @@
           <a:cs typeface="+mn-cs"/>
         </a:defRPr>
       </a:lvl8pPr>
-      <a:lvl9pPr marL="3657600" algn="l" defTabSz="914400" rtl="0" eaLnBrk="1" latinLnBrk="0" hangingPunct="1">
+      <a:lvl9pPr marL="3657673" algn="l" defTabSz="914418" rtl="0" eaLnBrk="1" latinLnBrk="0" hangingPunct="1">
         <a:defRPr sz="1800" kern="1200">
           <a:solidFill>
             <a:schemeClr val="tx1"/>
@@ -2991,7 +2991,7 @@
         </p:nvSpPr>
         <p:spPr>
           <a:xfrm>
-            <a:off x="4121485" y="6369919"/>
+            <a:off x="4121486" y="6369919"/>
             <a:ext cx="3949030" cy="400110"/>
           </a:xfrm>
           <a:prstGeom prst="rect">
@@ -3028,7 +3028,7 @@
         </p:nvSpPr>
         <p:spPr>
           <a:xfrm>
-            <a:off x="1523999" y="1604502"/>
+            <a:off x="1523999" y="1604503"/>
             <a:ext cx="9144000" cy="1379767"/>
           </a:xfrm>
           <a:prstGeom prst="rect">
@@ -3061,7 +3061,7 @@
           <a:p>
             <a:pPr algn="ctr"/>
             <a:r>
-              <a:rPr lang="fr-FR" sz="4800" dirty="0" smtClean="0"/>
+              <a:rPr lang="fr-FR" sz="4800" dirty="0"/>
               <a:t>Bonjour ! </a:t>
             </a:r>
             <a:endParaRPr lang="fr-FR" sz="4000" dirty="0"/>
@@ -3078,7 +3078,7 @@
         </p:nvSpPr>
         <p:spPr>
           <a:xfrm>
-            <a:off x="2439785" y="3250276"/>
+            <a:off x="2439786" y="3250276"/>
             <a:ext cx="7312429" cy="1762299"/>
           </a:xfrm>
           <a:prstGeom prst="rect">
@@ -3258,7 +3258,7 @@
               <a:buNone/>
             </a:pPr>
             <a:r>
-              <a:rPr lang="fr-FR" sz="2400" dirty="0" smtClean="0"/>
+              <a:rPr lang="fr-FR" sz="2400" dirty="0"/>
               <a:t>Merci d’avoir accepté de participer à notre expérience.</a:t>
             </a:r>
           </a:p>
@@ -3266,21 +3266,21 @@
             <a:pPr marL="0" indent="0" algn="ctr">
               <a:buNone/>
             </a:pPr>
-            <a:endParaRPr lang="fr-FR" sz="2400" dirty="0" smtClean="0"/>
+            <a:endParaRPr lang="fr-FR" sz="2400" dirty="0"/>
           </a:p>
           <a:p>
             <a:pPr marL="0" indent="0" algn="ctr">
               <a:buNone/>
             </a:pPr>
             <a:r>
-              <a:rPr lang="fr-FR" sz="2400" dirty="0" smtClean="0">
+              <a:rPr lang="fr-FR" sz="2400" dirty="0">
                 <a:ea typeface="Calibri"/>
                 <a:cs typeface="Calibri"/>
                 <a:sym typeface="Calibri"/>
               </a:rPr>
               <a:t>Avant de commencer, merci de bien vouloir éteindre votre téléphone portable.</a:t>
             </a:r>
-            <a:endParaRPr lang="fr-FR" sz="2400" dirty="0" smtClean="0"/>
+            <a:endParaRPr lang="fr-FR" sz="2400" dirty="0"/>
           </a:p>
         </p:txBody>
       </p:sp>
@@ -3364,7 +3364,7 @@
         </p:nvSpPr>
         <p:spPr>
           <a:xfrm>
-            <a:off x="838199" y="1825625"/>
+            <a:off x="838200" y="1825625"/>
             <a:ext cx="10608425" cy="4351338"/>
           </a:xfrm>
         </p:spPr>
@@ -3381,19 +3381,19 @@
             <a:pPr marL="0" indent="0">
               <a:buNone/>
             </a:pPr>
-            <a:endParaRPr lang="fr-FR" sz="2000" dirty="0" smtClean="0"/>
+            <a:endParaRPr lang="fr-FR" sz="2000" dirty="0"/>
           </a:p>
           <a:p>
             <a:pPr marL="0" indent="0">
               <a:buNone/>
             </a:pPr>
             <a:r>
-              <a:rPr lang="fr-FR" sz="2000" dirty="0" smtClean="0"/>
+              <a:rPr lang="fr-FR" sz="2000" dirty="0"/>
               <a:t>Vous allez maintenant commencer le jeu. </a:t>
             </a:r>
           </a:p>
           <a:p>
-            <a:endParaRPr lang="fr-FR" sz="2000" dirty="0" smtClean="0"/>
+            <a:endParaRPr lang="fr-FR" sz="2000" dirty="0"/>
           </a:p>
           <a:p>
             <a:pPr marL="0" indent="0">
@@ -3406,12 +3406,8 @@
               <a:buNone/>
             </a:pPr>
             <a:r>
-              <a:rPr lang="fr-FR" sz="2000" dirty="0" smtClean="0"/>
-              <a:t>Rappelez-vous </a:t>
-            </a:r>
-            <a:r>
               <a:rPr lang="fr-FR" sz="2000" dirty="0"/>
-              <a:t>d’utiliser la touche [O] pour répondre « Oui » et la touche [N] pour répondre « Non ». </a:t>
+              <a:t>Rappelez-vous d’utiliser la touche [O] pour répondre « Oui » et la touche [N] pour répondre « Non ». </a:t>
             </a:r>
           </a:p>
           <a:p>
@@ -3427,7 +3423,7 @@
         </p:nvSpPr>
         <p:spPr>
           <a:xfrm>
-            <a:off x="4121485" y="6369919"/>
+            <a:off x="4121486" y="6369919"/>
             <a:ext cx="3949030" cy="400110"/>
           </a:xfrm>
           <a:prstGeom prst="rect">
@@ -3503,7 +3499,7 @@
         </p:nvSpPr>
         <p:spPr>
           <a:xfrm>
-            <a:off x="3366308" y="2718262"/>
+            <a:off x="3366308" y="2718263"/>
             <a:ext cx="5459385" cy="590203"/>
           </a:xfrm>
         </p:spPr>
@@ -3720,23 +3716,14 @@
             </a:pPr>
             <a:r>
               <a:rPr lang="fr-FR" dirty="0"/>
-              <a:t>Oui </a:t>
-            </a:r>
-            <a:r>
-              <a:rPr lang="fr-FR" dirty="0" smtClean="0"/>
-              <a:t>[O]  /  </a:t>
-            </a:r>
-            <a:r>
-              <a:rPr lang="fr-FR" dirty="0"/>
-              <a:t>Non [N]</a:t>
+              <a:t>Oui [O]  /  Non [N]</a:t>
             </a:r>
           </a:p>
           <a:p>
             <a:pPr marL="0" indent="0">
-              <a:buFont typeface="Arial" panose="020B0604020202020204" pitchFamily="34" charset="0"/>
-              <a:buNone/>
-            </a:pPr>
-            <a:endParaRPr lang="fr-FR" dirty="0" smtClean="0"/>
+              <a:buNone/>
+            </a:pPr>
+            <a:endParaRPr lang="fr-FR" dirty="0"/>
           </a:p>
         </p:txBody>
       </p:sp>
@@ -3789,7 +3776,7 @@
         </p:nvSpPr>
         <p:spPr>
           <a:xfrm>
-            <a:off x="3395402" y="2718262"/>
+            <a:off x="3395402" y="2718263"/>
             <a:ext cx="5401196" cy="590203"/>
           </a:xfrm>
         </p:spPr>
@@ -4011,23 +3998,14 @@
             </a:pPr>
             <a:r>
               <a:rPr lang="fr-FR" dirty="0"/>
-              <a:t>Oui </a:t>
-            </a:r>
-            <a:r>
-              <a:rPr lang="fr-FR" dirty="0" smtClean="0"/>
-              <a:t>[O]  /  </a:t>
-            </a:r>
-            <a:r>
-              <a:rPr lang="fr-FR" dirty="0"/>
-              <a:t>Non [N]</a:t>
+              <a:t>Oui [O]  /  Non [N]</a:t>
             </a:r>
           </a:p>
           <a:p>
             <a:pPr marL="0" indent="0">
-              <a:buFont typeface="Arial" panose="020B0604020202020204" pitchFamily="34" charset="0"/>
-              <a:buNone/>
-            </a:pPr>
-            <a:endParaRPr lang="fr-FR" dirty="0" smtClean="0"/>
+              <a:buNone/>
+            </a:pPr>
+            <a:endParaRPr lang="fr-FR" dirty="0"/>
           </a:p>
         </p:txBody>
       </p:sp>
@@ -4080,7 +4058,7 @@
         </p:nvSpPr>
         <p:spPr>
           <a:xfrm>
-            <a:off x="1992977" y="2766219"/>
+            <a:off x="1992978" y="2766220"/>
             <a:ext cx="8206047" cy="1325563"/>
           </a:xfrm>
         </p:spPr>
@@ -4113,7 +4091,7 @@
         </p:nvSpPr>
         <p:spPr>
           <a:xfrm>
-            <a:off x="4121485" y="6369919"/>
+            <a:off x="4121486" y="6369919"/>
             <a:ext cx="3949030" cy="400110"/>
           </a:xfrm>
           <a:prstGeom prst="rect">
@@ -4225,20 +4203,23 @@
               <a:buNone/>
             </a:pPr>
             <a:r>
-              <a:rPr lang="fr-FR" sz="2000" dirty="0" smtClean="0"/>
-              <a:t>A </a:t>
-            </a:r>
-            <a:r>
               <a:rPr lang="fr-FR" sz="2000" dirty="0"/>
-              <a:t>chaque essai de ce jeu, nous allons vous présenter plusieurs images de visages en même temps. </a:t>
-            </a:r>
-            <a:r>
-              <a:rPr lang="fr-FR" sz="2000" dirty="0" smtClean="0"/>
-              <a:t>Il </a:t>
-            </a:r>
+              <a:t>A chaque essai de ce jeu, nous allons vous présenter plusieurs images de visages en même temps. Il s’agit de visages d’hommes ou de femmes; certains auront une expression apeurée et d’autres auront une expression faciale neutre. </a:t>
+            </a:r>
+          </a:p>
+          <a:p>
+            <a:pPr marL="0" indent="0" algn="just">
+              <a:buNone/>
+            </a:pPr>
+            <a:endParaRPr lang="fr-FR" sz="2000" dirty="0"/>
+          </a:p>
+          <a:p>
+            <a:pPr marL="0" indent="0" algn="just">
+              <a:buNone/>
+            </a:pPr>
             <a:r>
               <a:rPr lang="fr-FR" sz="2000" dirty="0"/>
-              <a:t>s’agit de visages d’hommes ou de femmes; certains auront une expression apeurée et d’autres auront une expression faciale neutre. </a:t>
+              <a:t>Dans certains essais, nous vous demanderons si vous avez vu « plus d’hommes » ; dans les autres, nous vous demanderons si vous avez vu « plus de femmes ». </a:t>
             </a:r>
           </a:p>
           <a:p>
@@ -4252,8 +4233,8 @@
               <a:buNone/>
             </a:pPr>
             <a:r>
-              <a:rPr lang="fr-FR" sz="2000" dirty="0" smtClean="0"/>
-              <a:t>Dans certains essais, nous vous demanderons si vous avez vu « plus d’hommes » ; dans les autres, nous vous demanderons si vous avez vu « plus de femmes ». </a:t>
+              <a:rPr lang="fr-FR" sz="2000" dirty="0"/>
+              <a:t>Répondez par « Femmes » ou par « Hommes » aussi rapidement que possible, en appuyant sur les touches [F] ou [H] du clavier. </a:t>
             </a:r>
           </a:p>
           <a:p>
@@ -4267,22 +4248,7 @@
               <a:buNone/>
             </a:pPr>
             <a:r>
-              <a:rPr lang="fr-FR" sz="2000" dirty="0" smtClean="0"/>
-              <a:t>Répondez par « Femmes » ou par « Hommes » aussi rapidement que possible, en appuyant sur les touches [F] ou [H] du clavier. </a:t>
-            </a:r>
-          </a:p>
-          <a:p>
-            <a:pPr marL="0" indent="0" algn="just">
-              <a:buNone/>
-            </a:pPr>
-            <a:endParaRPr lang="fr-FR" sz="2000" dirty="0" smtClean="0"/>
-          </a:p>
-          <a:p>
-            <a:pPr marL="0" indent="0" algn="just">
-              <a:buNone/>
-            </a:pPr>
-            <a:r>
-              <a:rPr lang="fr-FR" sz="2000" dirty="0" smtClean="0"/>
+              <a:rPr lang="fr-FR" sz="2000" dirty="0"/>
               <a:t>Attention: vous ne pourrez pas modifier votre réponse!</a:t>
             </a:r>
           </a:p>
@@ -4299,7 +4265,7 @@
         </p:nvSpPr>
         <p:spPr>
           <a:xfrm>
-            <a:off x="4121485" y="6369919"/>
+            <a:off x="4121486" y="6369919"/>
             <a:ext cx="3949030" cy="400110"/>
           </a:xfrm>
           <a:prstGeom prst="rect">
@@ -4402,7 +4368,7 @@
         </p:nvSpPr>
         <p:spPr>
           <a:xfrm>
-            <a:off x="838199" y="1825625"/>
+            <a:off x="838200" y="1825625"/>
             <a:ext cx="10176165" cy="4351338"/>
           </a:xfrm>
         </p:spPr>
@@ -4419,23 +4385,19 @@
             <a:pPr marL="0" indent="0">
               <a:buNone/>
             </a:pPr>
-            <a:endParaRPr lang="fr-FR" sz="2000" dirty="0" smtClean="0"/>
+            <a:endParaRPr lang="fr-FR" sz="2000" dirty="0"/>
           </a:p>
           <a:p>
             <a:pPr marL="0" indent="0">
               <a:buNone/>
             </a:pPr>
             <a:r>
-              <a:rPr lang="fr-FR" sz="2000" dirty="0" smtClean="0"/>
-              <a:t>Vous </a:t>
-            </a:r>
-            <a:r>
               <a:rPr lang="fr-FR" sz="2000" dirty="0"/>
-              <a:t>allez maintenant avoir plusieurs essais d’entrainement. </a:t>
-            </a:r>
-          </a:p>
-          <a:p>
-            <a:endParaRPr lang="fr-FR" sz="2000" dirty="0" smtClean="0"/>
+              <a:t>Vous allez maintenant avoir plusieurs essais d’entrainement. </a:t>
+            </a:r>
+          </a:p>
+          <a:p>
+            <a:endParaRPr lang="fr-FR" sz="2000" dirty="0"/>
           </a:p>
           <a:p>
             <a:pPr marL="0" indent="0">
@@ -4448,44 +4410,8 @@
               <a:buNone/>
             </a:pPr>
             <a:r>
-              <a:rPr lang="fr-FR" sz="2000" dirty="0" smtClean="0"/>
-              <a:t>Rappelez-vous </a:t>
-            </a:r>
-            <a:r>
               <a:rPr lang="fr-FR" sz="2000" dirty="0"/>
-              <a:t>d’utiliser la touche </a:t>
-            </a:r>
-            <a:r>
-              <a:rPr lang="fr-FR" sz="2000" dirty="0" smtClean="0"/>
-              <a:t>[F] </a:t>
-            </a:r>
-            <a:r>
-              <a:rPr lang="fr-FR" sz="2000" dirty="0"/>
-              <a:t>pour répondre « </a:t>
-            </a:r>
-            <a:r>
-              <a:rPr lang="fr-FR" sz="2000" dirty="0" smtClean="0"/>
-              <a:t>Femmes </a:t>
-            </a:r>
-            <a:r>
-              <a:rPr lang="fr-FR" sz="2000" dirty="0"/>
-              <a:t>» et la touche </a:t>
-            </a:r>
-            <a:r>
-              <a:rPr lang="fr-FR" sz="2000" dirty="0" smtClean="0"/>
-              <a:t>[H] </a:t>
-            </a:r>
-            <a:r>
-              <a:rPr lang="fr-FR" sz="2000" dirty="0"/>
-              <a:t>pour répondre « </a:t>
-            </a:r>
-            <a:r>
-              <a:rPr lang="fr-FR" sz="2000" dirty="0" smtClean="0"/>
-              <a:t>Hommes </a:t>
-            </a:r>
-            <a:r>
-              <a:rPr lang="fr-FR" sz="2000" dirty="0"/>
-              <a:t>». </a:t>
+              <a:t>Rappelez-vous d’utiliser la touche [F] pour répondre « Femmes » et la touche [H] pour répondre « Hommes ». </a:t>
             </a:r>
           </a:p>
           <a:p>
@@ -4501,7 +4427,7 @@
         </p:nvSpPr>
         <p:spPr>
           <a:xfrm>
-            <a:off x="4121485" y="6369919"/>
+            <a:off x="4121486" y="6369919"/>
             <a:ext cx="3949030" cy="400110"/>
           </a:xfrm>
           <a:prstGeom prst="rect">
@@ -4604,7 +4530,7 @@
         </p:nvSpPr>
         <p:spPr>
           <a:xfrm>
-            <a:off x="838199" y="1825625"/>
+            <a:off x="838200" y="1825625"/>
             <a:ext cx="10608425" cy="4351338"/>
           </a:xfrm>
         </p:spPr>
@@ -4621,7 +4547,7 @@
             <a:pPr marL="0" indent="0">
               <a:buNone/>
             </a:pPr>
-            <a:endParaRPr lang="fr-FR" sz="2000" dirty="0" smtClean="0"/>
+            <a:endParaRPr lang="fr-FR" sz="2000" dirty="0"/>
           </a:p>
           <a:p>
             <a:pPr marL="0" indent="0">
@@ -4633,11 +4559,7 @@
             </a:r>
             <a:r>
               <a:rPr lang="fr-FR" sz="2000" i="1" dirty="0"/>
-              <a:t>jeu de </a:t>
-            </a:r>
-            <a:r>
-              <a:rPr lang="fr-FR" sz="2000" i="1" dirty="0" smtClean="0"/>
-              <a:t>mémoire </a:t>
+              <a:t>jeu de mémoire </a:t>
             </a:r>
             <a:r>
               <a:rPr lang="fr-FR" sz="2000" dirty="0"/>
@@ -4648,7 +4570,7 @@
             <a:pPr marL="0" indent="0">
               <a:buNone/>
             </a:pPr>
-            <a:endParaRPr lang="fr-FR" sz="2000" dirty="0" smtClean="0"/>
+            <a:endParaRPr lang="fr-FR" sz="2000" dirty="0"/>
           </a:p>
           <a:p>
             <a:pPr marL="0" indent="0">
@@ -4661,12 +4583,8 @@
               <a:buNone/>
             </a:pPr>
             <a:r>
-              <a:rPr lang="fr-FR" sz="2000" dirty="0" smtClean="0"/>
-              <a:t>Si </a:t>
-            </a:r>
-            <a:r>
               <a:rPr lang="fr-FR" sz="2000" dirty="0"/>
-              <a:t>vous avez des questions, demandez à l’expérimentatrice  s’il vous plait. </a:t>
+              <a:t>Si vous avez des questions, demandez à l’expérimentatrice  s’il vous plait. </a:t>
             </a:r>
           </a:p>
           <a:p>
@@ -4682,7 +4600,7 @@
         </p:nvSpPr>
         <p:spPr>
           <a:xfrm>
-            <a:off x="4121485" y="6369919"/>
+            <a:off x="4121486" y="6369919"/>
             <a:ext cx="3949030" cy="400110"/>
           </a:xfrm>
           <a:prstGeom prst="rect">
@@ -4806,19 +4724,19 @@
             <a:pPr marL="0" indent="0">
               <a:buNone/>
             </a:pPr>
-            <a:endParaRPr lang="fr-FR" sz="2000" dirty="0" smtClean="0"/>
+            <a:endParaRPr lang="fr-FR" sz="2000" dirty="0"/>
           </a:p>
           <a:p>
             <a:pPr marL="0" indent="0">
               <a:buNone/>
             </a:pPr>
             <a:r>
-              <a:rPr lang="fr-FR" sz="2000" dirty="0" smtClean="0"/>
+              <a:rPr lang="fr-FR" sz="2000" dirty="0"/>
               <a:t>Vous allez maintenant commencer le jeu. </a:t>
             </a:r>
           </a:p>
           <a:p>
-            <a:endParaRPr lang="fr-FR" sz="2000" dirty="0" smtClean="0"/>
+            <a:endParaRPr lang="fr-FR" sz="2000" dirty="0"/>
           </a:p>
           <a:p>
             <a:pPr marL="0" indent="0">
@@ -4831,7 +4749,7 @@
               <a:buNone/>
             </a:pPr>
             <a:r>
-              <a:rPr lang="fr-FR" sz="2000" dirty="0" smtClean="0"/>
+              <a:rPr lang="fr-FR" sz="2000" dirty="0"/>
               <a:t>Rappelez-vous d’utiliser la touche [F] pour répondre « Femmes » et la touche [H] pour répondre « Hommes ». </a:t>
             </a:r>
           </a:p>
@@ -4845,7 +4763,7 @@
         </p:nvSpPr>
         <p:spPr>
           <a:xfrm>
-            <a:off x="4121485" y="6369919"/>
+            <a:off x="4121486" y="6369919"/>
             <a:ext cx="3949030" cy="400110"/>
           </a:xfrm>
           <a:prstGeom prst="rect">
@@ -4921,7 +4839,7 @@
         </p:nvSpPr>
         <p:spPr>
           <a:xfrm>
-            <a:off x="2556683" y="2718262"/>
+            <a:off x="2556683" y="2718263"/>
             <a:ext cx="7078634" cy="482137"/>
           </a:xfrm>
         </p:spPr>
@@ -4962,7 +4880,7 @@
         </p:nvSpPr>
         <p:spPr>
           <a:xfrm>
-            <a:off x="3959629" y="3735187"/>
+            <a:off x="3959630" y="3735187"/>
             <a:ext cx="4272742" cy="520930"/>
           </a:xfrm>
           <a:prstGeom prst="rect">
@@ -5142,17 +5060,15 @@
               <a:buNone/>
             </a:pPr>
             <a:r>
-              <a:rPr lang="fr-FR" dirty="0" smtClean="0"/>
+              <a:rPr lang="fr-FR" dirty="0"/>
               <a:t>Femmes [F]  /  Hommes [H]</a:t>
             </a:r>
+          </a:p>
+          <a:p>
+            <a:pPr marL="0" indent="0">
+              <a:buNone/>
+            </a:pPr>
             <a:endParaRPr lang="fr-FR" dirty="0"/>
-          </a:p>
-          <a:p>
-            <a:pPr marL="0" indent="0">
-              <a:buFont typeface="Arial" panose="020B0604020202020204" pitchFamily="34" charset="0"/>
-              <a:buNone/>
-            </a:pPr>
-            <a:endParaRPr lang="fr-FR" dirty="0" smtClean="0"/>
           </a:p>
         </p:txBody>
       </p:sp>
@@ -5205,7 +5121,7 @@
         </p:nvSpPr>
         <p:spPr>
           <a:xfrm>
-            <a:off x="2591147" y="2766219"/>
+            <a:off x="2591147" y="2766220"/>
             <a:ext cx="7009707" cy="1325563"/>
           </a:xfrm>
         </p:spPr>
@@ -5238,7 +5154,7 @@
         </p:nvSpPr>
         <p:spPr>
           <a:xfrm>
-            <a:off x="4121485" y="6369919"/>
+            <a:off x="4121486" y="6369919"/>
             <a:ext cx="3949030" cy="400110"/>
           </a:xfrm>
           <a:prstGeom prst="rect">
@@ -5347,7 +5263,6 @@
               <a:rPr lang="fr-FR" sz="2000" dirty="0"/>
               <a:t>) qui durent environ 20 minutes chacun. </a:t>
             </a:r>
-            <a:endParaRPr lang="fr-FR" sz="2000" dirty="0" smtClean="0"/>
           </a:p>
           <a:p>
             <a:pPr marL="0" indent="0" algn="just">
@@ -5385,11 +5300,7 @@
             </a:r>
             <a:r>
               <a:rPr lang="fr-FR" sz="2000" dirty="0"/>
-              <a:t>. Nous vous indiquerons, à chaque essai, quelle est la récompense en jeu</a:t>
-            </a:r>
-            <a:r>
-              <a:rPr lang="fr-FR" sz="2000" dirty="0" smtClean="0"/>
-              <a:t>.</a:t>
+              <a:t>. Nous vous indiquerons, à chaque essai, quelle est la récompense en jeu.</a:t>
             </a:r>
           </a:p>
           <a:p>
@@ -5444,7 +5355,7 @@
         </p:nvSpPr>
         <p:spPr>
           <a:xfrm>
-            <a:off x="4121485" y="6369919"/>
+            <a:off x="4121486" y="6369919"/>
             <a:ext cx="3949030" cy="400110"/>
           </a:xfrm>
           <a:prstGeom prst="rect">
@@ -5569,8 +5480,8 @@
         </p:nvSpPr>
         <p:spPr>
           <a:xfrm>
-            <a:off x="4376459" y="6369919"/>
-            <a:ext cx="3439083" cy="400110"/>
+            <a:off x="4376460" y="6369919"/>
+            <a:ext cx="3381375" cy="400110"/>
           </a:xfrm>
           <a:prstGeom prst="rect">
             <a:avLst/>
@@ -5591,27 +5502,8 @@
                   </a:schemeClr>
                 </a:solidFill>
               </a:rPr>
-              <a:t>Appuyez sur [espace] pour </a:t>
-            </a:r>
-            <a:r>
-              <a:rPr lang="fr-FR" sz="2000" i="1" dirty="0" smtClean="0">
-                <a:solidFill>
-                  <a:schemeClr val="tx1">
-                    <a:lumMod val="50000"/>
-                    <a:lumOff val="50000"/>
-                  </a:schemeClr>
-                </a:solidFill>
-              </a:rPr>
-              <a:t>finir</a:t>
-            </a:r>
-            <a:endParaRPr lang="fr-FR" sz="2000" i="1" dirty="0">
-              <a:solidFill>
-                <a:schemeClr val="tx1">
-                  <a:lumMod val="50000"/>
-                  <a:lumOff val="50000"/>
-                </a:schemeClr>
-              </a:solidFill>
-            </a:endParaRPr>
+              <a:t>Appuyez sur [espace] pour finir</a:t>
+            </a:r>
           </a:p>
         </p:txBody>
       </p:sp>
@@ -5664,7 +5556,7 @@
         </p:nvSpPr>
         <p:spPr>
           <a:xfrm>
-            <a:off x="3502685" y="2202873"/>
+            <a:off x="3502686" y="2202873"/>
             <a:ext cx="5186631" cy="565265"/>
           </a:xfrm>
         </p:spPr>
@@ -5693,7 +5585,7 @@
         </p:nvSpPr>
         <p:spPr>
           <a:xfrm>
-            <a:off x="4121485" y="6369919"/>
+            <a:off x="4121486" y="6369919"/>
             <a:ext cx="3949030" cy="400110"/>
           </a:xfrm>
           <a:prstGeom prst="rect">
@@ -5799,7 +5691,7 @@
         </p:nvSpPr>
         <p:spPr>
           <a:xfrm>
-            <a:off x="3502685" y="2148842"/>
+            <a:off x="3502686" y="2148842"/>
             <a:ext cx="5186631" cy="477980"/>
           </a:xfrm>
         </p:spPr>
@@ -5836,7 +5728,7 @@
         </p:nvSpPr>
         <p:spPr>
           <a:xfrm>
-            <a:off x="4121485" y="6369919"/>
+            <a:off x="4121486" y="6369919"/>
             <a:ext cx="3949030" cy="400110"/>
           </a:xfrm>
           <a:prstGeom prst="rect">
@@ -5942,7 +5834,7 @@
         </p:nvSpPr>
         <p:spPr>
           <a:xfrm>
-            <a:off x="3502685" y="2148842"/>
+            <a:off x="3502686" y="2148842"/>
             <a:ext cx="5186631" cy="477980"/>
           </a:xfrm>
         </p:spPr>
@@ -5979,7 +5871,7 @@
         </p:nvSpPr>
         <p:spPr>
           <a:xfrm>
-            <a:off x="4121485" y="6369919"/>
+            <a:off x="4121486" y="6369919"/>
             <a:ext cx="3949030" cy="400110"/>
           </a:xfrm>
           <a:prstGeom prst="rect">
@@ -6058,7 +5950,7 @@
         </p:blipFill>
         <p:spPr>
           <a:xfrm>
-            <a:off x="5556000" y="3219596"/>
+            <a:off x="5556001" y="3219596"/>
             <a:ext cx="1087105" cy="1080000"/>
           </a:xfrm>
           <a:prstGeom prst="rect">
@@ -6154,7 +6046,7 @@
               <a:buNone/>
             </a:pPr>
             <a:r>
-              <a:rPr lang="fr-FR" sz="2000" dirty="0" smtClean="0"/>
+              <a:rPr lang="fr-FR" sz="2000" dirty="0"/>
               <a:t>A chaque essai de ce jeu, nous allons vous présenter une séquence d’images de visages très rapide. Certains de ces visages ont été brouillés pour vous distraire.</a:t>
             </a:r>
           </a:p>
@@ -6162,27 +6054,22 @@
             <a:pPr marL="0" indent="0" algn="just">
               <a:buNone/>
             </a:pPr>
-            <a:endParaRPr lang="fr-FR" sz="2000" dirty="0" smtClean="0"/>
+            <a:endParaRPr lang="fr-FR" sz="2000" dirty="0"/>
           </a:p>
           <a:p>
             <a:pPr marL="0" indent="0" algn="just">
               <a:buNone/>
             </a:pPr>
             <a:r>
-              <a:rPr lang="fr-FR" sz="2000" dirty="0" smtClean="0"/>
-              <a:t>Le jeu consiste à reconnaître le genre (homme ou femme) des visages intactes, c’est-à-dire non brouillés. Exemple</a:t>
-            </a:r>
-            <a:r>
-              <a:rPr lang="fr-FR" sz="2000" dirty="0" smtClean="0"/>
-              <a:t>: </a:t>
-            </a:r>
-            <a:endParaRPr lang="fr-FR" sz="2000" dirty="0" smtClean="0"/>
+              <a:rPr lang="fr-FR" sz="2000" dirty="0"/>
+              <a:t>Le jeu consiste à reconnaître le genre (homme ou femme) des visages intactes, c’est-à-dire non brouillés. Exemple: </a:t>
+            </a:r>
           </a:p>
           <a:p>
             <a:pPr marL="0" indent="0" algn="just">
               <a:buNone/>
             </a:pPr>
-            <a:endParaRPr lang="fr-FR" sz="2000" dirty="0" smtClean="0"/>
+            <a:endParaRPr lang="fr-FR" sz="2000" dirty="0"/>
           </a:p>
           <a:p>
             <a:endParaRPr lang="fr-FR" dirty="0"/>
@@ -6197,7 +6084,7 @@
         </p:nvSpPr>
         <p:spPr>
           <a:xfrm>
-            <a:off x="4121485" y="6369919"/>
+            <a:off x="4121486" y="6369919"/>
             <a:ext cx="3949030" cy="400110"/>
           </a:xfrm>
           <a:prstGeom prst="rect">
@@ -6239,7 +6126,7 @@
         </p:blipFill>
         <p:spPr>
           <a:xfrm>
-            <a:off x="7365076" y="4330931"/>
+            <a:off x="7365077" y="4330931"/>
             <a:ext cx="1875349" cy="1800000"/>
           </a:xfrm>
           <a:prstGeom prst="rect">
@@ -6262,7 +6149,7 @@
         </p:blipFill>
         <p:spPr>
           <a:xfrm>
-            <a:off x="3050771" y="4322618"/>
+            <a:off x="3050772" y="4322618"/>
             <a:ext cx="1791548" cy="1800000"/>
           </a:xfrm>
           <a:prstGeom prst="rect">
@@ -6457,27 +6344,24 @@
           </a:lstStyle>
           <a:p>
             <a:pPr marL="0" indent="0" algn="just">
-              <a:buFont typeface="Arial" panose="020B0604020202020204" pitchFamily="34" charset="0"/>
-              <a:buNone/>
-            </a:pPr>
-            <a:r>
-              <a:rPr lang="fr-FR" sz="2000" dirty="0" smtClean="0"/>
+              <a:buNone/>
+            </a:pPr>
+            <a:r>
+              <a:rPr lang="fr-FR" sz="2000" dirty="0"/>
               <a:t>Visage brouillé</a:t>
             </a:r>
           </a:p>
           <a:p>
             <a:pPr marL="0" indent="0" algn="just">
-              <a:buFont typeface="Arial" panose="020B0604020202020204" pitchFamily="34" charset="0"/>
-              <a:buNone/>
-            </a:pPr>
-            <a:endParaRPr lang="fr-FR" sz="2000" dirty="0" smtClean="0"/>
+              <a:buNone/>
+            </a:pPr>
+            <a:endParaRPr lang="fr-FR" sz="2000" dirty="0"/>
           </a:p>
           <a:p>
             <a:pPr marL="0" indent="0" algn="just">
-              <a:buFont typeface="Arial" panose="020B0604020202020204" pitchFamily="34" charset="0"/>
-              <a:buNone/>
-            </a:pPr>
-            <a:endParaRPr lang="fr-FR" sz="2000" dirty="0" smtClean="0"/>
+              <a:buNone/>
+            </a:pPr>
+            <a:endParaRPr lang="fr-FR" sz="2000" dirty="0"/>
           </a:p>
           <a:p>
             <a:endParaRPr lang="fr-FR" dirty="0"/>
@@ -6671,27 +6555,24 @@
           </a:lstStyle>
           <a:p>
             <a:pPr marL="0" indent="0" algn="just">
-              <a:buFont typeface="Arial" panose="020B0604020202020204" pitchFamily="34" charset="0"/>
-              <a:buNone/>
-            </a:pPr>
-            <a:r>
-              <a:rPr lang="fr-FR" sz="2000" dirty="0" smtClean="0"/>
+              <a:buNone/>
+            </a:pPr>
+            <a:r>
+              <a:rPr lang="fr-FR" sz="2000" dirty="0"/>
               <a:t>Visage intact </a:t>
             </a:r>
           </a:p>
           <a:p>
             <a:pPr marL="0" indent="0" algn="just">
-              <a:buFont typeface="Arial" panose="020B0604020202020204" pitchFamily="34" charset="0"/>
-              <a:buNone/>
-            </a:pPr>
-            <a:endParaRPr lang="fr-FR" sz="2000" dirty="0" smtClean="0"/>
+              <a:buNone/>
+            </a:pPr>
+            <a:endParaRPr lang="fr-FR" sz="2000" dirty="0"/>
           </a:p>
           <a:p>
             <a:pPr marL="0" indent="0" algn="just">
-              <a:buFont typeface="Arial" panose="020B0604020202020204" pitchFamily="34" charset="0"/>
-              <a:buNone/>
-            </a:pPr>
-            <a:endParaRPr lang="fr-FR" sz="2000" dirty="0" smtClean="0"/>
+              <a:buNone/>
+            </a:pPr>
+            <a:endParaRPr lang="fr-FR" sz="2000" dirty="0"/>
           </a:p>
           <a:p>
             <a:endParaRPr lang="fr-FR" dirty="0"/>
@@ -6780,14 +6661,14 @@
             <a:pPr marL="0" indent="0" algn="just">
               <a:buNone/>
             </a:pPr>
-            <a:endParaRPr lang="fr-FR" sz="2000" dirty="0" smtClean="0"/>
+            <a:endParaRPr lang="fr-FR" sz="2000" dirty="0"/>
           </a:p>
           <a:p>
             <a:pPr marL="0" indent="0" algn="just">
               <a:buNone/>
             </a:pPr>
             <a:r>
-              <a:rPr lang="fr-FR" sz="2000" dirty="0" smtClean="0"/>
+              <a:rPr lang="fr-FR" sz="2000" dirty="0"/>
               <a:t>Dans certains essais, nous vous demanderons si vous avez vu "au moins un homme" ; dans les autres, nous vous demanderons si vous avez vu "au moins une femme". </a:t>
             </a:r>
           </a:p>
@@ -6802,7 +6683,7 @@
               <a:buNone/>
             </a:pPr>
             <a:r>
-              <a:rPr lang="fr-FR" sz="2000" dirty="0" smtClean="0"/>
+              <a:rPr lang="fr-FR" sz="2000" dirty="0"/>
               <a:t>Répondez par « Oui » ou par « Non » aussi rapidement que possible, en appuyant sur les touches [O] ou [N] du clavier. </a:t>
             </a:r>
           </a:p>
@@ -6810,14 +6691,14 @@
             <a:pPr marL="0" indent="0" algn="just">
               <a:buNone/>
             </a:pPr>
-            <a:endParaRPr lang="fr-FR" sz="2000" dirty="0" smtClean="0"/>
+            <a:endParaRPr lang="fr-FR" sz="2000" dirty="0"/>
           </a:p>
           <a:p>
             <a:pPr marL="0" indent="0" algn="just">
               <a:buNone/>
             </a:pPr>
             <a:r>
-              <a:rPr lang="fr-FR" sz="2000" dirty="0" smtClean="0"/>
+              <a:rPr lang="fr-FR" sz="2000" dirty="0"/>
               <a:t>Attention: vous ne pourrez pas modifier votre réponse!</a:t>
             </a:r>
           </a:p>
@@ -6834,7 +6715,7 @@
         </p:nvSpPr>
         <p:spPr>
           <a:xfrm>
-            <a:off x="4121485" y="6369919"/>
+            <a:off x="4121486" y="6369919"/>
             <a:ext cx="3949030" cy="400110"/>
           </a:xfrm>
           <a:prstGeom prst="rect">
@@ -6937,7 +6818,7 @@
         </p:nvSpPr>
         <p:spPr>
           <a:xfrm>
-            <a:off x="838199" y="1825625"/>
+            <a:off x="838200" y="1825625"/>
             <a:ext cx="10608425" cy="4351338"/>
           </a:xfrm>
         </p:spPr>
@@ -6954,23 +6835,19 @@
             <a:pPr marL="0" indent="0">
               <a:buNone/>
             </a:pPr>
-            <a:endParaRPr lang="fr-FR" sz="2000" dirty="0" smtClean="0"/>
+            <a:endParaRPr lang="fr-FR" sz="2000" dirty="0"/>
           </a:p>
           <a:p>
             <a:pPr marL="0" indent="0">
               <a:buNone/>
             </a:pPr>
             <a:r>
-              <a:rPr lang="fr-FR" sz="2000" dirty="0" smtClean="0"/>
-              <a:t>Vous </a:t>
-            </a:r>
-            <a:r>
               <a:rPr lang="fr-FR" sz="2000" dirty="0"/>
-              <a:t>allez maintenant avoir plusieurs essais d’entrainement. </a:t>
-            </a:r>
-          </a:p>
-          <a:p>
-            <a:endParaRPr lang="fr-FR" sz="2000" dirty="0" smtClean="0"/>
+              <a:t>Vous allez maintenant avoir plusieurs essais d’entrainement. </a:t>
+            </a:r>
+          </a:p>
+          <a:p>
+            <a:endParaRPr lang="fr-FR" sz="2000" dirty="0"/>
           </a:p>
           <a:p>
             <a:pPr marL="0" indent="0">
@@ -6983,12 +6860,8 @@
               <a:buNone/>
             </a:pPr>
             <a:r>
-              <a:rPr lang="fr-FR" sz="2000" dirty="0" smtClean="0"/>
-              <a:t>Rappelez-vous </a:t>
-            </a:r>
-            <a:r>
               <a:rPr lang="fr-FR" sz="2000" dirty="0"/>
-              <a:t>d’utiliser la touche [O] pour répondre « Oui » et la touche [N] pour répondre « Non ». </a:t>
+              <a:t>Rappelez-vous d’utiliser la touche [O] pour répondre « Oui » et la touche [N] pour répondre « Non ». </a:t>
             </a:r>
           </a:p>
           <a:p>
@@ -7004,7 +6877,7 @@
         </p:nvSpPr>
         <p:spPr>
           <a:xfrm>
-            <a:off x="4121485" y="6369919"/>
+            <a:off x="4121486" y="6369919"/>
             <a:ext cx="3949030" cy="400110"/>
           </a:xfrm>
           <a:prstGeom prst="rect">
@@ -7107,7 +6980,7 @@
         </p:nvSpPr>
         <p:spPr>
           <a:xfrm>
-            <a:off x="838199" y="1825625"/>
+            <a:off x="838200" y="1825625"/>
             <a:ext cx="10608425" cy="4351338"/>
           </a:xfrm>
         </p:spPr>
@@ -7124,7 +6997,7 @@
             <a:pPr marL="0" indent="0">
               <a:buNone/>
             </a:pPr>
-            <a:endParaRPr lang="fr-FR" sz="2000" dirty="0" smtClean="0"/>
+            <a:endParaRPr lang="fr-FR" sz="2000" dirty="0"/>
           </a:p>
           <a:p>
             <a:pPr marL="0" indent="0">
@@ -7139,7 +7012,7 @@
             <a:pPr marL="0" indent="0">
               <a:buNone/>
             </a:pPr>
-            <a:endParaRPr lang="fr-FR" sz="2000" dirty="0" smtClean="0"/>
+            <a:endParaRPr lang="fr-FR" sz="2000" dirty="0"/>
           </a:p>
           <a:p>
             <a:pPr marL="0" indent="0">
@@ -7152,12 +7025,8 @@
               <a:buNone/>
             </a:pPr>
             <a:r>
-              <a:rPr lang="fr-FR" sz="2000" dirty="0" smtClean="0"/>
-              <a:t>Si </a:t>
-            </a:r>
-            <a:r>
               <a:rPr lang="fr-FR" sz="2000" dirty="0"/>
-              <a:t>vous avez des questions, demandez à l’expérimentatrice  s’il vous plait. </a:t>
+              <a:t>Si vous avez des questions, demandez à l’expérimentatrice  s’il vous plait. </a:t>
             </a:r>
           </a:p>
           <a:p>
@@ -7173,7 +7042,7 @@
         </p:nvSpPr>
         <p:spPr>
           <a:xfrm>
-            <a:off x="4121485" y="6369919"/>
+            <a:off x="4121486" y="6369919"/>
             <a:ext cx="3949030" cy="400110"/>
           </a:xfrm>
           <a:prstGeom prst="rect">

--- a/instructions/instructionsDiapo.pptx
+++ b/instructions/instructionsDiapo.pptx
@@ -123,6 +123,11 @@
       </a:defRPr>
     </a:lvl9pPr>
   </p:defaultTextStyle>
+  <p:extLst>
+    <p:ext uri="{EFAFB233-063F-42B5-8137-9DF3F51BA10A}">
+      <p15:sldGuideLst xmlns:p15="http://schemas.microsoft.com/office/powerpoint/2012/main"/>
+    </p:ext>
+  </p:extLst>
 </p:presentation>
 </file>
 
@@ -168,10 +173,9 @@
           </a:lstStyle>
           <a:p>
             <a:r>
-              <a:rPr lang="fr-FR" smtClean="0"/>
+              <a:rPr lang="fr-FR"/>
               <a:t>Modifiez le style du titre</a:t>
             </a:r>
-            <a:endParaRPr lang="fr-FR"/>
           </a:p>
         </p:txBody>
       </p:sp>
@@ -233,10 +237,9 @@
           </a:lstStyle>
           <a:p>
             <a:r>
-              <a:rPr lang="fr-FR" smtClean="0"/>
+              <a:rPr lang="fr-FR"/>
               <a:t>Modifier le style des sous-titres du masque</a:t>
             </a:r>
-            <a:endParaRPr lang="fr-FR"/>
           </a:p>
         </p:txBody>
       </p:sp>
@@ -257,7 +260,7 @@
           <a:p>
             <a:fld id="{712DDF4E-9AD6-4EE5-9343-468C572CABA6}" type="datetimeFigureOut">
               <a:rPr lang="fr-FR" smtClean="0"/>
-              <a:t>04/03/2020</a:t>
+              <a:t>09/03/2020</a:t>
             </a:fld>
             <a:endParaRPr lang="fr-FR" dirty="0"/>
           </a:p>
@@ -299,7 +302,7 @@
           <a:p>
             <a:fld id="{6496F53C-98F8-4EF1-8F44-F193611899A2}" type="slidenum">
               <a:rPr lang="fr-FR" smtClean="0"/>
-              <a:t>‹N°›</a:t>
+              <a:t>‹#›</a:t>
             </a:fld>
             <a:endParaRPr lang="fr-FR" dirty="0"/>
           </a:p>
@@ -351,10 +354,9 @@
           <a:lstStyle/>
           <a:p>
             <a:r>
-              <a:rPr lang="fr-FR" smtClean="0"/>
+              <a:rPr lang="fr-FR"/>
               <a:t>Modifiez le style du titre</a:t>
             </a:r>
-            <a:endParaRPr lang="fr-FR"/>
           </a:p>
         </p:txBody>
       </p:sp>
@@ -375,38 +377,37 @@
           <a:p>
             <a:pPr lvl="0"/>
             <a:r>
-              <a:rPr lang="fr-FR" smtClean="0"/>
+              <a:rPr lang="fr-FR"/>
               <a:t>Modifier les styles du texte du masque</a:t>
             </a:r>
           </a:p>
           <a:p>
             <a:pPr lvl="1"/>
             <a:r>
-              <a:rPr lang="fr-FR" smtClean="0"/>
+              <a:rPr lang="fr-FR"/>
               <a:t>Deuxième niveau</a:t>
             </a:r>
           </a:p>
           <a:p>
             <a:pPr lvl="2"/>
             <a:r>
-              <a:rPr lang="fr-FR" smtClean="0"/>
+              <a:rPr lang="fr-FR"/>
               <a:t>Troisième niveau</a:t>
             </a:r>
           </a:p>
           <a:p>
             <a:pPr lvl="3"/>
             <a:r>
-              <a:rPr lang="fr-FR" smtClean="0"/>
+              <a:rPr lang="fr-FR"/>
               <a:t>Quatrième niveau</a:t>
             </a:r>
           </a:p>
           <a:p>
             <a:pPr lvl="4"/>
             <a:r>
-              <a:rPr lang="fr-FR" smtClean="0"/>
+              <a:rPr lang="fr-FR"/>
               <a:t>Cinquième niveau</a:t>
             </a:r>
-            <a:endParaRPr lang="fr-FR"/>
           </a:p>
         </p:txBody>
       </p:sp>
@@ -427,7 +428,7 @@
           <a:p>
             <a:fld id="{712DDF4E-9AD6-4EE5-9343-468C572CABA6}" type="datetimeFigureOut">
               <a:rPr lang="fr-FR" smtClean="0"/>
-              <a:t>04/03/2020</a:t>
+              <a:t>09/03/2020</a:t>
             </a:fld>
             <a:endParaRPr lang="fr-FR" dirty="0"/>
           </a:p>
@@ -469,7 +470,7 @@
           <a:p>
             <a:fld id="{6496F53C-98F8-4EF1-8F44-F193611899A2}" type="slidenum">
               <a:rPr lang="fr-FR" smtClean="0"/>
-              <a:t>‹N°›</a:t>
+              <a:t>‹#›</a:t>
             </a:fld>
             <a:endParaRPr lang="fr-FR" dirty="0"/>
           </a:p>
@@ -526,10 +527,9 @@
           <a:lstStyle/>
           <a:p>
             <a:r>
-              <a:rPr lang="fr-FR" smtClean="0"/>
+              <a:rPr lang="fr-FR"/>
               <a:t>Modifiez le style du titre</a:t>
             </a:r>
-            <a:endParaRPr lang="fr-FR"/>
           </a:p>
         </p:txBody>
       </p:sp>
@@ -555,38 +555,37 @@
           <a:p>
             <a:pPr lvl="0"/>
             <a:r>
-              <a:rPr lang="fr-FR" smtClean="0"/>
+              <a:rPr lang="fr-FR"/>
               <a:t>Modifier les styles du texte du masque</a:t>
             </a:r>
           </a:p>
           <a:p>
             <a:pPr lvl="1"/>
             <a:r>
-              <a:rPr lang="fr-FR" smtClean="0"/>
+              <a:rPr lang="fr-FR"/>
               <a:t>Deuxième niveau</a:t>
             </a:r>
           </a:p>
           <a:p>
             <a:pPr lvl="2"/>
             <a:r>
-              <a:rPr lang="fr-FR" smtClean="0"/>
+              <a:rPr lang="fr-FR"/>
               <a:t>Troisième niveau</a:t>
             </a:r>
           </a:p>
           <a:p>
             <a:pPr lvl="3"/>
             <a:r>
-              <a:rPr lang="fr-FR" smtClean="0"/>
+              <a:rPr lang="fr-FR"/>
               <a:t>Quatrième niveau</a:t>
             </a:r>
           </a:p>
           <a:p>
             <a:pPr lvl="4"/>
             <a:r>
-              <a:rPr lang="fr-FR" smtClean="0"/>
+              <a:rPr lang="fr-FR"/>
               <a:t>Cinquième niveau</a:t>
             </a:r>
-            <a:endParaRPr lang="fr-FR"/>
           </a:p>
         </p:txBody>
       </p:sp>
@@ -607,7 +606,7 @@
           <a:p>
             <a:fld id="{712DDF4E-9AD6-4EE5-9343-468C572CABA6}" type="datetimeFigureOut">
               <a:rPr lang="fr-FR" smtClean="0"/>
-              <a:t>04/03/2020</a:t>
+              <a:t>09/03/2020</a:t>
             </a:fld>
             <a:endParaRPr lang="fr-FR" dirty="0"/>
           </a:p>
@@ -649,7 +648,7 @@
           <a:p>
             <a:fld id="{6496F53C-98F8-4EF1-8F44-F193611899A2}" type="slidenum">
               <a:rPr lang="fr-FR" smtClean="0"/>
-              <a:t>‹N°›</a:t>
+              <a:t>‹#›</a:t>
             </a:fld>
             <a:endParaRPr lang="fr-FR" dirty="0"/>
           </a:p>
@@ -701,10 +700,9 @@
           <a:lstStyle/>
           <a:p>
             <a:r>
-              <a:rPr lang="fr-FR" smtClean="0"/>
+              <a:rPr lang="fr-FR"/>
               <a:t>Modifiez le style du titre</a:t>
             </a:r>
-            <a:endParaRPr lang="fr-FR"/>
           </a:p>
         </p:txBody>
       </p:sp>
@@ -725,38 +723,37 @@
           <a:p>
             <a:pPr lvl="0"/>
             <a:r>
-              <a:rPr lang="fr-FR" smtClean="0"/>
+              <a:rPr lang="fr-FR"/>
               <a:t>Modifier les styles du texte du masque</a:t>
             </a:r>
           </a:p>
           <a:p>
             <a:pPr lvl="1"/>
             <a:r>
-              <a:rPr lang="fr-FR" smtClean="0"/>
+              <a:rPr lang="fr-FR"/>
               <a:t>Deuxième niveau</a:t>
             </a:r>
           </a:p>
           <a:p>
             <a:pPr lvl="2"/>
             <a:r>
-              <a:rPr lang="fr-FR" smtClean="0"/>
+              <a:rPr lang="fr-FR"/>
               <a:t>Troisième niveau</a:t>
             </a:r>
           </a:p>
           <a:p>
             <a:pPr lvl="3"/>
             <a:r>
-              <a:rPr lang="fr-FR" smtClean="0"/>
+              <a:rPr lang="fr-FR"/>
               <a:t>Quatrième niveau</a:t>
             </a:r>
           </a:p>
           <a:p>
             <a:pPr lvl="4"/>
             <a:r>
-              <a:rPr lang="fr-FR" smtClean="0"/>
+              <a:rPr lang="fr-FR"/>
               <a:t>Cinquième niveau</a:t>
             </a:r>
-            <a:endParaRPr lang="fr-FR"/>
           </a:p>
         </p:txBody>
       </p:sp>
@@ -777,7 +774,7 @@
           <a:p>
             <a:fld id="{712DDF4E-9AD6-4EE5-9343-468C572CABA6}" type="datetimeFigureOut">
               <a:rPr lang="fr-FR" smtClean="0"/>
-              <a:t>04/03/2020</a:t>
+              <a:t>09/03/2020</a:t>
             </a:fld>
             <a:endParaRPr lang="fr-FR" dirty="0"/>
           </a:p>
@@ -819,7 +816,7 @@
           <a:p>
             <a:fld id="{6496F53C-98F8-4EF1-8F44-F193611899A2}" type="slidenum">
               <a:rPr lang="fr-FR" smtClean="0"/>
-              <a:t>‹N°›</a:t>
+              <a:t>‹#›</a:t>
             </a:fld>
             <a:endParaRPr lang="fr-FR" dirty="0"/>
           </a:p>
@@ -880,10 +877,9 @@
           </a:lstStyle>
           <a:p>
             <a:r>
-              <a:rPr lang="fr-FR" smtClean="0"/>
+              <a:rPr lang="fr-FR"/>
               <a:t>Modifiez le style du titre</a:t>
             </a:r>
-            <a:endParaRPr lang="fr-FR"/>
           </a:p>
         </p:txBody>
       </p:sp>
@@ -1000,7 +996,7 @@
           <a:p>
             <a:pPr lvl="0"/>
             <a:r>
-              <a:rPr lang="fr-FR" smtClean="0"/>
+              <a:rPr lang="fr-FR"/>
               <a:t>Modifier les styles du texte du masque</a:t>
             </a:r>
           </a:p>
@@ -1023,7 +1019,7 @@
           <a:p>
             <a:fld id="{712DDF4E-9AD6-4EE5-9343-468C572CABA6}" type="datetimeFigureOut">
               <a:rPr lang="fr-FR" smtClean="0"/>
-              <a:t>04/03/2020</a:t>
+              <a:t>09/03/2020</a:t>
             </a:fld>
             <a:endParaRPr lang="fr-FR" dirty="0"/>
           </a:p>
@@ -1065,7 +1061,7 @@
           <a:p>
             <a:fld id="{6496F53C-98F8-4EF1-8F44-F193611899A2}" type="slidenum">
               <a:rPr lang="fr-FR" smtClean="0"/>
-              <a:t>‹N°›</a:t>
+              <a:t>‹#›</a:t>
             </a:fld>
             <a:endParaRPr lang="fr-FR" dirty="0"/>
           </a:p>
@@ -1117,10 +1113,9 @@
           <a:lstStyle/>
           <a:p>
             <a:r>
-              <a:rPr lang="fr-FR" smtClean="0"/>
+              <a:rPr lang="fr-FR"/>
               <a:t>Modifiez le style du titre</a:t>
             </a:r>
-            <a:endParaRPr lang="fr-FR"/>
           </a:p>
         </p:txBody>
       </p:sp>
@@ -1146,38 +1141,37 @@
           <a:p>
             <a:pPr lvl="0"/>
             <a:r>
-              <a:rPr lang="fr-FR" smtClean="0"/>
+              <a:rPr lang="fr-FR"/>
               <a:t>Modifier les styles du texte du masque</a:t>
             </a:r>
           </a:p>
           <a:p>
             <a:pPr lvl="1"/>
             <a:r>
-              <a:rPr lang="fr-FR" smtClean="0"/>
+              <a:rPr lang="fr-FR"/>
               <a:t>Deuxième niveau</a:t>
             </a:r>
           </a:p>
           <a:p>
             <a:pPr lvl="2"/>
             <a:r>
-              <a:rPr lang="fr-FR" smtClean="0"/>
+              <a:rPr lang="fr-FR"/>
               <a:t>Troisième niveau</a:t>
             </a:r>
           </a:p>
           <a:p>
             <a:pPr lvl="3"/>
             <a:r>
-              <a:rPr lang="fr-FR" smtClean="0"/>
+              <a:rPr lang="fr-FR"/>
               <a:t>Quatrième niveau</a:t>
             </a:r>
           </a:p>
           <a:p>
             <a:pPr lvl="4"/>
             <a:r>
-              <a:rPr lang="fr-FR" smtClean="0"/>
+              <a:rPr lang="fr-FR"/>
               <a:t>Cinquième niveau</a:t>
             </a:r>
-            <a:endParaRPr lang="fr-FR"/>
           </a:p>
         </p:txBody>
       </p:sp>
@@ -1203,38 +1197,37 @@
           <a:p>
             <a:pPr lvl="0"/>
             <a:r>
-              <a:rPr lang="fr-FR" smtClean="0"/>
+              <a:rPr lang="fr-FR"/>
               <a:t>Modifier les styles du texte du masque</a:t>
             </a:r>
           </a:p>
           <a:p>
             <a:pPr lvl="1"/>
             <a:r>
-              <a:rPr lang="fr-FR" smtClean="0"/>
+              <a:rPr lang="fr-FR"/>
               <a:t>Deuxième niveau</a:t>
             </a:r>
           </a:p>
           <a:p>
             <a:pPr lvl="2"/>
             <a:r>
-              <a:rPr lang="fr-FR" smtClean="0"/>
+              <a:rPr lang="fr-FR"/>
               <a:t>Troisième niveau</a:t>
             </a:r>
           </a:p>
           <a:p>
             <a:pPr lvl="3"/>
             <a:r>
-              <a:rPr lang="fr-FR" smtClean="0"/>
+              <a:rPr lang="fr-FR"/>
               <a:t>Quatrième niveau</a:t>
             </a:r>
           </a:p>
           <a:p>
             <a:pPr lvl="4"/>
             <a:r>
-              <a:rPr lang="fr-FR" smtClean="0"/>
+              <a:rPr lang="fr-FR"/>
               <a:t>Cinquième niveau</a:t>
             </a:r>
-            <a:endParaRPr lang="fr-FR"/>
           </a:p>
         </p:txBody>
       </p:sp>
@@ -1255,7 +1248,7 @@
           <a:p>
             <a:fld id="{712DDF4E-9AD6-4EE5-9343-468C572CABA6}" type="datetimeFigureOut">
               <a:rPr lang="fr-FR" smtClean="0"/>
-              <a:t>04/03/2020</a:t>
+              <a:t>09/03/2020</a:t>
             </a:fld>
             <a:endParaRPr lang="fr-FR" dirty="0"/>
           </a:p>
@@ -1297,7 +1290,7 @@
           <a:p>
             <a:fld id="{6496F53C-98F8-4EF1-8F44-F193611899A2}" type="slidenum">
               <a:rPr lang="fr-FR" smtClean="0"/>
-              <a:t>‹N°›</a:t>
+              <a:t>‹#›</a:t>
             </a:fld>
             <a:endParaRPr lang="fr-FR" dirty="0"/>
           </a:p>
@@ -1354,10 +1347,9 @@
           <a:lstStyle/>
           <a:p>
             <a:r>
-              <a:rPr lang="fr-FR" smtClean="0"/>
+              <a:rPr lang="fr-FR"/>
               <a:t>Modifiez le style du titre</a:t>
             </a:r>
-            <a:endParaRPr lang="fr-FR"/>
           </a:p>
         </p:txBody>
       </p:sp>
@@ -1420,7 +1412,7 @@
           <a:p>
             <a:pPr lvl="0"/>
             <a:r>
-              <a:rPr lang="fr-FR" smtClean="0"/>
+              <a:rPr lang="fr-FR"/>
               <a:t>Modifier les styles du texte du masque</a:t>
             </a:r>
           </a:p>
@@ -1448,38 +1440,37 @@
           <a:p>
             <a:pPr lvl="0"/>
             <a:r>
-              <a:rPr lang="fr-FR" smtClean="0"/>
+              <a:rPr lang="fr-FR"/>
               <a:t>Modifier les styles du texte du masque</a:t>
             </a:r>
           </a:p>
           <a:p>
             <a:pPr lvl="1"/>
             <a:r>
-              <a:rPr lang="fr-FR" smtClean="0"/>
+              <a:rPr lang="fr-FR"/>
               <a:t>Deuxième niveau</a:t>
             </a:r>
           </a:p>
           <a:p>
             <a:pPr lvl="2"/>
             <a:r>
-              <a:rPr lang="fr-FR" smtClean="0"/>
+              <a:rPr lang="fr-FR"/>
               <a:t>Troisième niveau</a:t>
             </a:r>
           </a:p>
           <a:p>
             <a:pPr lvl="3"/>
             <a:r>
-              <a:rPr lang="fr-FR" smtClean="0"/>
+              <a:rPr lang="fr-FR"/>
               <a:t>Quatrième niveau</a:t>
             </a:r>
           </a:p>
           <a:p>
             <a:pPr lvl="4"/>
             <a:r>
-              <a:rPr lang="fr-FR" smtClean="0"/>
+              <a:rPr lang="fr-FR"/>
               <a:t>Cinquième niveau</a:t>
             </a:r>
-            <a:endParaRPr lang="fr-FR"/>
           </a:p>
         </p:txBody>
       </p:sp>
@@ -1542,7 +1533,7 @@
           <a:p>
             <a:pPr lvl="0"/>
             <a:r>
-              <a:rPr lang="fr-FR" smtClean="0"/>
+              <a:rPr lang="fr-FR"/>
               <a:t>Modifier les styles du texte du masque</a:t>
             </a:r>
           </a:p>
@@ -1570,38 +1561,37 @@
           <a:p>
             <a:pPr lvl="0"/>
             <a:r>
-              <a:rPr lang="fr-FR" smtClean="0"/>
+              <a:rPr lang="fr-FR"/>
               <a:t>Modifier les styles du texte du masque</a:t>
             </a:r>
           </a:p>
           <a:p>
             <a:pPr lvl="1"/>
             <a:r>
-              <a:rPr lang="fr-FR" smtClean="0"/>
+              <a:rPr lang="fr-FR"/>
               <a:t>Deuxième niveau</a:t>
             </a:r>
           </a:p>
           <a:p>
             <a:pPr lvl="2"/>
             <a:r>
-              <a:rPr lang="fr-FR" smtClean="0"/>
+              <a:rPr lang="fr-FR"/>
               <a:t>Troisième niveau</a:t>
             </a:r>
           </a:p>
           <a:p>
             <a:pPr lvl="3"/>
             <a:r>
-              <a:rPr lang="fr-FR" smtClean="0"/>
+              <a:rPr lang="fr-FR"/>
               <a:t>Quatrième niveau</a:t>
             </a:r>
           </a:p>
           <a:p>
             <a:pPr lvl="4"/>
             <a:r>
-              <a:rPr lang="fr-FR" smtClean="0"/>
+              <a:rPr lang="fr-FR"/>
               <a:t>Cinquième niveau</a:t>
             </a:r>
-            <a:endParaRPr lang="fr-FR"/>
           </a:p>
         </p:txBody>
       </p:sp>
@@ -1622,7 +1612,7 @@
           <a:p>
             <a:fld id="{712DDF4E-9AD6-4EE5-9343-468C572CABA6}" type="datetimeFigureOut">
               <a:rPr lang="fr-FR" smtClean="0"/>
-              <a:t>04/03/2020</a:t>
+              <a:t>09/03/2020</a:t>
             </a:fld>
             <a:endParaRPr lang="fr-FR" dirty="0"/>
           </a:p>
@@ -1664,7 +1654,7 @@
           <a:p>
             <a:fld id="{6496F53C-98F8-4EF1-8F44-F193611899A2}" type="slidenum">
               <a:rPr lang="fr-FR" smtClean="0"/>
-              <a:t>‹N°›</a:t>
+              <a:t>‹#›</a:t>
             </a:fld>
             <a:endParaRPr lang="fr-FR" dirty="0"/>
           </a:p>
@@ -1716,10 +1706,9 @@
           <a:lstStyle/>
           <a:p>
             <a:r>
-              <a:rPr lang="fr-FR" smtClean="0"/>
+              <a:rPr lang="fr-FR"/>
               <a:t>Modifiez le style du titre</a:t>
             </a:r>
-            <a:endParaRPr lang="fr-FR"/>
           </a:p>
         </p:txBody>
       </p:sp>
@@ -1740,7 +1729,7 @@
           <a:p>
             <a:fld id="{712DDF4E-9AD6-4EE5-9343-468C572CABA6}" type="datetimeFigureOut">
               <a:rPr lang="fr-FR" smtClean="0"/>
-              <a:t>04/03/2020</a:t>
+              <a:t>09/03/2020</a:t>
             </a:fld>
             <a:endParaRPr lang="fr-FR" dirty="0"/>
           </a:p>
@@ -1782,7 +1771,7 @@
           <a:p>
             <a:fld id="{6496F53C-98F8-4EF1-8F44-F193611899A2}" type="slidenum">
               <a:rPr lang="fr-FR" smtClean="0"/>
-              <a:t>‹N°›</a:t>
+              <a:t>‹#›</a:t>
             </a:fld>
             <a:endParaRPr lang="fr-FR" dirty="0"/>
           </a:p>
@@ -1835,7 +1824,7 @@
           <a:p>
             <a:fld id="{712DDF4E-9AD6-4EE5-9343-468C572CABA6}" type="datetimeFigureOut">
               <a:rPr lang="fr-FR" smtClean="0"/>
-              <a:t>04/03/2020</a:t>
+              <a:t>09/03/2020</a:t>
             </a:fld>
             <a:endParaRPr lang="fr-FR" dirty="0"/>
           </a:p>
@@ -1877,7 +1866,7 @@
           <a:p>
             <a:fld id="{6496F53C-98F8-4EF1-8F44-F193611899A2}" type="slidenum">
               <a:rPr lang="fr-FR" smtClean="0"/>
-              <a:t>‹N°›</a:t>
+              <a:t>‹#›</a:t>
             </a:fld>
             <a:endParaRPr lang="fr-FR" dirty="0"/>
           </a:p>
@@ -1938,10 +1927,9 @@
           </a:lstStyle>
           <a:p>
             <a:r>
-              <a:rPr lang="fr-FR" smtClean="0"/>
+              <a:rPr lang="fr-FR"/>
               <a:t>Modifiez le style du titre</a:t>
             </a:r>
-            <a:endParaRPr lang="fr-FR"/>
           </a:p>
         </p:txBody>
       </p:sp>
@@ -1995,38 +1983,37 @@
           <a:p>
             <a:pPr lvl="0"/>
             <a:r>
-              <a:rPr lang="fr-FR" smtClean="0"/>
+              <a:rPr lang="fr-FR"/>
               <a:t>Modifier les styles du texte du masque</a:t>
             </a:r>
           </a:p>
           <a:p>
             <a:pPr lvl="1"/>
             <a:r>
-              <a:rPr lang="fr-FR" smtClean="0"/>
+              <a:rPr lang="fr-FR"/>
               <a:t>Deuxième niveau</a:t>
             </a:r>
           </a:p>
           <a:p>
             <a:pPr lvl="2"/>
             <a:r>
-              <a:rPr lang="fr-FR" smtClean="0"/>
+              <a:rPr lang="fr-FR"/>
               <a:t>Troisième niveau</a:t>
             </a:r>
           </a:p>
           <a:p>
             <a:pPr lvl="3"/>
             <a:r>
-              <a:rPr lang="fr-FR" smtClean="0"/>
+              <a:rPr lang="fr-FR"/>
               <a:t>Quatrième niveau</a:t>
             </a:r>
           </a:p>
           <a:p>
             <a:pPr lvl="4"/>
             <a:r>
-              <a:rPr lang="fr-FR" smtClean="0"/>
+              <a:rPr lang="fr-FR"/>
               <a:t>Cinquième niveau</a:t>
             </a:r>
-            <a:endParaRPr lang="fr-FR"/>
           </a:p>
         </p:txBody>
       </p:sp>
@@ -2089,7 +2076,7 @@
           <a:p>
             <a:pPr lvl="0"/>
             <a:r>
-              <a:rPr lang="fr-FR" smtClean="0"/>
+              <a:rPr lang="fr-FR"/>
               <a:t>Modifier les styles du texte du masque</a:t>
             </a:r>
           </a:p>
@@ -2112,7 +2099,7 @@
           <a:p>
             <a:fld id="{712DDF4E-9AD6-4EE5-9343-468C572CABA6}" type="datetimeFigureOut">
               <a:rPr lang="fr-FR" smtClean="0"/>
-              <a:t>04/03/2020</a:t>
+              <a:t>09/03/2020</a:t>
             </a:fld>
             <a:endParaRPr lang="fr-FR" dirty="0"/>
           </a:p>
@@ -2154,7 +2141,7 @@
           <a:p>
             <a:fld id="{6496F53C-98F8-4EF1-8F44-F193611899A2}" type="slidenum">
               <a:rPr lang="fr-FR" smtClean="0"/>
-              <a:t>‹N°›</a:t>
+              <a:t>‹#›</a:t>
             </a:fld>
             <a:endParaRPr lang="fr-FR" dirty="0"/>
           </a:p>
@@ -2215,10 +2202,9 @@
           </a:lstStyle>
           <a:p>
             <a:r>
-              <a:rPr lang="fr-FR" smtClean="0"/>
+              <a:rPr lang="fr-FR"/>
               <a:t>Modifiez le style du titre</a:t>
             </a:r>
-            <a:endParaRPr lang="fr-FR"/>
           </a:p>
         </p:txBody>
       </p:sp>
@@ -2342,7 +2328,7 @@
           <a:p>
             <a:pPr lvl="0"/>
             <a:r>
-              <a:rPr lang="fr-FR" smtClean="0"/>
+              <a:rPr lang="fr-FR"/>
               <a:t>Modifier les styles du texte du masque</a:t>
             </a:r>
           </a:p>
@@ -2365,7 +2351,7 @@
           <a:p>
             <a:fld id="{712DDF4E-9AD6-4EE5-9343-468C572CABA6}" type="datetimeFigureOut">
               <a:rPr lang="fr-FR" smtClean="0"/>
-              <a:t>04/03/2020</a:t>
+              <a:t>09/03/2020</a:t>
             </a:fld>
             <a:endParaRPr lang="fr-FR" dirty="0"/>
           </a:p>
@@ -2407,7 +2393,7 @@
           <a:p>
             <a:fld id="{6496F53C-98F8-4EF1-8F44-F193611899A2}" type="slidenum">
               <a:rPr lang="fr-FR" smtClean="0"/>
-              <a:t>‹N°›</a:t>
+              <a:t>‹#›</a:t>
             </a:fld>
             <a:endParaRPr lang="fr-FR" dirty="0"/>
           </a:p>
@@ -2474,10 +2460,9 @@
           <a:lstStyle/>
           <a:p>
             <a:r>
-              <a:rPr lang="fr-FR" smtClean="0"/>
+              <a:rPr lang="fr-FR"/>
               <a:t>Modifiez le style du titre</a:t>
             </a:r>
-            <a:endParaRPr lang="fr-FR"/>
           </a:p>
         </p:txBody>
       </p:sp>
@@ -2508,38 +2493,37 @@
           <a:p>
             <a:pPr lvl="0"/>
             <a:r>
-              <a:rPr lang="fr-FR" smtClean="0"/>
+              <a:rPr lang="fr-FR"/>
               <a:t>Modifier les styles du texte du masque</a:t>
             </a:r>
           </a:p>
           <a:p>
             <a:pPr lvl="1"/>
             <a:r>
-              <a:rPr lang="fr-FR" smtClean="0"/>
+              <a:rPr lang="fr-FR"/>
               <a:t>Deuxième niveau</a:t>
             </a:r>
           </a:p>
           <a:p>
             <a:pPr lvl="2"/>
             <a:r>
-              <a:rPr lang="fr-FR" smtClean="0"/>
+              <a:rPr lang="fr-FR"/>
               <a:t>Troisième niveau</a:t>
             </a:r>
           </a:p>
           <a:p>
             <a:pPr lvl="3"/>
             <a:r>
-              <a:rPr lang="fr-FR" smtClean="0"/>
+              <a:rPr lang="fr-FR"/>
               <a:t>Quatrième niveau</a:t>
             </a:r>
           </a:p>
           <a:p>
             <a:pPr lvl="4"/>
             <a:r>
-              <a:rPr lang="fr-FR" smtClean="0"/>
+              <a:rPr lang="fr-FR"/>
               <a:t>Cinquième niveau</a:t>
             </a:r>
-            <a:endParaRPr lang="fr-FR"/>
           </a:p>
         </p:txBody>
       </p:sp>
@@ -2578,7 +2562,7 @@
           <a:p>
             <a:fld id="{712DDF4E-9AD6-4EE5-9343-468C572CABA6}" type="datetimeFigureOut">
               <a:rPr lang="fr-FR" smtClean="0"/>
-              <a:t>04/03/2020</a:t>
+              <a:t>09/03/2020</a:t>
             </a:fld>
             <a:endParaRPr lang="fr-FR" dirty="0"/>
           </a:p>
@@ -2656,7 +2640,7 @@
           <a:p>
             <a:fld id="{6496F53C-98F8-4EF1-8F44-F193611899A2}" type="slidenum">
               <a:rPr lang="fr-FR" smtClean="0"/>
-              <a:t>‹N°›</a:t>
+              <a:t>‹#›</a:t>
             </a:fld>
             <a:endParaRPr lang="fr-FR" dirty="0"/>
           </a:p>
@@ -3294,13 +3278,6 @@
   <p:clrMapOvr>
     <a:masterClrMapping/>
   </p:clrMapOvr>
-  <p:timing>
-    <p:tnLst>
-      <p:par>
-        <p:cTn id="1" dur="indefinite" restart="never" nodeType="tmRoot"/>
-      </p:par>
-    </p:tnLst>
-  </p:timing>
 </p:sld>
 </file>
 
@@ -3337,15 +3314,15 @@
           <a:lstStyle/>
           <a:p>
             <a:r>
-              <a:rPr lang="fr-FR" i="1" dirty="0" smtClean="0"/>
+              <a:rPr lang="fr-FR" i="1" dirty="0"/>
               <a:t>Le</a:t>
             </a:r>
             <a:r>
-              <a:rPr lang="fr-FR" dirty="0" smtClean="0"/>
+              <a:rPr lang="fr-FR" dirty="0"/>
               <a:t> </a:t>
             </a:r>
             <a:r>
-              <a:rPr lang="fr-FR" i="1" dirty="0" smtClean="0"/>
+              <a:rPr lang="fr-FR" i="1" dirty="0"/>
               <a:t>jeu de discrimination</a:t>
             </a:r>
             <a:endParaRPr lang="fr-FR" dirty="0"/>
@@ -3391,6 +3368,21 @@
               <a:rPr lang="fr-FR" sz="2000" dirty="0"/>
               <a:t>Vous allez maintenant commencer le jeu. </a:t>
             </a:r>
+          </a:p>
+          <a:p>
+            <a:pPr marL="0" indent="0">
+              <a:buNone/>
+            </a:pPr>
+            <a:r>
+              <a:rPr lang="fr-FR" sz="2000" dirty="0"/>
+              <a:t>Votre performance dans cette phase sera prise en compte pour votre bonus financier.</a:t>
+            </a:r>
+          </a:p>
+          <a:p>
+            <a:pPr marL="0" indent="0">
+              <a:buNone/>
+            </a:pPr>
+            <a:endParaRPr lang="fr-FR" sz="2000" dirty="0"/>
           </a:p>
           <a:p>
             <a:endParaRPr lang="fr-FR" sz="2000" dirty="0"/>
@@ -3460,13 +3452,6 @@
   <p:clrMapOvr>
     <a:masterClrMapping/>
   </p:clrMapOvr>
-  <p:timing>
-    <p:tnLst>
-      <p:par>
-        <p:cTn id="1" dur="indefinite" restart="never" nodeType="tmRoot"/>
-      </p:par>
-    </p:tnLst>
-  </p:timing>
 </p:sld>
 </file>
 
@@ -3737,13 +3722,6 @@
   <p:clrMapOvr>
     <a:masterClrMapping/>
   </p:clrMapOvr>
-  <p:timing>
-    <p:tnLst>
-      <p:par>
-        <p:cTn id="1" dur="indefinite" restart="never" nodeType="tmRoot"/>
-      </p:par>
-    </p:tnLst>
-  </p:timing>
 </p:sld>
 </file>
 
@@ -3791,13 +3769,8 @@
             </a:pPr>
             <a:r>
               <a:rPr lang="fr-FR" dirty="0"/>
-              <a:t>Avez-vous vu au moins </a:t>
-            </a:r>
-            <a:r>
-              <a:rPr lang="fr-FR" dirty="0" smtClean="0"/>
-              <a:t>un homme ?</a:t>
-            </a:r>
-            <a:endParaRPr lang="fr-FR" dirty="0"/>
+              <a:t>Avez-vous vu au moins un homme ?</a:t>
+            </a:r>
           </a:p>
           <a:p>
             <a:pPr marL="0" indent="0">
@@ -4019,13 +3992,6 @@
   <p:clrMapOvr>
     <a:masterClrMapping/>
   </p:clrMapOvr>
-  <p:timing>
-    <p:tnLst>
-      <p:par>
-        <p:cTn id="1" dur="indefinite" restart="never" nodeType="tmRoot"/>
-      </p:par>
-    </p:tnLst>
-  </p:timing>
 </p:sld>
 </file>
 
@@ -4068,18 +4034,17 @@
           <a:p>
             <a:pPr algn="ctr"/>
             <a:r>
-              <a:rPr lang="fr-FR" dirty="0" smtClean="0"/>
+              <a:rPr lang="fr-FR" dirty="0"/>
               <a:t>Le </a:t>
             </a:r>
             <a:r>
-              <a:rPr lang="fr-FR" i="1" dirty="0" smtClean="0"/>
+              <a:rPr lang="fr-FR" i="1" dirty="0"/>
               <a:t>jeu de discrimination </a:t>
             </a:r>
             <a:r>
-              <a:rPr lang="fr-FR" dirty="0" smtClean="0"/>
+              <a:rPr lang="fr-FR" dirty="0"/>
               <a:t>est terminé</a:t>
             </a:r>
-            <a:endParaRPr lang="fr-FR" dirty="0"/>
           </a:p>
         </p:txBody>
       </p:sp>
@@ -4128,13 +4093,6 @@
   <p:clrMapOvr>
     <a:masterClrMapping/>
   </p:clrMapOvr>
-  <p:timing>
-    <p:tnLst>
-      <p:par>
-        <p:cTn id="1" dur="indefinite" restart="never" nodeType="tmRoot"/>
-      </p:par>
-    </p:tnLst>
-  </p:timing>
 </p:sld>
 </file>
 
@@ -4171,11 +4129,11 @@
           <a:lstStyle/>
           <a:p>
             <a:r>
-              <a:rPr lang="fr-FR" dirty="0" smtClean="0"/>
+              <a:rPr lang="fr-FR" dirty="0"/>
               <a:t>Instructions pour le </a:t>
             </a:r>
             <a:r>
-              <a:rPr lang="fr-FR" i="1" dirty="0" smtClean="0"/>
+              <a:rPr lang="fr-FR" i="1" dirty="0"/>
               <a:t>jeu de mémoire</a:t>
             </a:r>
             <a:endParaRPr lang="fr-FR" dirty="0"/>
@@ -4204,13 +4162,31 @@
             </a:pPr>
             <a:r>
               <a:rPr lang="fr-FR" sz="2000" dirty="0"/>
-              <a:t>A chaque essai de ce jeu, nous allons vous présenter plusieurs images de visages en même temps. Il s’agit de visages d’hommes ou de femmes; certains auront une expression apeurée et d’autres auront une expression faciale neutre. </a:t>
+              <a:t>A chaque essai de ce jeu, nous allons vous présenter brièvement un ensemble d’images de visages. </a:t>
             </a:r>
           </a:p>
           <a:p>
             <a:pPr marL="0" indent="0" algn="just">
               <a:buNone/>
             </a:pPr>
+            <a:r>
+              <a:rPr lang="fr-FR" sz="2000" dirty="0"/>
+              <a:t>Après avoir caché les images, nous vous demanderons de nous indiquer quel était le genre le plus représenté. Par exemple, dans certains essais, nous vous demanderons si vous avez vu « plus d’hommes » ; dans les autres, nous vous demanderons si vous avez vu « plus de femmes ». </a:t>
+            </a:r>
+          </a:p>
+          <a:p>
+            <a:pPr marL="0" indent="0" algn="just">
+              <a:buNone/>
+            </a:pPr>
+            <a:r>
+              <a:rPr lang="fr-FR" sz="2000" dirty="0"/>
+              <a:t>Répondez par « Femmes » ou par « Hommes » aussi rapidement que possible, en appuyant sur les touches [F] ou [H] du clavier.  Vous ne pourrez pas modifier votre réponse!</a:t>
+            </a:r>
+          </a:p>
+          <a:p>
+            <a:pPr marL="0" indent="0" algn="just">
+              <a:buNone/>
+            </a:pPr>
             <a:endParaRPr lang="fr-FR" sz="2000" dirty="0"/>
           </a:p>
           <a:p>
@@ -4219,7 +4195,7 @@
             </a:pPr>
             <a:r>
               <a:rPr lang="fr-FR" sz="2000" dirty="0"/>
-              <a:t>Dans certains essais, nous vous demanderons si vous avez vu « plus d’hommes » ; dans les autres, nous vous demanderons si vous avez vu « plus de femmes ». </a:t>
+              <a:t>Attention: certains visages auront une expression apeurée et d’autres auront une expression faciale neutre. Les visages apeurés vont attirer votre attention. Dans certains essais, cela vous aidera a trouver la bonne réponse. Dans d’autres, cela vous induira en erreur. Nous vous indiquerons systématiquement si les visages apeurés vont vous aider ou vous induire en erreur.</a:t>
             </a:r>
           </a:p>
           <a:p>
@@ -4227,33 +4203,6 @@
               <a:buNone/>
             </a:pPr>
             <a:endParaRPr lang="fr-FR" sz="2000" dirty="0"/>
-          </a:p>
-          <a:p>
-            <a:pPr marL="0" indent="0" algn="just">
-              <a:buNone/>
-            </a:pPr>
-            <a:r>
-              <a:rPr lang="fr-FR" sz="2000" dirty="0"/>
-              <a:t>Répondez par « Femmes » ou par « Hommes » aussi rapidement que possible, en appuyant sur les touches [F] ou [H] du clavier. </a:t>
-            </a:r>
-          </a:p>
-          <a:p>
-            <a:pPr marL="0" indent="0" algn="just">
-              <a:buNone/>
-            </a:pPr>
-            <a:endParaRPr lang="fr-FR" sz="2000" dirty="0"/>
-          </a:p>
-          <a:p>
-            <a:pPr marL="0" indent="0" algn="just">
-              <a:buNone/>
-            </a:pPr>
-            <a:r>
-              <a:rPr lang="fr-FR" sz="2000" dirty="0"/>
-              <a:t>Attention: vous ne pourrez pas modifier votre réponse!</a:t>
-            </a:r>
-          </a:p>
-          <a:p>
-            <a:endParaRPr lang="fr-FR" dirty="0"/>
           </a:p>
         </p:txBody>
       </p:sp>
@@ -4302,13 +4251,6 @@
   <p:clrMapOvr>
     <a:masterClrMapping/>
   </p:clrMapOvr>
-  <p:timing>
-    <p:tnLst>
-      <p:par>
-        <p:cTn id="1" dur="indefinite" restart="never" nodeType="tmRoot"/>
-      </p:par>
-    </p:tnLst>
-  </p:timing>
 </p:sld>
 </file>
 
@@ -4345,11 +4287,11 @@
           <a:lstStyle/>
           <a:p>
             <a:r>
-              <a:rPr lang="fr-FR" dirty="0" smtClean="0"/>
+              <a:rPr lang="fr-FR" dirty="0"/>
               <a:t>Entrainement pour le </a:t>
             </a:r>
             <a:r>
-              <a:rPr lang="fr-FR" i="1" dirty="0" smtClean="0"/>
+              <a:rPr lang="fr-FR" i="1" dirty="0"/>
               <a:t>jeu de mémoire</a:t>
             </a:r>
             <a:endParaRPr lang="fr-FR" dirty="0"/>
@@ -4464,13 +4406,6 @@
   <p:clrMapOvr>
     <a:masterClrMapping/>
   </p:clrMapOvr>
-  <p:timing>
-    <p:tnLst>
-      <p:par>
-        <p:cTn id="1" dur="indefinite" restart="never" nodeType="tmRoot"/>
-      </p:par>
-    </p:tnLst>
-  </p:timing>
 </p:sld>
 </file>
 
@@ -4507,11 +4442,11 @@
           <a:lstStyle/>
           <a:p>
             <a:r>
-              <a:rPr lang="fr-FR" dirty="0" smtClean="0"/>
+              <a:rPr lang="fr-FR" dirty="0"/>
               <a:t>Entrainement pour le </a:t>
             </a:r>
             <a:r>
-              <a:rPr lang="fr-FR" i="1" dirty="0" smtClean="0"/>
+              <a:rPr lang="fr-FR" i="1" dirty="0"/>
               <a:t>jeu de mémoire</a:t>
             </a:r>
             <a:endParaRPr lang="fr-FR" dirty="0"/>
@@ -4637,13 +4572,6 @@
   <p:clrMapOvr>
     <a:masterClrMapping/>
   </p:clrMapOvr>
-  <p:timing>
-    <p:tnLst>
-      <p:par>
-        <p:cTn id="1" dur="indefinite" restart="never" nodeType="tmRoot"/>
-      </p:par>
-    </p:tnLst>
-  </p:timing>
 </p:sld>
 </file>
 
@@ -4680,15 +4608,15 @@
           <a:lstStyle/>
           <a:p>
             <a:r>
-              <a:rPr lang="fr-FR" i="1" dirty="0" smtClean="0"/>
+              <a:rPr lang="fr-FR" i="1" dirty="0"/>
               <a:t>Le</a:t>
             </a:r>
             <a:r>
-              <a:rPr lang="fr-FR" dirty="0" smtClean="0"/>
+              <a:rPr lang="fr-FR" dirty="0"/>
               <a:t> </a:t>
             </a:r>
             <a:r>
-              <a:rPr lang="fr-FR" i="1" dirty="0" smtClean="0"/>
+              <a:rPr lang="fr-FR" i="1" dirty="0"/>
               <a:t>jeu de mémoire</a:t>
             </a:r>
             <a:endParaRPr lang="fr-FR" dirty="0"/>
@@ -4800,13 +4728,6 @@
   <p:clrMapOvr>
     <a:masterClrMapping/>
   </p:clrMapOvr>
-  <p:timing>
-    <p:tnLst>
-      <p:par>
-        <p:cTn id="1" dur="indefinite" restart="never" nodeType="tmRoot"/>
-      </p:par>
-    </p:tnLst>
-  </p:timing>
 </p:sld>
 </file>
 
@@ -4854,13 +4775,8 @@
             </a:pPr>
             <a:r>
               <a:rPr lang="fr-FR" dirty="0"/>
-              <a:t>Avez-vous vu </a:t>
-            </a:r>
-            <a:r>
-              <a:rPr lang="fr-FR" dirty="0" smtClean="0"/>
-              <a:t>plus de Femmes ou d’Hommes?</a:t>
-            </a:r>
-            <a:endParaRPr lang="fr-FR" dirty="0"/>
+              <a:t>Avez-vous vu plus de Femmes ou d’Hommes?</a:t>
+            </a:r>
           </a:p>
           <a:p>
             <a:pPr marL="0" indent="0">
@@ -5082,13 +4998,6 @@
   <p:clrMapOvr>
     <a:masterClrMapping/>
   </p:clrMapOvr>
-  <p:timing>
-    <p:tnLst>
-      <p:par>
-        <p:cTn id="1" dur="indefinite" restart="never" nodeType="tmRoot"/>
-      </p:par>
-    </p:tnLst>
-  </p:timing>
 </p:sld>
 </file>
 
@@ -5131,18 +5040,17 @@
           <a:p>
             <a:pPr algn="ctr"/>
             <a:r>
-              <a:rPr lang="fr-FR" dirty="0" smtClean="0"/>
+              <a:rPr lang="fr-FR" dirty="0"/>
               <a:t>Le </a:t>
             </a:r>
             <a:r>
-              <a:rPr lang="fr-FR" i="1" dirty="0" smtClean="0"/>
+              <a:rPr lang="fr-FR" i="1" dirty="0"/>
               <a:t>jeu de mémoire </a:t>
             </a:r>
             <a:r>
-              <a:rPr lang="fr-FR" dirty="0" smtClean="0"/>
+              <a:rPr lang="fr-FR" dirty="0"/>
               <a:t>est terminé</a:t>
             </a:r>
-            <a:endParaRPr lang="fr-FR" dirty="0"/>
           </a:p>
         </p:txBody>
       </p:sp>
@@ -5191,13 +5099,6 @@
   <p:clrMapOvr>
     <a:masterClrMapping/>
   </p:clrMapOvr>
-  <p:timing>
-    <p:tnLst>
-      <p:par>
-        <p:cTn id="1" dur="indefinite" restart="never" nodeType="tmRoot"/>
-      </p:par>
-    </p:tnLst>
-  </p:timing>
 </p:sld>
 </file>
 
@@ -5257,11 +5158,19 @@
             </a:r>
             <a:r>
               <a:rPr lang="fr-FR" sz="2000" i="1" dirty="0"/>
-              <a:t>jeu de recherche</a:t>
+              <a:t>jeu de </a:t>
+            </a:r>
+            <a:r>
+              <a:rPr lang="fr-FR" sz="2000" i="1" dirty="0">
+                <a:highlight>
+                  <a:srgbClr val="FFFF00"/>
+                </a:highlight>
+              </a:rPr>
+              <a:t>mémoire</a:t>
             </a:r>
             <a:r>
               <a:rPr lang="fr-FR" sz="2000" dirty="0"/>
-              <a:t>) qui durent environ 20 minutes chacun. </a:t>
+              <a:t>) qui durent environ 30 minutes chacun. Ces jeux nous permettent de tester votre capacité à réguler votre attention.</a:t>
             </a:r>
           </a:p>
           <a:p>
@@ -5276,7 +5185,7 @@
             </a:pPr>
             <a:r>
               <a:rPr lang="fr-FR" sz="2000" dirty="0"/>
-              <a:t>Chaque jeu est divisé en 200 "essais", qui rapportent plus ou moins d'argent. Par exemple, il y a des essais pour lesquels une réponse correcte rapporte </a:t>
+              <a:t>Chaque jeu est divisé en 400 "essais", qui rapportent plus ou moins d'argent. Par exemple, il y a des essais pour lesquels une réponse correcte rapporte </a:t>
             </a:r>
             <a:r>
               <a:rPr lang="fr-FR" sz="2000" dirty="0">
@@ -5392,13 +5301,6 @@
   <p:clrMapOvr>
     <a:masterClrMapping/>
   </p:clrMapOvr>
-  <p:timing>
-    <p:tnLst>
-      <p:par>
-        <p:cTn id="1" dur="indefinite" restart="never" nodeType="tmRoot"/>
-      </p:par>
-    </p:tnLst>
-  </p:timing>
 </p:sld>
 </file>
 
@@ -5443,32 +5345,23 @@
           <a:p>
             <a:pPr algn="ctr"/>
             <a:r>
-              <a:rPr lang="fr-FR" dirty="0" smtClean="0"/>
+              <a:rPr lang="fr-FR" dirty="0"/>
               <a:t>L’expérience est terminée.</a:t>
             </a:r>
             <a:br>
-              <a:rPr lang="fr-FR" dirty="0" smtClean="0"/>
+              <a:rPr lang="fr-FR" dirty="0"/>
             </a:br>
             <a:r>
-              <a:rPr lang="fr-FR" dirty="0" smtClean="0"/>
+              <a:rPr lang="fr-FR" dirty="0"/>
               <a:t> </a:t>
             </a:r>
             <a:br>
-              <a:rPr lang="fr-FR" dirty="0" smtClean="0"/>
+              <a:rPr lang="fr-FR" dirty="0"/>
             </a:br>
             <a:r>
-              <a:rPr lang="fr-FR" dirty="0" smtClean="0"/>
-              <a:t>Merci </a:t>
-            </a:r>
-            <a:r>
               <a:rPr lang="fr-FR" dirty="0"/>
-              <a:t>d’avoir participé</a:t>
-            </a:r>
-            <a:r>
-              <a:rPr lang="fr-FR" dirty="0" smtClean="0"/>
-              <a:t>.</a:t>
-            </a:r>
-            <a:endParaRPr lang="fr-FR" dirty="0"/>
+              <a:t>Merci d’avoir participé.</a:t>
+            </a:r>
           </a:p>
         </p:txBody>
       </p:sp>
@@ -5517,13 +5410,6 @@
   <p:clrMapOvr>
     <a:masterClrMapping/>
   </p:clrMapOvr>
-  <p:timing>
-    <p:tnLst>
-      <p:par>
-        <p:cTn id="1" dur="indefinite" restart="never" nodeType="tmRoot"/>
-      </p:par>
-    </p:tnLst>
-  </p:timing>
 </p:sld>
 </file>
 
@@ -5562,7 +5448,7 @@
         </p:spPr>
         <p:txBody>
           <a:bodyPr>
-            <a:normAutofit fontScale="77500" lnSpcReduction="20000"/>
+            <a:normAutofit fontScale="70000" lnSpcReduction="20000"/>
           </a:bodyPr>
           <a:lstStyle/>
           <a:p>
@@ -5570,10 +5456,9 @@
               <a:buNone/>
             </a:pPr>
             <a:r>
-              <a:rPr lang="fr-FR" dirty="0" smtClean="0"/>
+              <a:rPr lang="fr-FR" dirty="0"/>
               <a:t>La somme d’argent que peut vous rapporter un bloc sera affichée à l’écran. Exemple :</a:t>
             </a:r>
-            <a:endParaRPr lang="fr-FR" dirty="0"/>
           </a:p>
         </p:txBody>
       </p:sp>
@@ -5652,13 +5537,6 @@
   <p:clrMapOvr>
     <a:masterClrMapping/>
   </p:clrMapOvr>
-  <p:timing>
-    <p:tnLst>
-      <p:par>
-        <p:cTn id="1" dur="indefinite" restart="never" nodeType="tmRoot"/>
-      </p:par>
-    </p:tnLst>
-  </p:timing>
 </p:sld>
 </file>
 
@@ -5705,18 +5583,9 @@
               <a:buNone/>
             </a:pPr>
             <a:r>
-              <a:rPr lang="fr-FR" dirty="0" smtClean="0"/>
-              <a:t>Pour </a:t>
-            </a:r>
-            <a:r>
               <a:rPr lang="fr-FR" dirty="0"/>
-              <a:t>ce bloc, la somme en jeu est</a:t>
-            </a:r>
-            <a:r>
-              <a:rPr lang="fr-FR" dirty="0" smtClean="0"/>
-              <a:t>:</a:t>
-            </a:r>
-            <a:endParaRPr lang="fr-FR" dirty="0"/>
+              <a:t>Pour ce bloc, la somme en jeu est:</a:t>
+            </a:r>
           </a:p>
         </p:txBody>
       </p:sp>
@@ -5795,13 +5664,6 @@
   <p:clrMapOvr>
     <a:masterClrMapping/>
   </p:clrMapOvr>
-  <p:timing>
-    <p:tnLst>
-      <p:par>
-        <p:cTn id="1" dur="indefinite" restart="never" nodeType="tmRoot"/>
-      </p:par>
-    </p:tnLst>
-  </p:timing>
 </p:sld>
 </file>
 
@@ -5834,8 +5696,8 @@
         </p:nvSpPr>
         <p:spPr>
           <a:xfrm>
-            <a:off x="3502686" y="2148842"/>
-            <a:ext cx="5186631" cy="477980"/>
+            <a:off x="3502686" y="1546822"/>
+            <a:ext cx="7297394" cy="3340138"/>
           </a:xfrm>
         </p:spPr>
         <p:txBody>
@@ -5848,18 +5710,60 @@
               <a:buNone/>
             </a:pPr>
             <a:r>
-              <a:rPr lang="fr-FR" dirty="0" smtClean="0"/>
-              <a:t>Pour </a:t>
-            </a:r>
-            <a:r>
               <a:rPr lang="fr-FR" dirty="0"/>
-              <a:t>ce bloc, la somme en jeu est</a:t>
-            </a:r>
-            <a:r>
-              <a:rPr lang="fr-FR" dirty="0" smtClean="0"/>
-              <a:t>:</a:t>
-            </a:r>
+              <a:t>Pour les 15 essais suivants, les visages apeurés vont </a:t>
+            </a:r>
+            <a:r>
+              <a:rPr lang="fr-FR" dirty="0">
+                <a:solidFill>
+                  <a:srgbClr val="FF0000"/>
+                </a:solidFill>
+              </a:rPr>
+              <a:t>vous induire en erreur </a:t>
+            </a:r>
+            <a:r>
+              <a:rPr lang="fr-FR" dirty="0"/>
+              <a:t>/ </a:t>
+            </a:r>
+            <a:r>
+              <a:rPr lang="fr-FR" dirty="0">
+                <a:solidFill>
+                  <a:srgbClr val="00B050"/>
+                </a:solidFill>
+              </a:rPr>
+              <a:t>vous aider</a:t>
+            </a:r>
+            <a:r>
+              <a:rPr lang="fr-FR" dirty="0"/>
+              <a:t>. </a:t>
+            </a:r>
+          </a:p>
+          <a:p>
+            <a:pPr marL="0" indent="0">
+              <a:buNone/>
+            </a:pPr>
             <a:endParaRPr lang="fr-FR" dirty="0"/>
+          </a:p>
+          <a:p>
+            <a:pPr marL="0" indent="0">
+              <a:buNone/>
+            </a:pPr>
+            <a:endParaRPr lang="fr-FR" dirty="0"/>
+          </a:p>
+          <a:p>
+            <a:pPr marL="0" indent="0">
+              <a:buNone/>
+            </a:pPr>
+            <a:endParaRPr lang="fr-FR" dirty="0"/>
+          </a:p>
+          <a:p>
+            <a:pPr marL="0" indent="0">
+              <a:buNone/>
+            </a:pPr>
+            <a:r>
+              <a:rPr lang="fr-FR" dirty="0"/>
+              <a:t>De plus, la somme en jeu est:</a:t>
+            </a:r>
           </a:p>
         </p:txBody>
       </p:sp>
@@ -5900,7 +5804,7 @@
       </p:sp>
       <p:pic>
         <p:nvPicPr>
-          <p:cNvPr id="2" name="Image 1"/>
+          <p:cNvPr id="5" name="Image 4"/>
           <p:cNvPicPr>
             <a:picLocks noChangeAspect="1"/>
           </p:cNvPicPr>
@@ -5920,37 +5824,7 @@
         </p:blipFill>
         <p:spPr>
           <a:xfrm>
-            <a:off x="5556000" y="3219596"/>
-            <a:ext cx="1080000" cy="1080000"/>
-          </a:xfrm>
-          <a:prstGeom prst="rect">
-            <a:avLst/>
-          </a:prstGeom>
-        </p:spPr>
-      </p:pic>
-      <p:pic>
-        <p:nvPicPr>
-          <p:cNvPr id="5" name="Image 4"/>
-          <p:cNvPicPr>
-            <a:picLocks noChangeAspect="1"/>
-          </p:cNvPicPr>
-          <p:nvPr/>
-        </p:nvPicPr>
-        <p:blipFill>
-          <a:blip r:embed="rId3">
-            <a:extLst>
-              <a:ext uri="{28A0092B-C50C-407E-A947-70E740481C1C}">
-                <a14:useLocalDpi xmlns:a14="http://schemas.microsoft.com/office/drawing/2010/main" val="0"/>
-              </a:ext>
-            </a:extLst>
-          </a:blip>
-          <a:stretch>
-            <a:fillRect/>
-          </a:stretch>
-        </p:blipFill>
-        <p:spPr>
-          <a:xfrm>
-            <a:off x="5556001" y="3219596"/>
+            <a:off x="6470401" y="4877196"/>
             <a:ext cx="1087105" cy="1080000"/>
           </a:xfrm>
           <a:prstGeom prst="rect">
@@ -5958,6 +5832,118 @@
           </a:prstGeom>
         </p:spPr>
       </p:pic>
+      <p:sp>
+        <p:nvSpPr>
+          <p:cNvPr id="7" name="Smiley Face 6">
+            <a:extLst>
+              <a:ext uri="{FF2B5EF4-FFF2-40B4-BE49-F238E27FC236}">
+                <a16:creationId xmlns:a16="http://schemas.microsoft.com/office/drawing/2014/main" id="{3EFDB199-3207-4958-9C82-CCAD43B16901}"/>
+              </a:ext>
+            </a:extLst>
+          </p:cNvPr>
+          <p:cNvSpPr/>
+          <p:nvPr/>
+        </p:nvSpPr>
+        <p:spPr>
+          <a:xfrm>
+            <a:off x="5211320" y="2668644"/>
+            <a:ext cx="1080000" cy="1259840"/>
+          </a:xfrm>
+          <a:prstGeom prst="smileyFace">
+            <a:avLst>
+              <a:gd name="adj" fmla="val -4653"/>
+            </a:avLst>
+          </a:prstGeom>
+          <a:solidFill>
+            <a:srgbClr val="FF0000"/>
+          </a:solidFill>
+          <a:ln w="57150">
+            <a:solidFill>
+              <a:schemeClr val="tx1"/>
+            </a:solidFill>
+          </a:ln>
+        </p:spPr>
+        <p:style>
+          <a:lnRef idx="2">
+            <a:schemeClr val="accent1">
+              <a:shade val="50000"/>
+            </a:schemeClr>
+          </a:lnRef>
+          <a:fillRef idx="1">
+            <a:schemeClr val="accent1"/>
+          </a:fillRef>
+          <a:effectRef idx="0">
+            <a:schemeClr val="accent1"/>
+          </a:effectRef>
+          <a:fontRef idx="minor">
+            <a:schemeClr val="lt1"/>
+          </a:fontRef>
+        </p:style>
+        <p:txBody>
+          <a:bodyPr rtlCol="0" anchor="ctr"/>
+          <a:lstStyle/>
+          <a:p>
+            <a:pPr algn="ctr"/>
+            <a:endParaRPr lang="en-GB"/>
+          </a:p>
+        </p:txBody>
+      </p:sp>
+      <p:sp>
+        <p:nvSpPr>
+          <p:cNvPr id="8" name="Smiley Face 7">
+            <a:extLst>
+              <a:ext uri="{FF2B5EF4-FFF2-40B4-BE49-F238E27FC236}">
+                <a16:creationId xmlns:a16="http://schemas.microsoft.com/office/drawing/2014/main" id="{BADC27D7-5A8B-4A61-9EA8-D0DE71669A85}"/>
+              </a:ext>
+            </a:extLst>
+          </p:cNvPr>
+          <p:cNvSpPr/>
+          <p:nvPr/>
+        </p:nvSpPr>
+        <p:spPr>
+          <a:xfrm>
+            <a:off x="6611383" y="2668644"/>
+            <a:ext cx="1080000" cy="1259840"/>
+          </a:xfrm>
+          <a:prstGeom prst="smileyFace">
+            <a:avLst>
+              <a:gd name="adj" fmla="val -4653"/>
+            </a:avLst>
+          </a:prstGeom>
+          <a:solidFill>
+            <a:srgbClr val="00B050"/>
+          </a:solidFill>
+          <a:ln w="57150">
+            <a:solidFill>
+              <a:schemeClr val="tx1"/>
+            </a:solidFill>
+          </a:ln>
+        </p:spPr>
+        <p:style>
+          <a:lnRef idx="2">
+            <a:schemeClr val="accent1">
+              <a:shade val="50000"/>
+            </a:schemeClr>
+          </a:lnRef>
+          <a:fillRef idx="1">
+            <a:schemeClr val="accent1"/>
+          </a:fillRef>
+          <a:effectRef idx="0">
+            <a:schemeClr val="accent1"/>
+          </a:effectRef>
+          <a:fontRef idx="minor">
+            <a:schemeClr val="lt1"/>
+          </a:fontRef>
+        </p:style>
+        <p:txBody>
+          <a:bodyPr rtlCol="0" anchor="ctr"/>
+          <a:lstStyle/>
+          <a:p>
+            <a:pPr algn="ctr"/>
+            <a:endParaRPr lang="en-GB" dirty="0"/>
+          </a:p>
+        </p:txBody>
+      </p:sp>
     </p:spTree>
     <p:extLst>
       <p:ext uri="{BB962C8B-B14F-4D97-AF65-F5344CB8AC3E}">
@@ -5968,13 +5954,6 @@
   <p:clrMapOvr>
     <a:masterClrMapping/>
   </p:clrMapOvr>
-  <p:timing>
-    <p:tnLst>
-      <p:par>
-        <p:cTn id="1" dur="indefinite" restart="never" nodeType="tmRoot"/>
-      </p:par>
-    </p:tnLst>
-  </p:timing>
 </p:sld>
 </file>
 
@@ -6011,11 +5990,11 @@
           <a:lstStyle/>
           <a:p>
             <a:r>
-              <a:rPr lang="fr-FR" dirty="0" smtClean="0"/>
+              <a:rPr lang="fr-FR" dirty="0"/>
               <a:t>Instructions pour le </a:t>
             </a:r>
             <a:r>
-              <a:rPr lang="fr-FR" i="1" dirty="0" smtClean="0"/>
+              <a:rPr lang="fr-FR" i="1" dirty="0"/>
               <a:t>jeu de discrimination</a:t>
             </a:r>
             <a:endParaRPr lang="fr-FR" dirty="0"/>
@@ -6062,7 +6041,7 @@
             </a:pPr>
             <a:r>
               <a:rPr lang="fr-FR" sz="2000" dirty="0"/>
-              <a:t>Le jeu consiste à reconnaître le genre (homme ou femme) des visages intactes, c’est-à-dire non brouillés. Exemple: </a:t>
+              <a:t>Le jeu consiste à reconnaître le genre (homme ou femme) des visages intacts, c’est-à-dire non brouillés. Exemple: </a:t>
             </a:r>
           </a:p>
           <a:p>
@@ -6589,13 +6568,6 @@
   <p:clrMapOvr>
     <a:masterClrMapping/>
   </p:clrMapOvr>
-  <p:timing>
-    <p:tnLst>
-      <p:par>
-        <p:cTn id="1" dur="indefinite" restart="never" nodeType="tmRoot"/>
-      </p:par>
-    </p:tnLst>
-  </p:timing>
 </p:sld>
 </file>
 
@@ -6632,11 +6604,11 @@
           <a:lstStyle/>
           <a:p>
             <a:r>
-              <a:rPr lang="fr-FR" dirty="0" smtClean="0"/>
+              <a:rPr lang="fr-FR" dirty="0"/>
               <a:t>Instructions pour le </a:t>
             </a:r>
             <a:r>
-              <a:rPr lang="fr-FR" i="1" dirty="0" smtClean="0"/>
+              <a:rPr lang="fr-FR" i="1" dirty="0"/>
               <a:t>jeu de discrimination</a:t>
             </a:r>
             <a:endParaRPr lang="fr-FR" dirty="0"/>
@@ -6655,7 +6627,9 @@
         </p:nvSpPr>
         <p:spPr/>
         <p:txBody>
-          <a:bodyPr/>
+          <a:bodyPr>
+            <a:normAutofit lnSpcReduction="10000"/>
+          </a:bodyPr>
           <a:lstStyle/>
           <a:p>
             <a:pPr marL="0" indent="0" algn="just">
@@ -6676,33 +6650,30 @@
             <a:pPr marL="0" indent="0" algn="just">
               <a:buNone/>
             </a:pPr>
-            <a:endParaRPr lang="fr-FR" sz="2000" dirty="0"/>
-          </a:p>
-          <a:p>
-            <a:pPr marL="0" indent="0" algn="just">
-              <a:buNone/>
-            </a:pPr>
             <a:r>
               <a:rPr lang="fr-FR" sz="2000" dirty="0"/>
-              <a:t>Répondez par « Oui » ou par « Non » aussi rapidement que possible, en appuyant sur les touches [O] ou [N] du clavier. </a:t>
-            </a:r>
-          </a:p>
-          <a:p>
-            <a:pPr marL="0" indent="0" algn="just">
-              <a:buNone/>
-            </a:pPr>
-            <a:endParaRPr lang="fr-FR" sz="2000" dirty="0"/>
-          </a:p>
-          <a:p>
-            <a:pPr marL="0" indent="0" algn="just">
-              <a:buNone/>
-            </a:pPr>
-            <a:r>
-              <a:rPr lang="fr-FR" sz="2000" dirty="0"/>
-              <a:t>Attention: vous ne pourrez pas modifier votre réponse!</a:t>
-            </a:r>
-          </a:p>
-          <a:p>
+              <a:t>Répondez par « Oui » ou par « Non » aussi rapidement que possible, en appuyant sur les touches [O] ou [N] du clavier. Vous ne pourrez pas modifier votre réponse!</a:t>
+            </a:r>
+          </a:p>
+          <a:p>
+            <a:pPr marL="0" indent="0">
+              <a:buNone/>
+            </a:pPr>
+            <a:endParaRPr lang="fr-FR" dirty="0"/>
+          </a:p>
+          <a:p>
+            <a:pPr marL="0" indent="0">
+              <a:buNone/>
+            </a:pPr>
+            <a:r>
+              <a:rPr lang="fr-FR" dirty="0"/>
+              <a:t>Attention: certains visages auront une expression apeurée et d’autres auront une expression faciale neutre. Les visages apeurés vont attirer votre attention. Dans certains essais, cela vous aidera a trouver la bonne réponse. Dans d’autres, cela vous induira en erreur. Nous vous indiquerons systématiquement si les visages apeurés vont vous aider ou vous induire en erreur.</a:t>
+            </a:r>
+          </a:p>
+          <a:p>
+            <a:pPr marL="0" indent="0">
+              <a:buNone/>
+            </a:pPr>
             <a:endParaRPr lang="fr-FR" dirty="0"/>
           </a:p>
         </p:txBody>
@@ -6752,13 +6723,6 @@
   <p:clrMapOvr>
     <a:masterClrMapping/>
   </p:clrMapOvr>
-  <p:timing>
-    <p:tnLst>
-      <p:par>
-        <p:cTn id="1" dur="indefinite" restart="never" nodeType="tmRoot"/>
-      </p:par>
-    </p:tnLst>
-  </p:timing>
 </p:sld>
 </file>
 
@@ -6795,11 +6759,11 @@
           <a:lstStyle/>
           <a:p>
             <a:r>
-              <a:rPr lang="fr-FR" dirty="0" smtClean="0"/>
+              <a:rPr lang="fr-FR" dirty="0"/>
               <a:t>Entrainement pour le </a:t>
             </a:r>
             <a:r>
-              <a:rPr lang="fr-FR" i="1" dirty="0" smtClean="0"/>
+              <a:rPr lang="fr-FR" i="1" dirty="0"/>
               <a:t>jeu de discrimination</a:t>
             </a:r>
             <a:endParaRPr lang="fr-FR" dirty="0"/>
@@ -6844,6 +6808,27 @@
             <a:r>
               <a:rPr lang="fr-FR" sz="2000" dirty="0"/>
               <a:t>Vous allez maintenant avoir plusieurs essais d’entrainement. </a:t>
+            </a:r>
+          </a:p>
+          <a:p>
+            <a:pPr marL="0" indent="0">
+              <a:buNone/>
+            </a:pPr>
+            <a:endParaRPr lang="fr-FR" sz="2000" dirty="0"/>
+          </a:p>
+          <a:p>
+            <a:pPr marL="0" indent="0">
+              <a:buNone/>
+            </a:pPr>
+            <a:endParaRPr lang="fr-FR" sz="2000" dirty="0"/>
+          </a:p>
+          <a:p>
+            <a:pPr marL="0" indent="0">
+              <a:buNone/>
+            </a:pPr>
+            <a:r>
+              <a:rPr lang="fr-FR" sz="2000" dirty="0"/>
+              <a:t>Votre performance dans cette phase ne sera pas prise en compte pour votre bonus financier.</a:t>
             </a:r>
           </a:p>
           <a:p>
@@ -6914,13 +6899,6 @@
   <p:clrMapOvr>
     <a:masterClrMapping/>
   </p:clrMapOvr>
-  <p:timing>
-    <p:tnLst>
-      <p:par>
-        <p:cTn id="1" dur="indefinite" restart="never" nodeType="tmRoot"/>
-      </p:par>
-    </p:tnLst>
-  </p:timing>
 </p:sld>
 </file>
 
@@ -6957,11 +6935,11 @@
           <a:lstStyle/>
           <a:p>
             <a:r>
-              <a:rPr lang="fr-FR" dirty="0" smtClean="0"/>
+              <a:rPr lang="fr-FR" dirty="0"/>
               <a:t>Entrainement pour le </a:t>
             </a:r>
             <a:r>
-              <a:rPr lang="fr-FR" i="1" dirty="0" smtClean="0"/>
+              <a:rPr lang="fr-FR" i="1" dirty="0"/>
               <a:t>jeu de discrimination</a:t>
             </a:r>
             <a:endParaRPr lang="fr-FR" dirty="0"/>
@@ -7079,13 +7057,6 @@
   <p:clrMapOvr>
     <a:masterClrMapping/>
   </p:clrMapOvr>
-  <p:timing>
-    <p:tnLst>
-      <p:par>
-        <p:cTn id="1" dur="indefinite" restart="never" nodeType="tmRoot"/>
-      </p:par>
-    </p:tnLst>
-  </p:timing>
 </p:sld>
 </file>
 

--- a/instructions/instructionsDiapo.pptx
+++ b/instructions/instructionsDiapo.pptx
@@ -7,24 +7,26 @@
   <p:sldIdLst>
     <p:sldId id="257" r:id="rId2"/>
     <p:sldId id="271" r:id="rId3"/>
-    <p:sldId id="272" r:id="rId4"/>
-    <p:sldId id="273" r:id="rId5"/>
-    <p:sldId id="274" r:id="rId6"/>
-    <p:sldId id="260" r:id="rId7"/>
-    <p:sldId id="268" r:id="rId8"/>
-    <p:sldId id="275" r:id="rId9"/>
-    <p:sldId id="276" r:id="rId10"/>
-    <p:sldId id="278" r:id="rId11"/>
-    <p:sldId id="261" r:id="rId12"/>
-    <p:sldId id="279" r:id="rId13"/>
-    <p:sldId id="283" r:id="rId14"/>
-    <p:sldId id="269" r:id="rId15"/>
-    <p:sldId id="280" r:id="rId16"/>
-    <p:sldId id="281" r:id="rId17"/>
-    <p:sldId id="282" r:id="rId18"/>
-    <p:sldId id="284" r:id="rId19"/>
-    <p:sldId id="286" r:id="rId20"/>
-    <p:sldId id="287" r:id="rId21"/>
+    <p:sldId id="288" r:id="rId4"/>
+    <p:sldId id="292" r:id="rId5"/>
+    <p:sldId id="289" r:id="rId6"/>
+    <p:sldId id="290" r:id="rId7"/>
+    <p:sldId id="291" r:id="rId8"/>
+    <p:sldId id="260" r:id="rId9"/>
+    <p:sldId id="268" r:id="rId10"/>
+    <p:sldId id="275" r:id="rId11"/>
+    <p:sldId id="276" r:id="rId12"/>
+    <p:sldId id="278" r:id="rId13"/>
+    <p:sldId id="261" r:id="rId14"/>
+    <p:sldId id="279" r:id="rId15"/>
+    <p:sldId id="283" r:id="rId16"/>
+    <p:sldId id="269" r:id="rId17"/>
+    <p:sldId id="280" r:id="rId18"/>
+    <p:sldId id="281" r:id="rId19"/>
+    <p:sldId id="282" r:id="rId20"/>
+    <p:sldId id="284" r:id="rId21"/>
+    <p:sldId id="286" r:id="rId22"/>
+    <p:sldId id="287" r:id="rId23"/>
   </p:sldIdLst>
   <p:sldSz cx="12192000" cy="6858000"/>
   <p:notesSz cx="6858000" cy="9144000"/>
@@ -302,7 +304,7 @@
           <a:p>
             <a:fld id="{6496F53C-98F8-4EF1-8F44-F193611899A2}" type="slidenum">
               <a:rPr lang="fr-FR" smtClean="0"/>
-              <a:t>‹#›</a:t>
+              <a:t>‹N°›</a:t>
             </a:fld>
             <a:endParaRPr lang="fr-FR" dirty="0"/>
           </a:p>
@@ -470,7 +472,7 @@
           <a:p>
             <a:fld id="{6496F53C-98F8-4EF1-8F44-F193611899A2}" type="slidenum">
               <a:rPr lang="fr-FR" smtClean="0"/>
-              <a:t>‹#›</a:t>
+              <a:t>‹N°›</a:t>
             </a:fld>
             <a:endParaRPr lang="fr-FR" dirty="0"/>
           </a:p>
@@ -648,7 +650,7 @@
           <a:p>
             <a:fld id="{6496F53C-98F8-4EF1-8F44-F193611899A2}" type="slidenum">
               <a:rPr lang="fr-FR" smtClean="0"/>
-              <a:t>‹#›</a:t>
+              <a:t>‹N°›</a:t>
             </a:fld>
             <a:endParaRPr lang="fr-FR" dirty="0"/>
           </a:p>
@@ -816,7 +818,7 @@
           <a:p>
             <a:fld id="{6496F53C-98F8-4EF1-8F44-F193611899A2}" type="slidenum">
               <a:rPr lang="fr-FR" smtClean="0"/>
-              <a:t>‹#›</a:t>
+              <a:t>‹N°›</a:t>
             </a:fld>
             <a:endParaRPr lang="fr-FR" dirty="0"/>
           </a:p>
@@ -1061,7 +1063,7 @@
           <a:p>
             <a:fld id="{6496F53C-98F8-4EF1-8F44-F193611899A2}" type="slidenum">
               <a:rPr lang="fr-FR" smtClean="0"/>
-              <a:t>‹#›</a:t>
+              <a:t>‹N°›</a:t>
             </a:fld>
             <a:endParaRPr lang="fr-FR" dirty="0"/>
           </a:p>
@@ -1290,7 +1292,7 @@
           <a:p>
             <a:fld id="{6496F53C-98F8-4EF1-8F44-F193611899A2}" type="slidenum">
               <a:rPr lang="fr-FR" smtClean="0"/>
-              <a:t>‹#›</a:t>
+              <a:t>‹N°›</a:t>
             </a:fld>
             <a:endParaRPr lang="fr-FR" dirty="0"/>
           </a:p>
@@ -1654,7 +1656,7 @@
           <a:p>
             <a:fld id="{6496F53C-98F8-4EF1-8F44-F193611899A2}" type="slidenum">
               <a:rPr lang="fr-FR" smtClean="0"/>
-              <a:t>‹#›</a:t>
+              <a:t>‹N°›</a:t>
             </a:fld>
             <a:endParaRPr lang="fr-FR" dirty="0"/>
           </a:p>
@@ -1771,7 +1773,7 @@
           <a:p>
             <a:fld id="{6496F53C-98F8-4EF1-8F44-F193611899A2}" type="slidenum">
               <a:rPr lang="fr-FR" smtClean="0"/>
-              <a:t>‹#›</a:t>
+              <a:t>‹N°›</a:t>
             </a:fld>
             <a:endParaRPr lang="fr-FR" dirty="0"/>
           </a:p>
@@ -1866,7 +1868,7 @@
           <a:p>
             <a:fld id="{6496F53C-98F8-4EF1-8F44-F193611899A2}" type="slidenum">
               <a:rPr lang="fr-FR" smtClean="0"/>
-              <a:t>‹#›</a:t>
+              <a:t>‹N°›</a:t>
             </a:fld>
             <a:endParaRPr lang="fr-FR" dirty="0"/>
           </a:p>
@@ -2141,7 +2143,7 @@
           <a:p>
             <a:fld id="{6496F53C-98F8-4EF1-8F44-F193611899A2}" type="slidenum">
               <a:rPr lang="fr-FR" smtClean="0"/>
-              <a:t>‹#›</a:t>
+              <a:t>‹N°›</a:t>
             </a:fld>
             <a:endParaRPr lang="fr-FR" dirty="0"/>
           </a:p>
@@ -2393,7 +2395,7 @@
           <a:p>
             <a:fld id="{6496F53C-98F8-4EF1-8F44-F193611899A2}" type="slidenum">
               <a:rPr lang="fr-FR" smtClean="0"/>
-              <a:t>‹#›</a:t>
+              <a:t>‹N°›</a:t>
             </a:fld>
             <a:endParaRPr lang="fr-FR" dirty="0"/>
           </a:p>
@@ -2640,7 +2642,7 @@
           <a:p>
             <a:fld id="{6496F53C-98F8-4EF1-8F44-F193611899A2}" type="slidenum">
               <a:rPr lang="fr-FR" smtClean="0"/>
-              <a:t>‹#›</a:t>
+              <a:t>‹N°›</a:t>
             </a:fld>
             <a:endParaRPr lang="fr-FR" dirty="0"/>
           </a:p>
@@ -3314,16 +3316,16 @@
           <a:lstStyle/>
           <a:p>
             <a:r>
+              <a:rPr lang="fr-FR" dirty="0"/>
+              <a:t>Entrainement pour le </a:t>
+            </a:r>
+            <a:r>
               <a:rPr lang="fr-FR" i="1" dirty="0"/>
-              <a:t>Le</a:t>
-            </a:r>
-            <a:r>
-              <a:rPr lang="fr-FR" dirty="0"/>
-              <a:t> </a:t>
-            </a:r>
-            <a:r>
-              <a:rPr lang="fr-FR" i="1" dirty="0"/>
-              <a:t>jeu de discrimination</a:t>
+              <a:t>jeu </a:t>
+            </a:r>
+            <a:r>
+              <a:rPr lang="fr-FR" i="1" dirty="0" smtClean="0"/>
+              <a:t>de détection</a:t>
             </a:r>
             <a:endParaRPr lang="fr-FR" dirty="0"/>
           </a:p>
@@ -3366,23 +3368,29 @@
             </a:pPr>
             <a:r>
               <a:rPr lang="fr-FR" sz="2000" dirty="0"/>
-              <a:t>Vous allez maintenant commencer le jeu. </a:t>
+              <a:t>Vous allez maintenant avoir plusieurs essais d’entrainement. </a:t>
             </a:r>
           </a:p>
           <a:p>
             <a:pPr marL="0" indent="0">
               <a:buNone/>
             </a:pPr>
+            <a:endParaRPr lang="fr-FR" sz="2000" dirty="0"/>
+          </a:p>
+          <a:p>
+            <a:pPr marL="0" indent="0">
+              <a:buNone/>
+            </a:pPr>
+            <a:endParaRPr lang="fr-FR" sz="2000" dirty="0"/>
+          </a:p>
+          <a:p>
+            <a:pPr marL="0" indent="0">
+              <a:buNone/>
+            </a:pPr>
             <a:r>
               <a:rPr lang="fr-FR" sz="2000" dirty="0"/>
-              <a:t>Votre performance dans cette phase sera prise en compte pour votre bonus financier.</a:t>
-            </a:r>
-          </a:p>
-          <a:p>
-            <a:pPr marL="0" indent="0">
-              <a:buNone/>
-            </a:pPr>
-            <a:endParaRPr lang="fr-FR" sz="2000" dirty="0"/>
+              <a:t>Votre performance dans cette phase ne sera pas prise en compte pour votre bonus financier.</a:t>
+            </a:r>
           </a:p>
           <a:p>
             <a:endParaRPr lang="fr-FR" sz="2000" dirty="0"/>
@@ -3445,7 +3453,7 @@
     </p:spTree>
     <p:extLst>
       <p:ext uri="{BB962C8B-B14F-4D97-AF65-F5344CB8AC3E}">
-        <p14:creationId xmlns:p14="http://schemas.microsoft.com/office/powerpoint/2010/main" val="1515506491"/>
+        <p14:creationId xmlns:p14="http://schemas.microsoft.com/office/powerpoint/2010/main" val="2071561818"/>
       </p:ext>
     </p:extLst>
   </p:cSld>
@@ -3474,7 +3482,38 @@
       </p:grpSpPr>
       <p:sp>
         <p:nvSpPr>
-          <p:cNvPr id="3" name="Espace réservé du contenu 2"/>
+          <p:cNvPr id="2" name="Titre 1"/>
+          <p:cNvSpPr>
+            <a:spLocks noGrp="1"/>
+          </p:cNvSpPr>
+          <p:nvPr>
+            <p:ph type="title"/>
+          </p:nvPr>
+        </p:nvSpPr>
+        <p:spPr/>
+        <p:txBody>
+          <a:bodyPr/>
+          <a:lstStyle/>
+          <a:p>
+            <a:r>
+              <a:rPr lang="fr-FR" dirty="0"/>
+              <a:t>Entrainement pour le </a:t>
+            </a:r>
+            <a:r>
+              <a:rPr lang="fr-FR" i="1" dirty="0"/>
+              <a:t>jeu de </a:t>
+            </a:r>
+            <a:r>
+              <a:rPr lang="fr-FR" i="1" dirty="0"/>
+              <a:t>détection</a:t>
+            </a:r>
+            <a:endParaRPr lang="fr-FR" dirty="0"/>
+          </a:p>
+        </p:txBody>
+      </p:sp>
+      <p:sp>
+        <p:nvSpPr>
+          <p:cNvPr id="5" name="Espace réservé du contenu 4"/>
           <p:cNvSpPr>
             <a:spLocks noGrp="1"/>
           </p:cNvSpPr>
@@ -3484,238 +3523,115 @@
         </p:nvSpPr>
         <p:spPr>
           <a:xfrm>
-            <a:off x="3366308" y="2718263"/>
-            <a:ext cx="5459385" cy="590203"/>
-          </a:xfrm>
-        </p:spPr>
-        <p:txBody>
-          <a:bodyPr>
-            <a:normAutofit/>
-          </a:bodyPr>
+            <a:off x="838200" y="1825625"/>
+            <a:ext cx="10608425" cy="4351338"/>
+          </a:xfrm>
+        </p:spPr>
+        <p:txBody>
+          <a:bodyPr/>
           <a:lstStyle/>
           <a:p>
             <a:pPr marL="0" indent="0">
               <a:buNone/>
             </a:pPr>
-            <a:r>
-              <a:rPr lang="fr-FR" dirty="0"/>
-              <a:t>Avez-vous vu au moins une femme ?</a:t>
-            </a:r>
+            <a:endParaRPr lang="fr-FR" sz="2000" dirty="0"/>
           </a:p>
           <a:p>
             <a:pPr marL="0" indent="0">
               <a:buNone/>
             </a:pPr>
+            <a:endParaRPr lang="fr-FR" sz="2000" dirty="0"/>
+          </a:p>
+          <a:p>
+            <a:pPr marL="0" indent="0">
+              <a:buNone/>
+            </a:pPr>
+            <a:r>
+              <a:rPr lang="fr-FR" sz="2000" dirty="0"/>
+              <a:t>L’entrainement du </a:t>
+            </a:r>
+            <a:r>
+              <a:rPr lang="fr-FR" sz="2000" i="1" dirty="0"/>
+              <a:t>jeu de </a:t>
+            </a:r>
+            <a:r>
+              <a:rPr lang="fr-FR" sz="2000" i="1" dirty="0"/>
+              <a:t>détection</a:t>
+            </a:r>
+            <a:r>
+              <a:rPr lang="fr-FR" sz="2000" i="1" dirty="0" smtClean="0"/>
+              <a:t> </a:t>
+            </a:r>
+            <a:r>
+              <a:rPr lang="fr-FR" sz="2000" dirty="0"/>
+              <a:t>est terminé. </a:t>
+            </a:r>
+          </a:p>
+          <a:p>
+            <a:pPr marL="0" indent="0">
+              <a:buNone/>
+            </a:pPr>
+            <a:endParaRPr lang="fr-FR" sz="2000" dirty="0"/>
+          </a:p>
+          <a:p>
+            <a:pPr marL="0" indent="0">
+              <a:buNone/>
+            </a:pPr>
+            <a:endParaRPr lang="fr-FR" sz="2000" dirty="0"/>
+          </a:p>
+          <a:p>
+            <a:pPr marL="0" indent="0">
+              <a:buNone/>
+            </a:pPr>
+            <a:r>
+              <a:rPr lang="fr-FR" sz="2000" dirty="0"/>
+              <a:t>Si vous avez des questions, demandez à l’expérimentatrice  s’il vous plait. </a:t>
+            </a:r>
+          </a:p>
+          <a:p>
             <a:endParaRPr lang="fr-FR" dirty="0"/>
           </a:p>
         </p:txBody>
       </p:sp>
       <p:sp>
         <p:nvSpPr>
-          <p:cNvPr id="5" name="Espace réservé du contenu 2"/>
-          <p:cNvSpPr txBox="1">
-            <a:spLocks/>
-          </p:cNvSpPr>
+          <p:cNvPr id="4" name="Rectangle 3"/>
+          <p:cNvSpPr/>
           <p:nvPr/>
         </p:nvSpPr>
         <p:spPr>
           <a:xfrm>
-            <a:off x="4683355" y="3735187"/>
-            <a:ext cx="2825288" cy="520930"/>
+            <a:off x="4121486" y="6369919"/>
+            <a:ext cx="3949030" cy="400110"/>
           </a:xfrm>
           <a:prstGeom prst="rect">
             <a:avLst/>
           </a:prstGeom>
         </p:spPr>
         <p:txBody>
-          <a:bodyPr vert="horz" lIns="91440" tIns="45720" rIns="91440" bIns="45720" rtlCol="0">
-            <a:normAutofit/>
+          <a:bodyPr wrap="none">
+            <a:spAutoFit/>
           </a:bodyPr>
-          <a:lstStyle>
-            <a:lvl1pPr marL="228600" indent="-228600" algn="l" defTabSz="914400" rtl="0" eaLnBrk="1" latinLnBrk="0" hangingPunct="1">
-              <a:lnSpc>
-                <a:spcPct val="90000"/>
-              </a:lnSpc>
-              <a:spcBef>
-                <a:spcPts val="1000"/>
-              </a:spcBef>
-              <a:buFont typeface="Arial" panose="020B0604020202020204" pitchFamily="34" charset="0"/>
-              <a:buChar char="•"/>
-              <a:defRPr sz="2800" kern="1200">
-                <a:solidFill>
-                  <a:schemeClr val="tx1"/>
-                </a:solidFill>
-                <a:latin typeface="+mn-lt"/>
-                <a:ea typeface="+mn-ea"/>
-                <a:cs typeface="+mn-cs"/>
-              </a:defRPr>
-            </a:lvl1pPr>
-            <a:lvl2pPr marL="685800" indent="-228600" algn="l" defTabSz="914400" rtl="0" eaLnBrk="1" latinLnBrk="0" hangingPunct="1">
-              <a:lnSpc>
-                <a:spcPct val="90000"/>
-              </a:lnSpc>
-              <a:spcBef>
-                <a:spcPts val="500"/>
-              </a:spcBef>
-              <a:buFont typeface="Arial" panose="020B0604020202020204" pitchFamily="34" charset="0"/>
-              <a:buChar char="•"/>
-              <a:defRPr sz="2400" kern="1200">
-                <a:solidFill>
-                  <a:schemeClr val="tx1"/>
-                </a:solidFill>
-                <a:latin typeface="+mn-lt"/>
-                <a:ea typeface="+mn-ea"/>
-                <a:cs typeface="+mn-cs"/>
-              </a:defRPr>
-            </a:lvl2pPr>
-            <a:lvl3pPr marL="1143000" indent="-228600" algn="l" defTabSz="914400" rtl="0" eaLnBrk="1" latinLnBrk="0" hangingPunct="1">
-              <a:lnSpc>
-                <a:spcPct val="90000"/>
-              </a:lnSpc>
-              <a:spcBef>
-                <a:spcPts val="500"/>
-              </a:spcBef>
-              <a:buFont typeface="Arial" panose="020B0604020202020204" pitchFamily="34" charset="0"/>
-              <a:buChar char="•"/>
-              <a:defRPr sz="2000" kern="1200">
-                <a:solidFill>
-                  <a:schemeClr val="tx1"/>
-                </a:solidFill>
-                <a:latin typeface="+mn-lt"/>
-                <a:ea typeface="+mn-ea"/>
-                <a:cs typeface="+mn-cs"/>
-              </a:defRPr>
-            </a:lvl3pPr>
-            <a:lvl4pPr marL="1600200" indent="-228600" algn="l" defTabSz="914400" rtl="0" eaLnBrk="1" latinLnBrk="0" hangingPunct="1">
-              <a:lnSpc>
-                <a:spcPct val="90000"/>
-              </a:lnSpc>
-              <a:spcBef>
-                <a:spcPts val="500"/>
-              </a:spcBef>
-              <a:buFont typeface="Arial" panose="020B0604020202020204" pitchFamily="34" charset="0"/>
-              <a:buChar char="•"/>
-              <a:defRPr sz="1800" kern="1200">
-                <a:solidFill>
-                  <a:schemeClr val="tx1"/>
-                </a:solidFill>
-                <a:latin typeface="+mn-lt"/>
-                <a:ea typeface="+mn-ea"/>
-                <a:cs typeface="+mn-cs"/>
-              </a:defRPr>
-            </a:lvl4pPr>
-            <a:lvl5pPr marL="2057400" indent="-228600" algn="l" defTabSz="914400" rtl="0" eaLnBrk="1" latinLnBrk="0" hangingPunct="1">
-              <a:lnSpc>
-                <a:spcPct val="90000"/>
-              </a:lnSpc>
-              <a:spcBef>
-                <a:spcPts val="500"/>
-              </a:spcBef>
-              <a:buFont typeface="Arial" panose="020B0604020202020204" pitchFamily="34" charset="0"/>
-              <a:buChar char="•"/>
-              <a:defRPr sz="1800" kern="1200">
-                <a:solidFill>
-                  <a:schemeClr val="tx1"/>
-                </a:solidFill>
-                <a:latin typeface="+mn-lt"/>
-                <a:ea typeface="+mn-ea"/>
-                <a:cs typeface="+mn-cs"/>
-              </a:defRPr>
-            </a:lvl5pPr>
-            <a:lvl6pPr marL="2514600" indent="-228600" algn="l" defTabSz="914400" rtl="0" eaLnBrk="1" latinLnBrk="0" hangingPunct="1">
-              <a:lnSpc>
-                <a:spcPct val="90000"/>
-              </a:lnSpc>
-              <a:spcBef>
-                <a:spcPts val="500"/>
-              </a:spcBef>
-              <a:buFont typeface="Arial" panose="020B0604020202020204" pitchFamily="34" charset="0"/>
-              <a:buChar char="•"/>
-              <a:defRPr sz="1800" kern="1200">
-                <a:solidFill>
-                  <a:schemeClr val="tx1"/>
-                </a:solidFill>
-                <a:latin typeface="+mn-lt"/>
-                <a:ea typeface="+mn-ea"/>
-                <a:cs typeface="+mn-cs"/>
-              </a:defRPr>
-            </a:lvl6pPr>
-            <a:lvl7pPr marL="2971800" indent="-228600" algn="l" defTabSz="914400" rtl="0" eaLnBrk="1" latinLnBrk="0" hangingPunct="1">
-              <a:lnSpc>
-                <a:spcPct val="90000"/>
-              </a:lnSpc>
-              <a:spcBef>
-                <a:spcPts val="500"/>
-              </a:spcBef>
-              <a:buFont typeface="Arial" panose="020B0604020202020204" pitchFamily="34" charset="0"/>
-              <a:buChar char="•"/>
-              <a:defRPr sz="1800" kern="1200">
-                <a:solidFill>
-                  <a:schemeClr val="tx1"/>
-                </a:solidFill>
-                <a:latin typeface="+mn-lt"/>
-                <a:ea typeface="+mn-ea"/>
-                <a:cs typeface="+mn-cs"/>
-              </a:defRPr>
-            </a:lvl7pPr>
-            <a:lvl8pPr marL="3429000" indent="-228600" algn="l" defTabSz="914400" rtl="0" eaLnBrk="1" latinLnBrk="0" hangingPunct="1">
-              <a:lnSpc>
-                <a:spcPct val="90000"/>
-              </a:lnSpc>
-              <a:spcBef>
-                <a:spcPts val="500"/>
-              </a:spcBef>
-              <a:buFont typeface="Arial" panose="020B0604020202020204" pitchFamily="34" charset="0"/>
-              <a:buChar char="•"/>
-              <a:defRPr sz="1800" kern="1200">
-                <a:solidFill>
-                  <a:schemeClr val="tx1"/>
-                </a:solidFill>
-                <a:latin typeface="+mn-lt"/>
-                <a:ea typeface="+mn-ea"/>
-                <a:cs typeface="+mn-cs"/>
-              </a:defRPr>
-            </a:lvl8pPr>
-            <a:lvl9pPr marL="3886200" indent="-228600" algn="l" defTabSz="914400" rtl="0" eaLnBrk="1" latinLnBrk="0" hangingPunct="1">
-              <a:lnSpc>
-                <a:spcPct val="90000"/>
-              </a:lnSpc>
-              <a:spcBef>
-                <a:spcPts val="500"/>
-              </a:spcBef>
-              <a:buFont typeface="Arial" panose="020B0604020202020204" pitchFamily="34" charset="0"/>
-              <a:buChar char="•"/>
-              <a:defRPr sz="1800" kern="1200">
-                <a:solidFill>
-                  <a:schemeClr val="tx1"/>
-                </a:solidFill>
-                <a:latin typeface="+mn-lt"/>
-                <a:ea typeface="+mn-ea"/>
-                <a:cs typeface="+mn-cs"/>
-              </a:defRPr>
-            </a:lvl9pPr>
-          </a:lstStyle>
-          <a:p>
-            <a:pPr marL="0" indent="0">
-              <a:buNone/>
-            </a:pPr>
-            <a:r>
-              <a:rPr lang="fr-FR" dirty="0"/>
-              <a:t>Oui [O]  /  Non [N]</a:t>
-            </a:r>
-          </a:p>
-          <a:p>
-            <a:pPr marL="0" indent="0">
-              <a:buNone/>
-            </a:pPr>
-            <a:endParaRPr lang="fr-FR" dirty="0"/>
+          <a:lstStyle/>
+          <a:p>
+            <a:r>
+              <a:rPr lang="fr-FR" sz="2000" i="1" dirty="0">
+                <a:solidFill>
+                  <a:schemeClr val="tx1">
+                    <a:lumMod val="50000"/>
+                    <a:lumOff val="50000"/>
+                  </a:schemeClr>
+                </a:solidFill>
+              </a:rPr>
+              <a:t>Appuyez sur [espace] pour continuer</a:t>
+            </a:r>
           </a:p>
         </p:txBody>
       </p:sp>
     </p:spTree>
     <p:extLst>
       <p:ext uri="{BB962C8B-B14F-4D97-AF65-F5344CB8AC3E}">
-        <p14:creationId xmlns:p14="http://schemas.microsoft.com/office/powerpoint/2010/main" val="1639111308"/>
+        <p14:creationId xmlns:p14="http://schemas.microsoft.com/office/powerpoint/2010/main" val="3249193195"/>
       </p:ext>
     </p:extLst>
   </p:cSld>
@@ -3744,7 +3660,42 @@
       </p:grpSpPr>
       <p:sp>
         <p:nvSpPr>
-          <p:cNvPr id="3" name="Espace réservé du contenu 2"/>
+          <p:cNvPr id="2" name="Titre 1"/>
+          <p:cNvSpPr>
+            <a:spLocks noGrp="1"/>
+          </p:cNvSpPr>
+          <p:nvPr>
+            <p:ph type="title"/>
+          </p:nvPr>
+        </p:nvSpPr>
+        <p:spPr/>
+        <p:txBody>
+          <a:bodyPr/>
+          <a:lstStyle/>
+          <a:p>
+            <a:r>
+              <a:rPr lang="fr-FR" i="1" dirty="0"/>
+              <a:t>Le</a:t>
+            </a:r>
+            <a:r>
+              <a:rPr lang="fr-FR" dirty="0"/>
+              <a:t> </a:t>
+            </a:r>
+            <a:r>
+              <a:rPr lang="fr-FR" i="1" dirty="0"/>
+              <a:t>jeu de </a:t>
+            </a:r>
+            <a:r>
+              <a:rPr lang="fr-FR" i="1" dirty="0"/>
+              <a:t>détection</a:t>
+            </a:r>
+            <a:endParaRPr lang="fr-FR" dirty="0"/>
+          </a:p>
+        </p:txBody>
+      </p:sp>
+      <p:sp>
+        <p:nvSpPr>
+          <p:cNvPr id="5" name="Espace réservé du contenu 4"/>
           <p:cNvSpPr>
             <a:spLocks noGrp="1"/>
           </p:cNvSpPr>
@@ -3754,238 +3705,129 @@
         </p:nvSpPr>
         <p:spPr>
           <a:xfrm>
-            <a:off x="3395402" y="2718263"/>
-            <a:ext cx="5401196" cy="590203"/>
-          </a:xfrm>
-        </p:spPr>
-        <p:txBody>
-          <a:bodyPr>
-            <a:normAutofit/>
-          </a:bodyPr>
+            <a:off x="838200" y="1825625"/>
+            <a:ext cx="10608425" cy="4351338"/>
+          </a:xfrm>
+        </p:spPr>
+        <p:txBody>
+          <a:bodyPr/>
           <a:lstStyle/>
           <a:p>
             <a:pPr marL="0" indent="0">
               <a:buNone/>
             </a:pPr>
-            <a:r>
-              <a:rPr lang="fr-FR" dirty="0"/>
-              <a:t>Avez-vous vu au moins un homme ?</a:t>
-            </a:r>
+            <a:endParaRPr lang="fr-FR" sz="2000" dirty="0"/>
           </a:p>
           <a:p>
             <a:pPr marL="0" indent="0">
               <a:buNone/>
             </a:pPr>
+            <a:endParaRPr lang="fr-FR" sz="2000" dirty="0"/>
+          </a:p>
+          <a:p>
+            <a:pPr marL="0" indent="0">
+              <a:buNone/>
+            </a:pPr>
+            <a:r>
+              <a:rPr lang="fr-FR" sz="2000" dirty="0"/>
+              <a:t>Vous allez maintenant commencer le jeu. </a:t>
+            </a:r>
+            <a:endParaRPr lang="fr-FR" sz="2000" dirty="0" smtClean="0"/>
+          </a:p>
+          <a:p>
+            <a:pPr marL="0" indent="0">
+              <a:buNone/>
+            </a:pPr>
+            <a:endParaRPr lang="fr-FR" sz="2000" dirty="0" smtClean="0"/>
+          </a:p>
+          <a:p>
+            <a:pPr marL="0" indent="0">
+              <a:buNone/>
+            </a:pPr>
+            <a:endParaRPr lang="fr-FR" sz="2000" dirty="0"/>
+          </a:p>
+          <a:p>
+            <a:pPr marL="0" indent="0">
+              <a:buNone/>
+            </a:pPr>
+            <a:r>
+              <a:rPr lang="fr-FR" sz="2000" dirty="0"/>
+              <a:t>Votre </a:t>
+            </a:r>
+            <a:r>
+              <a:rPr lang="fr-FR" sz="2000" dirty="0" smtClean="0"/>
+              <a:t>performance </a:t>
+            </a:r>
+            <a:r>
+              <a:rPr lang="fr-FR" sz="2000" dirty="0"/>
+              <a:t>dans cette phase sera prise en compte pour votre bonus financier.</a:t>
+            </a:r>
+          </a:p>
+          <a:p>
+            <a:pPr marL="0" indent="0">
+              <a:buNone/>
+            </a:pPr>
+            <a:endParaRPr lang="fr-FR" sz="2000" dirty="0" smtClean="0"/>
+          </a:p>
+          <a:p>
+            <a:pPr marL="0" indent="0">
+              <a:buNone/>
+            </a:pPr>
+            <a:endParaRPr lang="fr-FR" sz="2000" dirty="0"/>
+          </a:p>
+          <a:p>
+            <a:pPr marL="0" indent="0">
+              <a:buNone/>
+            </a:pPr>
+            <a:r>
+              <a:rPr lang="fr-FR" sz="2000" dirty="0"/>
+              <a:t>Rappelez-vous d’utiliser la touche [O] pour répondre « Oui » et la touche [N] pour répondre « Non ». </a:t>
+            </a:r>
+          </a:p>
+          <a:p>
             <a:endParaRPr lang="fr-FR" dirty="0"/>
           </a:p>
         </p:txBody>
       </p:sp>
       <p:sp>
         <p:nvSpPr>
-          <p:cNvPr id="5" name="Espace réservé du contenu 2"/>
-          <p:cNvSpPr txBox="1">
-            <a:spLocks/>
-          </p:cNvSpPr>
+          <p:cNvPr id="4" name="Rectangle 3"/>
+          <p:cNvSpPr/>
           <p:nvPr/>
         </p:nvSpPr>
         <p:spPr>
           <a:xfrm>
-            <a:off x="4683355" y="3735187"/>
-            <a:ext cx="2825288" cy="520930"/>
+            <a:off x="4121486" y="6369919"/>
+            <a:ext cx="3949030" cy="400110"/>
           </a:xfrm>
           <a:prstGeom prst="rect">
             <a:avLst/>
           </a:prstGeom>
         </p:spPr>
         <p:txBody>
-          <a:bodyPr vert="horz" lIns="91440" tIns="45720" rIns="91440" bIns="45720" rtlCol="0">
-            <a:normAutofit/>
+          <a:bodyPr wrap="none">
+            <a:spAutoFit/>
           </a:bodyPr>
-          <a:lstStyle>
-            <a:lvl1pPr marL="228600" indent="-228600" algn="l" defTabSz="914400" rtl="0" eaLnBrk="1" latinLnBrk="0" hangingPunct="1">
-              <a:lnSpc>
-                <a:spcPct val="90000"/>
-              </a:lnSpc>
-              <a:spcBef>
-                <a:spcPts val="1000"/>
-              </a:spcBef>
-              <a:buFont typeface="Arial" panose="020B0604020202020204" pitchFamily="34" charset="0"/>
-              <a:buChar char="•"/>
-              <a:defRPr sz="2800" kern="1200">
-                <a:solidFill>
-                  <a:schemeClr val="tx1"/>
-                </a:solidFill>
-                <a:latin typeface="+mn-lt"/>
-                <a:ea typeface="+mn-ea"/>
-                <a:cs typeface="+mn-cs"/>
-              </a:defRPr>
-            </a:lvl1pPr>
-            <a:lvl2pPr marL="685800" indent="-228600" algn="l" defTabSz="914400" rtl="0" eaLnBrk="1" latinLnBrk="0" hangingPunct="1">
-              <a:lnSpc>
-                <a:spcPct val="90000"/>
-              </a:lnSpc>
-              <a:spcBef>
-                <a:spcPts val="500"/>
-              </a:spcBef>
-              <a:buFont typeface="Arial" panose="020B0604020202020204" pitchFamily="34" charset="0"/>
-              <a:buChar char="•"/>
-              <a:defRPr sz="2400" kern="1200">
-                <a:solidFill>
-                  <a:schemeClr val="tx1"/>
-                </a:solidFill>
-                <a:latin typeface="+mn-lt"/>
-                <a:ea typeface="+mn-ea"/>
-                <a:cs typeface="+mn-cs"/>
-              </a:defRPr>
-            </a:lvl2pPr>
-            <a:lvl3pPr marL="1143000" indent="-228600" algn="l" defTabSz="914400" rtl="0" eaLnBrk="1" latinLnBrk="0" hangingPunct="1">
-              <a:lnSpc>
-                <a:spcPct val="90000"/>
-              </a:lnSpc>
-              <a:spcBef>
-                <a:spcPts val="500"/>
-              </a:spcBef>
-              <a:buFont typeface="Arial" panose="020B0604020202020204" pitchFamily="34" charset="0"/>
-              <a:buChar char="•"/>
-              <a:defRPr sz="2000" kern="1200">
-                <a:solidFill>
-                  <a:schemeClr val="tx1"/>
-                </a:solidFill>
-                <a:latin typeface="+mn-lt"/>
-                <a:ea typeface="+mn-ea"/>
-                <a:cs typeface="+mn-cs"/>
-              </a:defRPr>
-            </a:lvl3pPr>
-            <a:lvl4pPr marL="1600200" indent="-228600" algn="l" defTabSz="914400" rtl="0" eaLnBrk="1" latinLnBrk="0" hangingPunct="1">
-              <a:lnSpc>
-                <a:spcPct val="90000"/>
-              </a:lnSpc>
-              <a:spcBef>
-                <a:spcPts val="500"/>
-              </a:spcBef>
-              <a:buFont typeface="Arial" panose="020B0604020202020204" pitchFamily="34" charset="0"/>
-              <a:buChar char="•"/>
-              <a:defRPr sz="1800" kern="1200">
-                <a:solidFill>
-                  <a:schemeClr val="tx1"/>
-                </a:solidFill>
-                <a:latin typeface="+mn-lt"/>
-                <a:ea typeface="+mn-ea"/>
-                <a:cs typeface="+mn-cs"/>
-              </a:defRPr>
-            </a:lvl4pPr>
-            <a:lvl5pPr marL="2057400" indent="-228600" algn="l" defTabSz="914400" rtl="0" eaLnBrk="1" latinLnBrk="0" hangingPunct="1">
-              <a:lnSpc>
-                <a:spcPct val="90000"/>
-              </a:lnSpc>
-              <a:spcBef>
-                <a:spcPts val="500"/>
-              </a:spcBef>
-              <a:buFont typeface="Arial" panose="020B0604020202020204" pitchFamily="34" charset="0"/>
-              <a:buChar char="•"/>
-              <a:defRPr sz="1800" kern="1200">
-                <a:solidFill>
-                  <a:schemeClr val="tx1"/>
-                </a:solidFill>
-                <a:latin typeface="+mn-lt"/>
-                <a:ea typeface="+mn-ea"/>
-                <a:cs typeface="+mn-cs"/>
-              </a:defRPr>
-            </a:lvl5pPr>
-            <a:lvl6pPr marL="2514600" indent="-228600" algn="l" defTabSz="914400" rtl="0" eaLnBrk="1" latinLnBrk="0" hangingPunct="1">
-              <a:lnSpc>
-                <a:spcPct val="90000"/>
-              </a:lnSpc>
-              <a:spcBef>
-                <a:spcPts val="500"/>
-              </a:spcBef>
-              <a:buFont typeface="Arial" panose="020B0604020202020204" pitchFamily="34" charset="0"/>
-              <a:buChar char="•"/>
-              <a:defRPr sz="1800" kern="1200">
-                <a:solidFill>
-                  <a:schemeClr val="tx1"/>
-                </a:solidFill>
-                <a:latin typeface="+mn-lt"/>
-                <a:ea typeface="+mn-ea"/>
-                <a:cs typeface="+mn-cs"/>
-              </a:defRPr>
-            </a:lvl6pPr>
-            <a:lvl7pPr marL="2971800" indent="-228600" algn="l" defTabSz="914400" rtl="0" eaLnBrk="1" latinLnBrk="0" hangingPunct="1">
-              <a:lnSpc>
-                <a:spcPct val="90000"/>
-              </a:lnSpc>
-              <a:spcBef>
-                <a:spcPts val="500"/>
-              </a:spcBef>
-              <a:buFont typeface="Arial" panose="020B0604020202020204" pitchFamily="34" charset="0"/>
-              <a:buChar char="•"/>
-              <a:defRPr sz="1800" kern="1200">
-                <a:solidFill>
-                  <a:schemeClr val="tx1"/>
-                </a:solidFill>
-                <a:latin typeface="+mn-lt"/>
-                <a:ea typeface="+mn-ea"/>
-                <a:cs typeface="+mn-cs"/>
-              </a:defRPr>
-            </a:lvl7pPr>
-            <a:lvl8pPr marL="3429000" indent="-228600" algn="l" defTabSz="914400" rtl="0" eaLnBrk="1" latinLnBrk="0" hangingPunct="1">
-              <a:lnSpc>
-                <a:spcPct val="90000"/>
-              </a:lnSpc>
-              <a:spcBef>
-                <a:spcPts val="500"/>
-              </a:spcBef>
-              <a:buFont typeface="Arial" panose="020B0604020202020204" pitchFamily="34" charset="0"/>
-              <a:buChar char="•"/>
-              <a:defRPr sz="1800" kern="1200">
-                <a:solidFill>
-                  <a:schemeClr val="tx1"/>
-                </a:solidFill>
-                <a:latin typeface="+mn-lt"/>
-                <a:ea typeface="+mn-ea"/>
-                <a:cs typeface="+mn-cs"/>
-              </a:defRPr>
-            </a:lvl8pPr>
-            <a:lvl9pPr marL="3886200" indent="-228600" algn="l" defTabSz="914400" rtl="0" eaLnBrk="1" latinLnBrk="0" hangingPunct="1">
-              <a:lnSpc>
-                <a:spcPct val="90000"/>
-              </a:lnSpc>
-              <a:spcBef>
-                <a:spcPts val="500"/>
-              </a:spcBef>
-              <a:buFont typeface="Arial" panose="020B0604020202020204" pitchFamily="34" charset="0"/>
-              <a:buChar char="•"/>
-              <a:defRPr sz="1800" kern="1200">
-                <a:solidFill>
-                  <a:schemeClr val="tx1"/>
-                </a:solidFill>
-                <a:latin typeface="+mn-lt"/>
-                <a:ea typeface="+mn-ea"/>
-                <a:cs typeface="+mn-cs"/>
-              </a:defRPr>
-            </a:lvl9pPr>
-          </a:lstStyle>
-          <a:p>
-            <a:pPr marL="0" indent="0">
-              <a:buNone/>
-            </a:pPr>
-            <a:r>
-              <a:rPr lang="fr-FR" dirty="0"/>
-              <a:t>Oui [O]  /  Non [N]</a:t>
-            </a:r>
-          </a:p>
-          <a:p>
-            <a:pPr marL="0" indent="0">
-              <a:buNone/>
-            </a:pPr>
-            <a:endParaRPr lang="fr-FR" dirty="0"/>
+          <a:lstStyle/>
+          <a:p>
+            <a:r>
+              <a:rPr lang="fr-FR" sz="2000" i="1" dirty="0">
+                <a:solidFill>
+                  <a:schemeClr val="tx1">
+                    <a:lumMod val="50000"/>
+                    <a:lumOff val="50000"/>
+                  </a:schemeClr>
+                </a:solidFill>
+              </a:rPr>
+              <a:t>Appuyez sur [espace] pour continuer</a:t>
+            </a:r>
           </a:p>
         </p:txBody>
       </p:sp>
     </p:spTree>
     <p:extLst>
       <p:ext uri="{BB962C8B-B14F-4D97-AF65-F5344CB8AC3E}">
-        <p14:creationId xmlns:p14="http://schemas.microsoft.com/office/powerpoint/2010/main" val="1178754425"/>
+        <p14:creationId xmlns:p14="http://schemas.microsoft.com/office/powerpoint/2010/main" val="1515506491"/>
       </p:ext>
     </p:extLst>
   </p:cSld>
@@ -4014,79 +3856,248 @@
       </p:grpSpPr>
       <p:sp>
         <p:nvSpPr>
-          <p:cNvPr id="2" name="Titre 1"/>
-          <p:cNvSpPr>
-            <a:spLocks noGrp="1"/>
-          </p:cNvSpPr>
-          <p:nvPr>
-            <p:ph type="title"/>
-          </p:nvPr>
-        </p:nvSpPr>
-        <p:spPr>
-          <a:xfrm>
-            <a:off x="1992978" y="2766220"/>
-            <a:ext cx="8206047" cy="1325563"/>
-          </a:xfrm>
-        </p:spPr>
-        <p:txBody>
-          <a:bodyPr/>
-          <a:lstStyle/>
-          <a:p>
-            <a:pPr algn="ctr"/>
+          <p:cNvPr id="3" name="Espace réservé du contenu 2"/>
+          <p:cNvSpPr>
+            <a:spLocks noGrp="1"/>
+          </p:cNvSpPr>
+          <p:nvPr>
+            <p:ph idx="1"/>
+          </p:nvPr>
+        </p:nvSpPr>
+        <p:spPr>
+          <a:xfrm>
+            <a:off x="3366308" y="2718263"/>
+            <a:ext cx="5459385" cy="590203"/>
+          </a:xfrm>
+        </p:spPr>
+        <p:txBody>
+          <a:bodyPr>
+            <a:normAutofit/>
+          </a:bodyPr>
+          <a:lstStyle/>
+          <a:p>
+            <a:pPr marL="0" indent="0">
+              <a:buNone/>
+            </a:pPr>
             <a:r>
               <a:rPr lang="fr-FR" dirty="0"/>
-              <a:t>Le </a:t>
-            </a:r>
-            <a:r>
-              <a:rPr lang="fr-FR" i="1" dirty="0"/>
-              <a:t>jeu de discrimination </a:t>
-            </a:r>
-            <a:r>
-              <a:rPr lang="fr-FR" dirty="0"/>
-              <a:t>est terminé</a:t>
-            </a:r>
-          </a:p>
-        </p:txBody>
-      </p:sp>
-      <p:sp>
-        <p:nvSpPr>
-          <p:cNvPr id="4" name="Rectangle 3"/>
-          <p:cNvSpPr/>
+              <a:t>Avez-vous vu au moins une femme ?</a:t>
+            </a:r>
+          </a:p>
+          <a:p>
+            <a:pPr marL="0" indent="0">
+              <a:buNone/>
+            </a:pPr>
+            <a:endParaRPr lang="fr-FR" dirty="0"/>
+          </a:p>
+        </p:txBody>
+      </p:sp>
+      <p:sp>
+        <p:nvSpPr>
+          <p:cNvPr id="5" name="Espace réservé du contenu 2"/>
+          <p:cNvSpPr txBox="1">
+            <a:spLocks/>
+          </p:cNvSpPr>
           <p:nvPr/>
         </p:nvSpPr>
         <p:spPr>
           <a:xfrm>
-            <a:off x="4121486" y="6369919"/>
-            <a:ext cx="3949030" cy="400110"/>
+            <a:off x="4683355" y="3735187"/>
+            <a:ext cx="2825288" cy="520930"/>
           </a:xfrm>
           <a:prstGeom prst="rect">
             <a:avLst/>
           </a:prstGeom>
         </p:spPr>
         <p:txBody>
-          <a:bodyPr wrap="none">
-            <a:spAutoFit/>
+          <a:bodyPr vert="horz" lIns="91440" tIns="45720" rIns="91440" bIns="45720" rtlCol="0">
+            <a:normAutofit/>
           </a:bodyPr>
-          <a:lstStyle/>
-          <a:p>
-            <a:r>
-              <a:rPr lang="fr-FR" sz="2000" i="1" dirty="0">
-                <a:solidFill>
-                  <a:schemeClr val="tx1">
-                    <a:lumMod val="50000"/>
-                    <a:lumOff val="50000"/>
-                  </a:schemeClr>
-                </a:solidFill>
-              </a:rPr>
-              <a:t>Appuyez sur [espace] pour continuer</a:t>
-            </a:r>
+          <a:lstStyle>
+            <a:lvl1pPr marL="228600" indent="-228600" algn="l" defTabSz="914400" rtl="0" eaLnBrk="1" latinLnBrk="0" hangingPunct="1">
+              <a:lnSpc>
+                <a:spcPct val="90000"/>
+              </a:lnSpc>
+              <a:spcBef>
+                <a:spcPts val="1000"/>
+              </a:spcBef>
+              <a:buFont typeface="Arial" panose="020B0604020202020204" pitchFamily="34" charset="0"/>
+              <a:buChar char="•"/>
+              <a:defRPr sz="2800" kern="1200">
+                <a:solidFill>
+                  <a:schemeClr val="tx1"/>
+                </a:solidFill>
+                <a:latin typeface="+mn-lt"/>
+                <a:ea typeface="+mn-ea"/>
+                <a:cs typeface="+mn-cs"/>
+              </a:defRPr>
+            </a:lvl1pPr>
+            <a:lvl2pPr marL="685800" indent="-228600" algn="l" defTabSz="914400" rtl="0" eaLnBrk="1" latinLnBrk="0" hangingPunct="1">
+              <a:lnSpc>
+                <a:spcPct val="90000"/>
+              </a:lnSpc>
+              <a:spcBef>
+                <a:spcPts val="500"/>
+              </a:spcBef>
+              <a:buFont typeface="Arial" panose="020B0604020202020204" pitchFamily="34" charset="0"/>
+              <a:buChar char="•"/>
+              <a:defRPr sz="2400" kern="1200">
+                <a:solidFill>
+                  <a:schemeClr val="tx1"/>
+                </a:solidFill>
+                <a:latin typeface="+mn-lt"/>
+                <a:ea typeface="+mn-ea"/>
+                <a:cs typeface="+mn-cs"/>
+              </a:defRPr>
+            </a:lvl2pPr>
+            <a:lvl3pPr marL="1143000" indent="-228600" algn="l" defTabSz="914400" rtl="0" eaLnBrk="1" latinLnBrk="0" hangingPunct="1">
+              <a:lnSpc>
+                <a:spcPct val="90000"/>
+              </a:lnSpc>
+              <a:spcBef>
+                <a:spcPts val="500"/>
+              </a:spcBef>
+              <a:buFont typeface="Arial" panose="020B0604020202020204" pitchFamily="34" charset="0"/>
+              <a:buChar char="•"/>
+              <a:defRPr sz="2000" kern="1200">
+                <a:solidFill>
+                  <a:schemeClr val="tx1"/>
+                </a:solidFill>
+                <a:latin typeface="+mn-lt"/>
+                <a:ea typeface="+mn-ea"/>
+                <a:cs typeface="+mn-cs"/>
+              </a:defRPr>
+            </a:lvl3pPr>
+            <a:lvl4pPr marL="1600200" indent="-228600" algn="l" defTabSz="914400" rtl="0" eaLnBrk="1" latinLnBrk="0" hangingPunct="1">
+              <a:lnSpc>
+                <a:spcPct val="90000"/>
+              </a:lnSpc>
+              <a:spcBef>
+                <a:spcPts val="500"/>
+              </a:spcBef>
+              <a:buFont typeface="Arial" panose="020B0604020202020204" pitchFamily="34" charset="0"/>
+              <a:buChar char="•"/>
+              <a:defRPr sz="1800" kern="1200">
+                <a:solidFill>
+                  <a:schemeClr val="tx1"/>
+                </a:solidFill>
+                <a:latin typeface="+mn-lt"/>
+                <a:ea typeface="+mn-ea"/>
+                <a:cs typeface="+mn-cs"/>
+              </a:defRPr>
+            </a:lvl4pPr>
+            <a:lvl5pPr marL="2057400" indent="-228600" algn="l" defTabSz="914400" rtl="0" eaLnBrk="1" latinLnBrk="0" hangingPunct="1">
+              <a:lnSpc>
+                <a:spcPct val="90000"/>
+              </a:lnSpc>
+              <a:spcBef>
+                <a:spcPts val="500"/>
+              </a:spcBef>
+              <a:buFont typeface="Arial" panose="020B0604020202020204" pitchFamily="34" charset="0"/>
+              <a:buChar char="•"/>
+              <a:defRPr sz="1800" kern="1200">
+                <a:solidFill>
+                  <a:schemeClr val="tx1"/>
+                </a:solidFill>
+                <a:latin typeface="+mn-lt"/>
+                <a:ea typeface="+mn-ea"/>
+                <a:cs typeface="+mn-cs"/>
+              </a:defRPr>
+            </a:lvl5pPr>
+            <a:lvl6pPr marL="2514600" indent="-228600" algn="l" defTabSz="914400" rtl="0" eaLnBrk="1" latinLnBrk="0" hangingPunct="1">
+              <a:lnSpc>
+                <a:spcPct val="90000"/>
+              </a:lnSpc>
+              <a:spcBef>
+                <a:spcPts val="500"/>
+              </a:spcBef>
+              <a:buFont typeface="Arial" panose="020B0604020202020204" pitchFamily="34" charset="0"/>
+              <a:buChar char="•"/>
+              <a:defRPr sz="1800" kern="1200">
+                <a:solidFill>
+                  <a:schemeClr val="tx1"/>
+                </a:solidFill>
+                <a:latin typeface="+mn-lt"/>
+                <a:ea typeface="+mn-ea"/>
+                <a:cs typeface="+mn-cs"/>
+              </a:defRPr>
+            </a:lvl6pPr>
+            <a:lvl7pPr marL="2971800" indent="-228600" algn="l" defTabSz="914400" rtl="0" eaLnBrk="1" latinLnBrk="0" hangingPunct="1">
+              <a:lnSpc>
+                <a:spcPct val="90000"/>
+              </a:lnSpc>
+              <a:spcBef>
+                <a:spcPts val="500"/>
+              </a:spcBef>
+              <a:buFont typeface="Arial" panose="020B0604020202020204" pitchFamily="34" charset="0"/>
+              <a:buChar char="•"/>
+              <a:defRPr sz="1800" kern="1200">
+                <a:solidFill>
+                  <a:schemeClr val="tx1"/>
+                </a:solidFill>
+                <a:latin typeface="+mn-lt"/>
+                <a:ea typeface="+mn-ea"/>
+                <a:cs typeface="+mn-cs"/>
+              </a:defRPr>
+            </a:lvl7pPr>
+            <a:lvl8pPr marL="3429000" indent="-228600" algn="l" defTabSz="914400" rtl="0" eaLnBrk="1" latinLnBrk="0" hangingPunct="1">
+              <a:lnSpc>
+                <a:spcPct val="90000"/>
+              </a:lnSpc>
+              <a:spcBef>
+                <a:spcPts val="500"/>
+              </a:spcBef>
+              <a:buFont typeface="Arial" panose="020B0604020202020204" pitchFamily="34" charset="0"/>
+              <a:buChar char="•"/>
+              <a:defRPr sz="1800" kern="1200">
+                <a:solidFill>
+                  <a:schemeClr val="tx1"/>
+                </a:solidFill>
+                <a:latin typeface="+mn-lt"/>
+                <a:ea typeface="+mn-ea"/>
+                <a:cs typeface="+mn-cs"/>
+              </a:defRPr>
+            </a:lvl8pPr>
+            <a:lvl9pPr marL="3886200" indent="-228600" algn="l" defTabSz="914400" rtl="0" eaLnBrk="1" latinLnBrk="0" hangingPunct="1">
+              <a:lnSpc>
+                <a:spcPct val="90000"/>
+              </a:lnSpc>
+              <a:spcBef>
+                <a:spcPts val="500"/>
+              </a:spcBef>
+              <a:buFont typeface="Arial" panose="020B0604020202020204" pitchFamily="34" charset="0"/>
+              <a:buChar char="•"/>
+              <a:defRPr sz="1800" kern="1200">
+                <a:solidFill>
+                  <a:schemeClr val="tx1"/>
+                </a:solidFill>
+                <a:latin typeface="+mn-lt"/>
+                <a:ea typeface="+mn-ea"/>
+                <a:cs typeface="+mn-cs"/>
+              </a:defRPr>
+            </a:lvl9pPr>
+          </a:lstStyle>
+          <a:p>
+            <a:pPr marL="0" indent="0">
+              <a:buNone/>
+            </a:pPr>
+            <a:r>
+              <a:rPr lang="fr-FR" dirty="0"/>
+              <a:t>Oui [O]  /  Non [N]</a:t>
+            </a:r>
+          </a:p>
+          <a:p>
+            <a:pPr marL="0" indent="0">
+              <a:buNone/>
+            </a:pPr>
+            <a:endParaRPr lang="fr-FR" dirty="0"/>
           </a:p>
         </p:txBody>
       </p:sp>
     </p:spTree>
     <p:extLst>
       <p:ext uri="{BB962C8B-B14F-4D97-AF65-F5344CB8AC3E}">
-        <p14:creationId xmlns:p14="http://schemas.microsoft.com/office/powerpoint/2010/main" val="1181735128"/>
+        <p14:creationId xmlns:p14="http://schemas.microsoft.com/office/powerpoint/2010/main" val="1639111308"/>
       </p:ext>
     </p:extLst>
   </p:cSld>
@@ -4115,34 +4126,7 @@
       </p:grpSpPr>
       <p:sp>
         <p:nvSpPr>
-          <p:cNvPr id="2" name="Titre 1"/>
-          <p:cNvSpPr>
-            <a:spLocks noGrp="1"/>
-          </p:cNvSpPr>
-          <p:nvPr>
-            <p:ph type="title"/>
-          </p:nvPr>
-        </p:nvSpPr>
-        <p:spPr/>
-        <p:txBody>
-          <a:bodyPr/>
-          <a:lstStyle/>
-          <a:p>
-            <a:r>
-              <a:rPr lang="fr-FR" dirty="0"/>
-              <a:t>Instructions pour le </a:t>
-            </a:r>
-            <a:r>
-              <a:rPr lang="fr-FR" i="1" dirty="0"/>
-              <a:t>jeu de mémoire</a:t>
-            </a:r>
-            <a:endParaRPr lang="fr-FR" dirty="0"/>
-          </a:p>
-        </p:txBody>
-      </p:sp>
-      <p:sp>
-        <p:nvSpPr>
-          <p:cNvPr id="5" name="Espace réservé du contenu 4"/>
+          <p:cNvPr id="3" name="Espace réservé du contenu 2"/>
           <p:cNvSpPr>
             <a:spLocks noGrp="1"/>
           </p:cNvSpPr>
@@ -4150,101 +4134,240 @@
             <p:ph idx="1"/>
           </p:nvPr>
         </p:nvSpPr>
-        <p:spPr/>
+        <p:spPr>
+          <a:xfrm>
+            <a:off x="3395402" y="2718263"/>
+            <a:ext cx="5401196" cy="590203"/>
+          </a:xfrm>
+        </p:spPr>
         <p:txBody>
           <a:bodyPr>
             <a:normAutofit/>
           </a:bodyPr>
           <a:lstStyle/>
           <a:p>
-            <a:pPr marL="0" indent="0" algn="just">
-              <a:buNone/>
-            </a:pPr>
-            <a:r>
-              <a:rPr lang="fr-FR" sz="2000" dirty="0"/>
-              <a:t>A chaque essai de ce jeu, nous allons vous présenter brièvement un ensemble d’images de visages. </a:t>
-            </a:r>
-          </a:p>
-          <a:p>
-            <a:pPr marL="0" indent="0" algn="just">
-              <a:buNone/>
-            </a:pPr>
-            <a:r>
-              <a:rPr lang="fr-FR" sz="2000" dirty="0"/>
-              <a:t>Après avoir caché les images, nous vous demanderons de nous indiquer quel était le genre le plus représenté. Par exemple, dans certains essais, nous vous demanderons si vous avez vu « plus d’hommes » ; dans les autres, nous vous demanderons si vous avez vu « plus de femmes ». </a:t>
-            </a:r>
-          </a:p>
-          <a:p>
-            <a:pPr marL="0" indent="0" algn="just">
-              <a:buNone/>
-            </a:pPr>
-            <a:r>
-              <a:rPr lang="fr-FR" sz="2000" dirty="0"/>
-              <a:t>Répondez par « Femmes » ou par « Hommes » aussi rapidement que possible, en appuyant sur les touches [F] ou [H] du clavier.  Vous ne pourrez pas modifier votre réponse!</a:t>
-            </a:r>
-          </a:p>
-          <a:p>
-            <a:pPr marL="0" indent="0" algn="just">
-              <a:buNone/>
-            </a:pPr>
-            <a:endParaRPr lang="fr-FR" sz="2000" dirty="0"/>
-          </a:p>
-          <a:p>
-            <a:pPr marL="0" indent="0" algn="just">
-              <a:buNone/>
-            </a:pPr>
-            <a:r>
-              <a:rPr lang="fr-FR" sz="2000" dirty="0"/>
-              <a:t>Attention: certains visages auront une expression apeurée et d’autres auront une expression faciale neutre. Les visages apeurés vont attirer votre attention. Dans certains essais, cela vous aidera a trouver la bonne réponse. Dans d’autres, cela vous induira en erreur. Nous vous indiquerons systématiquement si les visages apeurés vont vous aider ou vous induire en erreur.</a:t>
-            </a:r>
-          </a:p>
-          <a:p>
-            <a:pPr marL="0" indent="0" algn="just">
-              <a:buNone/>
-            </a:pPr>
-            <a:endParaRPr lang="fr-FR" sz="2000" dirty="0"/>
-          </a:p>
-        </p:txBody>
-      </p:sp>
-      <p:sp>
-        <p:nvSpPr>
-          <p:cNvPr id="4" name="Rectangle 3"/>
-          <p:cNvSpPr/>
+            <a:pPr marL="0" indent="0">
+              <a:buNone/>
+            </a:pPr>
+            <a:r>
+              <a:rPr lang="fr-FR" dirty="0"/>
+              <a:t>Avez-vous vu au moins un homme ?</a:t>
+            </a:r>
+          </a:p>
+          <a:p>
+            <a:pPr marL="0" indent="0">
+              <a:buNone/>
+            </a:pPr>
+            <a:endParaRPr lang="fr-FR" dirty="0"/>
+          </a:p>
+        </p:txBody>
+      </p:sp>
+      <p:sp>
+        <p:nvSpPr>
+          <p:cNvPr id="5" name="Espace réservé du contenu 2"/>
+          <p:cNvSpPr txBox="1">
+            <a:spLocks/>
+          </p:cNvSpPr>
           <p:nvPr/>
         </p:nvSpPr>
         <p:spPr>
           <a:xfrm>
-            <a:off x="4121486" y="6369919"/>
-            <a:ext cx="3949030" cy="400110"/>
+            <a:off x="4683355" y="3735187"/>
+            <a:ext cx="2825288" cy="520930"/>
           </a:xfrm>
           <a:prstGeom prst="rect">
             <a:avLst/>
           </a:prstGeom>
         </p:spPr>
         <p:txBody>
-          <a:bodyPr wrap="none">
-            <a:spAutoFit/>
+          <a:bodyPr vert="horz" lIns="91440" tIns="45720" rIns="91440" bIns="45720" rtlCol="0">
+            <a:normAutofit/>
           </a:bodyPr>
-          <a:lstStyle/>
-          <a:p>
-            <a:r>
-              <a:rPr lang="fr-FR" sz="2000" i="1" dirty="0">
-                <a:solidFill>
-                  <a:schemeClr val="tx1">
-                    <a:lumMod val="50000"/>
-                    <a:lumOff val="50000"/>
-                  </a:schemeClr>
-                </a:solidFill>
-              </a:rPr>
-              <a:t>Appuyez sur [espace] pour continuer</a:t>
-            </a:r>
+          <a:lstStyle>
+            <a:lvl1pPr marL="228600" indent="-228600" algn="l" defTabSz="914400" rtl="0" eaLnBrk="1" latinLnBrk="0" hangingPunct="1">
+              <a:lnSpc>
+                <a:spcPct val="90000"/>
+              </a:lnSpc>
+              <a:spcBef>
+                <a:spcPts val="1000"/>
+              </a:spcBef>
+              <a:buFont typeface="Arial" panose="020B0604020202020204" pitchFamily="34" charset="0"/>
+              <a:buChar char="•"/>
+              <a:defRPr sz="2800" kern="1200">
+                <a:solidFill>
+                  <a:schemeClr val="tx1"/>
+                </a:solidFill>
+                <a:latin typeface="+mn-lt"/>
+                <a:ea typeface="+mn-ea"/>
+                <a:cs typeface="+mn-cs"/>
+              </a:defRPr>
+            </a:lvl1pPr>
+            <a:lvl2pPr marL="685800" indent="-228600" algn="l" defTabSz="914400" rtl="0" eaLnBrk="1" latinLnBrk="0" hangingPunct="1">
+              <a:lnSpc>
+                <a:spcPct val="90000"/>
+              </a:lnSpc>
+              <a:spcBef>
+                <a:spcPts val="500"/>
+              </a:spcBef>
+              <a:buFont typeface="Arial" panose="020B0604020202020204" pitchFamily="34" charset="0"/>
+              <a:buChar char="•"/>
+              <a:defRPr sz="2400" kern="1200">
+                <a:solidFill>
+                  <a:schemeClr val="tx1"/>
+                </a:solidFill>
+                <a:latin typeface="+mn-lt"/>
+                <a:ea typeface="+mn-ea"/>
+                <a:cs typeface="+mn-cs"/>
+              </a:defRPr>
+            </a:lvl2pPr>
+            <a:lvl3pPr marL="1143000" indent="-228600" algn="l" defTabSz="914400" rtl="0" eaLnBrk="1" latinLnBrk="0" hangingPunct="1">
+              <a:lnSpc>
+                <a:spcPct val="90000"/>
+              </a:lnSpc>
+              <a:spcBef>
+                <a:spcPts val="500"/>
+              </a:spcBef>
+              <a:buFont typeface="Arial" panose="020B0604020202020204" pitchFamily="34" charset="0"/>
+              <a:buChar char="•"/>
+              <a:defRPr sz="2000" kern="1200">
+                <a:solidFill>
+                  <a:schemeClr val="tx1"/>
+                </a:solidFill>
+                <a:latin typeface="+mn-lt"/>
+                <a:ea typeface="+mn-ea"/>
+                <a:cs typeface="+mn-cs"/>
+              </a:defRPr>
+            </a:lvl3pPr>
+            <a:lvl4pPr marL="1600200" indent="-228600" algn="l" defTabSz="914400" rtl="0" eaLnBrk="1" latinLnBrk="0" hangingPunct="1">
+              <a:lnSpc>
+                <a:spcPct val="90000"/>
+              </a:lnSpc>
+              <a:spcBef>
+                <a:spcPts val="500"/>
+              </a:spcBef>
+              <a:buFont typeface="Arial" panose="020B0604020202020204" pitchFamily="34" charset="0"/>
+              <a:buChar char="•"/>
+              <a:defRPr sz="1800" kern="1200">
+                <a:solidFill>
+                  <a:schemeClr val="tx1"/>
+                </a:solidFill>
+                <a:latin typeface="+mn-lt"/>
+                <a:ea typeface="+mn-ea"/>
+                <a:cs typeface="+mn-cs"/>
+              </a:defRPr>
+            </a:lvl4pPr>
+            <a:lvl5pPr marL="2057400" indent="-228600" algn="l" defTabSz="914400" rtl="0" eaLnBrk="1" latinLnBrk="0" hangingPunct="1">
+              <a:lnSpc>
+                <a:spcPct val="90000"/>
+              </a:lnSpc>
+              <a:spcBef>
+                <a:spcPts val="500"/>
+              </a:spcBef>
+              <a:buFont typeface="Arial" panose="020B0604020202020204" pitchFamily="34" charset="0"/>
+              <a:buChar char="•"/>
+              <a:defRPr sz="1800" kern="1200">
+                <a:solidFill>
+                  <a:schemeClr val="tx1"/>
+                </a:solidFill>
+                <a:latin typeface="+mn-lt"/>
+                <a:ea typeface="+mn-ea"/>
+                <a:cs typeface="+mn-cs"/>
+              </a:defRPr>
+            </a:lvl5pPr>
+            <a:lvl6pPr marL="2514600" indent="-228600" algn="l" defTabSz="914400" rtl="0" eaLnBrk="1" latinLnBrk="0" hangingPunct="1">
+              <a:lnSpc>
+                <a:spcPct val="90000"/>
+              </a:lnSpc>
+              <a:spcBef>
+                <a:spcPts val="500"/>
+              </a:spcBef>
+              <a:buFont typeface="Arial" panose="020B0604020202020204" pitchFamily="34" charset="0"/>
+              <a:buChar char="•"/>
+              <a:defRPr sz="1800" kern="1200">
+                <a:solidFill>
+                  <a:schemeClr val="tx1"/>
+                </a:solidFill>
+                <a:latin typeface="+mn-lt"/>
+                <a:ea typeface="+mn-ea"/>
+                <a:cs typeface="+mn-cs"/>
+              </a:defRPr>
+            </a:lvl6pPr>
+            <a:lvl7pPr marL="2971800" indent="-228600" algn="l" defTabSz="914400" rtl="0" eaLnBrk="1" latinLnBrk="0" hangingPunct="1">
+              <a:lnSpc>
+                <a:spcPct val="90000"/>
+              </a:lnSpc>
+              <a:spcBef>
+                <a:spcPts val="500"/>
+              </a:spcBef>
+              <a:buFont typeface="Arial" panose="020B0604020202020204" pitchFamily="34" charset="0"/>
+              <a:buChar char="•"/>
+              <a:defRPr sz="1800" kern="1200">
+                <a:solidFill>
+                  <a:schemeClr val="tx1"/>
+                </a:solidFill>
+                <a:latin typeface="+mn-lt"/>
+                <a:ea typeface="+mn-ea"/>
+                <a:cs typeface="+mn-cs"/>
+              </a:defRPr>
+            </a:lvl7pPr>
+            <a:lvl8pPr marL="3429000" indent="-228600" algn="l" defTabSz="914400" rtl="0" eaLnBrk="1" latinLnBrk="0" hangingPunct="1">
+              <a:lnSpc>
+                <a:spcPct val="90000"/>
+              </a:lnSpc>
+              <a:spcBef>
+                <a:spcPts val="500"/>
+              </a:spcBef>
+              <a:buFont typeface="Arial" panose="020B0604020202020204" pitchFamily="34" charset="0"/>
+              <a:buChar char="•"/>
+              <a:defRPr sz="1800" kern="1200">
+                <a:solidFill>
+                  <a:schemeClr val="tx1"/>
+                </a:solidFill>
+                <a:latin typeface="+mn-lt"/>
+                <a:ea typeface="+mn-ea"/>
+                <a:cs typeface="+mn-cs"/>
+              </a:defRPr>
+            </a:lvl8pPr>
+            <a:lvl9pPr marL="3886200" indent="-228600" algn="l" defTabSz="914400" rtl="0" eaLnBrk="1" latinLnBrk="0" hangingPunct="1">
+              <a:lnSpc>
+                <a:spcPct val="90000"/>
+              </a:lnSpc>
+              <a:spcBef>
+                <a:spcPts val="500"/>
+              </a:spcBef>
+              <a:buFont typeface="Arial" panose="020B0604020202020204" pitchFamily="34" charset="0"/>
+              <a:buChar char="•"/>
+              <a:defRPr sz="1800" kern="1200">
+                <a:solidFill>
+                  <a:schemeClr val="tx1"/>
+                </a:solidFill>
+                <a:latin typeface="+mn-lt"/>
+                <a:ea typeface="+mn-ea"/>
+                <a:cs typeface="+mn-cs"/>
+              </a:defRPr>
+            </a:lvl9pPr>
+          </a:lstStyle>
+          <a:p>
+            <a:pPr marL="0" indent="0">
+              <a:buNone/>
+            </a:pPr>
+            <a:r>
+              <a:rPr lang="fr-FR" dirty="0"/>
+              <a:t>Oui [O]  /  Non [N]</a:t>
+            </a:r>
+          </a:p>
+          <a:p>
+            <a:pPr marL="0" indent="0">
+              <a:buNone/>
+            </a:pPr>
+            <a:endParaRPr lang="fr-FR" dirty="0"/>
           </a:p>
         </p:txBody>
       </p:sp>
     </p:spTree>
     <p:extLst>
       <p:ext uri="{BB962C8B-B14F-4D97-AF65-F5344CB8AC3E}">
-        <p14:creationId xmlns:p14="http://schemas.microsoft.com/office/powerpoint/2010/main" val="240531783"/>
+        <p14:creationId xmlns:p14="http://schemas.microsoft.com/office/powerpoint/2010/main" val="1178754425"/>
       </p:ext>
     </p:extLst>
   </p:cSld>
@@ -4281,83 +4404,33 @@
             <p:ph type="title"/>
           </p:nvPr>
         </p:nvSpPr>
-        <p:spPr/>
+        <p:spPr>
+          <a:xfrm>
+            <a:off x="1992978" y="2766220"/>
+            <a:ext cx="8206047" cy="1325563"/>
+          </a:xfrm>
+        </p:spPr>
         <p:txBody>
           <a:bodyPr/>
           <a:lstStyle/>
           <a:p>
+            <a:pPr algn="ctr"/>
             <a:r>
               <a:rPr lang="fr-FR" dirty="0"/>
-              <a:t>Entrainement pour le </a:t>
+              <a:t>Le </a:t>
             </a:r>
             <a:r>
               <a:rPr lang="fr-FR" i="1" dirty="0"/>
-              <a:t>jeu de mémoire</a:t>
-            </a:r>
-            <a:endParaRPr lang="fr-FR" dirty="0"/>
-          </a:p>
-        </p:txBody>
-      </p:sp>
-      <p:sp>
-        <p:nvSpPr>
-          <p:cNvPr id="5" name="Espace réservé du contenu 4"/>
-          <p:cNvSpPr>
-            <a:spLocks noGrp="1"/>
-          </p:cNvSpPr>
-          <p:nvPr>
-            <p:ph idx="1"/>
-          </p:nvPr>
-        </p:nvSpPr>
-        <p:spPr>
-          <a:xfrm>
-            <a:off x="838200" y="1825625"/>
-            <a:ext cx="10176165" cy="4351338"/>
-          </a:xfrm>
-        </p:spPr>
-        <p:txBody>
-          <a:bodyPr/>
-          <a:lstStyle/>
-          <a:p>
-            <a:pPr marL="0" indent="0">
-              <a:buNone/>
-            </a:pPr>
-            <a:endParaRPr lang="fr-FR" sz="2000" dirty="0"/>
-          </a:p>
-          <a:p>
-            <a:pPr marL="0" indent="0">
-              <a:buNone/>
-            </a:pPr>
-            <a:endParaRPr lang="fr-FR" sz="2000" dirty="0"/>
-          </a:p>
-          <a:p>
-            <a:pPr marL="0" indent="0">
-              <a:buNone/>
-            </a:pPr>
-            <a:r>
-              <a:rPr lang="fr-FR" sz="2000" dirty="0"/>
-              <a:t>Vous allez maintenant avoir plusieurs essais d’entrainement. </a:t>
-            </a:r>
-          </a:p>
-          <a:p>
-            <a:endParaRPr lang="fr-FR" sz="2000" dirty="0"/>
-          </a:p>
-          <a:p>
-            <a:pPr marL="0" indent="0">
-              <a:buNone/>
-            </a:pPr>
-            <a:endParaRPr lang="fr-FR" sz="2000" dirty="0"/>
-          </a:p>
-          <a:p>
-            <a:pPr marL="0" indent="0">
-              <a:buNone/>
-            </a:pPr>
-            <a:r>
-              <a:rPr lang="fr-FR" sz="2000" dirty="0"/>
-              <a:t>Rappelez-vous d’utiliser la touche [F] pour répondre « Femmes » et la touche [H] pour répondre « Hommes ». </a:t>
-            </a:r>
-          </a:p>
-          <a:p>
-            <a:endParaRPr lang="fr-FR" dirty="0"/>
+              <a:t>jeu de </a:t>
+            </a:r>
+            <a:r>
+              <a:rPr lang="fr-FR" i="1" dirty="0"/>
+              <a:t>détection </a:t>
+            </a:r>
+            <a:r>
+              <a:rPr lang="fr-FR" dirty="0"/>
+              <a:t>est terminé</a:t>
+            </a:r>
           </a:p>
         </p:txBody>
       </p:sp>
@@ -4399,7 +4472,7 @@
     </p:spTree>
     <p:extLst>
       <p:ext uri="{BB962C8B-B14F-4D97-AF65-F5344CB8AC3E}">
-        <p14:creationId xmlns:p14="http://schemas.microsoft.com/office/powerpoint/2010/main" val="3074837270"/>
+        <p14:creationId xmlns:p14="http://schemas.microsoft.com/office/powerpoint/2010/main" val="1181735128"/>
       </p:ext>
     </p:extLst>
   </p:cSld>
@@ -4443,11 +4516,15 @@
           <a:p>
             <a:r>
               <a:rPr lang="fr-FR" dirty="0"/>
-              <a:t>Entrainement pour le </a:t>
+              <a:t>Instructions pour le </a:t>
             </a:r>
             <a:r>
               <a:rPr lang="fr-FR" i="1" dirty="0"/>
-              <a:t>jeu de mémoire</a:t>
+              <a:t>jeu de </a:t>
+            </a:r>
+            <a:r>
+              <a:rPr lang="fr-FR" i="1" dirty="0" smtClean="0"/>
+              <a:t>reconnaissance</a:t>
             </a:r>
             <a:endParaRPr lang="fr-FR" dirty="0"/>
           </a:p>
@@ -4463,67 +4540,140 @@
             <p:ph idx="1"/>
           </p:nvPr>
         </p:nvSpPr>
-        <p:spPr>
-          <a:xfrm>
-            <a:off x="838200" y="1825625"/>
-            <a:ext cx="10608425" cy="4351338"/>
-          </a:xfrm>
-        </p:spPr>
-        <p:txBody>
-          <a:bodyPr/>
-          <a:lstStyle/>
+        <p:spPr/>
+        <p:txBody>
+          <a:bodyPr>
+            <a:normAutofit/>
+          </a:bodyPr>
+          <a:lstStyle/>
+          <a:p>
+            <a:pPr marL="0" indent="0" algn="just">
+              <a:buNone/>
+            </a:pPr>
+            <a:r>
+              <a:rPr lang="fr-FR" sz="2000" dirty="0"/>
+              <a:t>A chaque essai de ce jeu, nous allons vous présenter brièvement un ensemble d’images de visages</a:t>
+            </a:r>
+            <a:r>
+              <a:rPr lang="fr-FR" sz="2000" dirty="0" smtClean="0"/>
+              <a:t>.</a:t>
+            </a:r>
+          </a:p>
+          <a:p>
+            <a:pPr marL="0" indent="0" algn="just">
+              <a:buNone/>
+            </a:pPr>
+            <a:r>
+              <a:rPr lang="fr-FR" sz="2000" dirty="0" smtClean="0"/>
+              <a:t> </a:t>
+            </a:r>
+            <a:endParaRPr lang="fr-FR" sz="2000" dirty="0"/>
+          </a:p>
+          <a:p>
+            <a:pPr marL="0" indent="0" algn="just">
+              <a:buNone/>
+            </a:pPr>
+            <a:r>
+              <a:rPr lang="fr-FR" sz="2000" dirty="0"/>
+              <a:t>Après avoir caché les images, nous vous demanderons de nous indiquer quel était le genre le plus représenté. Par exemple, dans certains essais, nous vous demanderons si vous avez vu « </a:t>
+            </a:r>
+            <a:r>
+              <a:rPr lang="fr-FR" sz="2000" b="1" dirty="0"/>
+              <a:t>plus d’hommes</a:t>
+            </a:r>
+            <a:r>
+              <a:rPr lang="fr-FR" sz="2000" dirty="0"/>
+              <a:t> » ; dans les autres, nous vous demanderons si vous avez vu « </a:t>
+            </a:r>
+            <a:r>
+              <a:rPr lang="fr-FR" sz="2000" b="1" dirty="0"/>
+              <a:t>plus de femmes</a:t>
+            </a:r>
+            <a:r>
+              <a:rPr lang="fr-FR" sz="2000" dirty="0"/>
+              <a:t> ». </a:t>
+            </a:r>
+          </a:p>
+          <a:p>
+            <a:pPr marL="0" indent="0" algn="just">
+              <a:buNone/>
+            </a:pPr>
+            <a:r>
+              <a:rPr lang="fr-FR" sz="2000" dirty="0"/>
+              <a:t>Répondez par « </a:t>
+            </a:r>
+            <a:r>
+              <a:rPr lang="fr-FR" sz="2000" b="1" dirty="0"/>
+              <a:t>Femmes</a:t>
+            </a:r>
+            <a:r>
+              <a:rPr lang="fr-FR" sz="2000" dirty="0"/>
+              <a:t> » ou par « </a:t>
+            </a:r>
+            <a:r>
+              <a:rPr lang="fr-FR" sz="2000" b="1" dirty="0"/>
+              <a:t>Hommes</a:t>
+            </a:r>
+            <a:r>
+              <a:rPr lang="fr-FR" sz="2000" dirty="0"/>
+              <a:t> » aussi rapidement que possible, en appuyant sur les touches [F] ou [H] du clavier.  Vous ne pourrez pas modifier votre réponse!</a:t>
+            </a:r>
+          </a:p>
+          <a:p>
+            <a:pPr marL="0" indent="0" algn="just">
+              <a:buNone/>
+            </a:pPr>
+            <a:endParaRPr lang="fr-FR" sz="2000" dirty="0"/>
+          </a:p>
           <a:p>
             <a:pPr marL="0" indent="0">
               <a:buNone/>
             </a:pPr>
+            <a:r>
+              <a:rPr lang="fr-FR" sz="2000" u="sng" dirty="0"/>
+              <a:t>/!\</a:t>
+            </a:r>
+            <a:r>
+              <a:rPr lang="fr-FR" sz="2000" dirty="0"/>
+              <a:t> </a:t>
+            </a:r>
+            <a:r>
+              <a:rPr lang="fr-FR" sz="2000" u="sng" dirty="0"/>
+              <a:t>Attention: </a:t>
+            </a:r>
+            <a:r>
+              <a:rPr lang="fr-FR" sz="2000" dirty="0"/>
+              <a:t>certains visages auront une expression apeurée et d’autres auront une expression faciale neutre. Les visages apeurés vont attirer votre attention. Dans certains essais, </a:t>
+            </a:r>
+            <a:r>
+              <a:rPr lang="fr-FR" sz="2000" dirty="0">
+                <a:solidFill>
+                  <a:srgbClr val="38BA40"/>
+                </a:solidFill>
+              </a:rPr>
+              <a:t>cela vous aidera a trouver la bonne réponse</a:t>
+            </a:r>
+            <a:r>
+              <a:rPr lang="fr-FR" sz="2000" dirty="0"/>
+              <a:t>. Dans d’autres, </a:t>
+            </a:r>
+            <a:r>
+              <a:rPr lang="fr-FR" sz="2000" dirty="0">
+                <a:solidFill>
+                  <a:srgbClr val="D03739"/>
+                </a:solidFill>
+              </a:rPr>
+              <a:t>cela vous induira en erreur</a:t>
+            </a:r>
+            <a:r>
+              <a:rPr lang="fr-FR" sz="2000" dirty="0"/>
+              <a:t>. Nous vous indiquerons systématiquement si les visages apeurés vont vous aider ou vous induire en erreur</a:t>
+            </a:r>
+            <a:r>
+              <a:rPr lang="fr-FR" sz="2000" dirty="0" smtClean="0"/>
+              <a:t>.</a:t>
+            </a:r>
             <a:endParaRPr lang="fr-FR" sz="2000" dirty="0"/>
-          </a:p>
-          <a:p>
-            <a:pPr marL="0" indent="0">
-              <a:buNone/>
-            </a:pPr>
-            <a:endParaRPr lang="fr-FR" sz="2000" dirty="0"/>
-          </a:p>
-          <a:p>
-            <a:pPr marL="0" indent="0">
-              <a:buNone/>
-            </a:pPr>
-            <a:r>
-              <a:rPr lang="fr-FR" sz="2000" dirty="0"/>
-              <a:t>L’entrainement du </a:t>
-            </a:r>
-            <a:r>
-              <a:rPr lang="fr-FR" sz="2000" i="1" dirty="0"/>
-              <a:t>jeu de mémoire </a:t>
-            </a:r>
-            <a:r>
-              <a:rPr lang="fr-FR" sz="2000" dirty="0"/>
-              <a:t>est terminé. </a:t>
-            </a:r>
-          </a:p>
-          <a:p>
-            <a:pPr marL="0" indent="0">
-              <a:buNone/>
-            </a:pPr>
-            <a:endParaRPr lang="fr-FR" sz="2000" dirty="0"/>
-          </a:p>
-          <a:p>
-            <a:pPr marL="0" indent="0">
-              <a:buNone/>
-            </a:pPr>
-            <a:endParaRPr lang="fr-FR" sz="2000" dirty="0"/>
-          </a:p>
-          <a:p>
-            <a:pPr marL="0" indent="0">
-              <a:buNone/>
-            </a:pPr>
-            <a:r>
-              <a:rPr lang="fr-FR" sz="2000" dirty="0"/>
-              <a:t>Si vous avez des questions, demandez à l’expérimentatrice  s’il vous plait. </a:t>
-            </a:r>
-          </a:p>
-          <a:p>
-            <a:endParaRPr lang="fr-FR" dirty="0"/>
           </a:p>
         </p:txBody>
       </p:sp>
@@ -4565,7 +4715,7 @@
     </p:spTree>
     <p:extLst>
       <p:ext uri="{BB962C8B-B14F-4D97-AF65-F5344CB8AC3E}">
-        <p14:creationId xmlns:p14="http://schemas.microsoft.com/office/powerpoint/2010/main" val="679417419"/>
+        <p14:creationId xmlns:p14="http://schemas.microsoft.com/office/powerpoint/2010/main" val="240531783"/>
       </p:ext>
     </p:extLst>
   </p:cSld>
@@ -4608,16 +4758,16 @@
           <a:lstStyle/>
           <a:p>
             <a:r>
+              <a:rPr lang="fr-FR" dirty="0"/>
+              <a:t>Entrainement pour le </a:t>
+            </a:r>
+            <a:r>
               <a:rPr lang="fr-FR" i="1" dirty="0"/>
-              <a:t>Le</a:t>
-            </a:r>
-            <a:r>
-              <a:rPr lang="fr-FR" dirty="0"/>
-              <a:t> </a:t>
+              <a:t>jeu de </a:t>
             </a:r>
             <a:r>
               <a:rPr lang="fr-FR" i="1" dirty="0"/>
-              <a:t>jeu de mémoire</a:t>
+              <a:t>reconnaissance</a:t>
             </a:r>
             <a:endParaRPr lang="fr-FR" dirty="0"/>
           </a:p>
@@ -4635,8 +4785,8 @@
         </p:nvSpPr>
         <p:spPr>
           <a:xfrm>
-            <a:off x="838199" y="1825625"/>
-            <a:ext cx="10159539" cy="4351338"/>
+            <a:off x="838200" y="1825625"/>
+            <a:ext cx="10176165" cy="4351338"/>
           </a:xfrm>
         </p:spPr>
         <p:txBody>
@@ -4660,7 +4810,7 @@
             </a:pPr>
             <a:r>
               <a:rPr lang="fr-FR" sz="2000" dirty="0"/>
-              <a:t>Vous allez maintenant commencer le jeu. </a:t>
+              <a:t>Vous allez maintenant avoir plusieurs essais d’entrainement. </a:t>
             </a:r>
           </a:p>
           <a:p>
@@ -4680,6 +4830,9 @@
               <a:rPr lang="fr-FR" sz="2000" dirty="0"/>
               <a:t>Rappelez-vous d’utiliser la touche [F] pour répondre « Femmes » et la touche [H] pour répondre « Hommes ». </a:t>
             </a:r>
+          </a:p>
+          <a:p>
+            <a:endParaRPr lang="fr-FR" dirty="0"/>
           </a:p>
         </p:txBody>
       </p:sp>
@@ -4721,7 +4874,7 @@
     </p:spTree>
     <p:extLst>
       <p:ext uri="{BB962C8B-B14F-4D97-AF65-F5344CB8AC3E}">
-        <p14:creationId xmlns:p14="http://schemas.microsoft.com/office/powerpoint/2010/main" val="2557030150"/>
+        <p14:creationId xmlns:p14="http://schemas.microsoft.com/office/powerpoint/2010/main" val="3074837270"/>
       </p:ext>
     </p:extLst>
   </p:cSld>
@@ -4750,7 +4903,38 @@
       </p:grpSpPr>
       <p:sp>
         <p:nvSpPr>
-          <p:cNvPr id="3" name="Espace réservé du contenu 2"/>
+          <p:cNvPr id="2" name="Titre 1"/>
+          <p:cNvSpPr>
+            <a:spLocks noGrp="1"/>
+          </p:cNvSpPr>
+          <p:nvPr>
+            <p:ph type="title"/>
+          </p:nvPr>
+        </p:nvSpPr>
+        <p:spPr/>
+        <p:txBody>
+          <a:bodyPr/>
+          <a:lstStyle/>
+          <a:p>
+            <a:r>
+              <a:rPr lang="fr-FR" dirty="0"/>
+              <a:t>Entrainement pour le </a:t>
+            </a:r>
+            <a:r>
+              <a:rPr lang="fr-FR" i="1" dirty="0"/>
+              <a:t>jeu de </a:t>
+            </a:r>
+            <a:r>
+              <a:rPr lang="fr-FR" i="1" dirty="0"/>
+              <a:t>reconnaissance</a:t>
+            </a:r>
+            <a:endParaRPr lang="fr-FR" dirty="0"/>
+          </a:p>
+        </p:txBody>
+      </p:sp>
+      <p:sp>
+        <p:nvSpPr>
+          <p:cNvPr id="5" name="Espace réservé du contenu 4"/>
           <p:cNvSpPr>
             <a:spLocks noGrp="1"/>
           </p:cNvSpPr>
@@ -4760,238 +4944,111 @@
         </p:nvSpPr>
         <p:spPr>
           <a:xfrm>
-            <a:off x="2556683" y="2718263"/>
-            <a:ext cx="7078634" cy="482137"/>
-          </a:xfrm>
-        </p:spPr>
-        <p:txBody>
-          <a:bodyPr>
-            <a:noAutofit/>
-          </a:bodyPr>
+            <a:off x="838200" y="1825625"/>
+            <a:ext cx="10608425" cy="4351338"/>
+          </a:xfrm>
+        </p:spPr>
+        <p:txBody>
+          <a:bodyPr/>
           <a:lstStyle/>
           <a:p>
             <a:pPr marL="0" indent="0">
               <a:buNone/>
             </a:pPr>
-            <a:r>
-              <a:rPr lang="fr-FR" dirty="0"/>
-              <a:t>Avez-vous vu plus de Femmes ou d’Hommes?</a:t>
-            </a:r>
+            <a:endParaRPr lang="fr-FR" sz="2000" dirty="0"/>
           </a:p>
           <a:p>
             <a:pPr marL="0" indent="0">
               <a:buNone/>
             </a:pPr>
+            <a:endParaRPr lang="fr-FR" sz="2000" dirty="0"/>
+          </a:p>
+          <a:p>
+            <a:pPr marL="0" indent="0">
+              <a:buNone/>
+            </a:pPr>
+            <a:r>
+              <a:rPr lang="fr-FR" sz="2000" dirty="0"/>
+              <a:t>L’entrainement du </a:t>
+            </a:r>
+            <a:r>
+              <a:rPr lang="fr-FR" sz="2000" i="1" dirty="0"/>
+              <a:t>jeu de </a:t>
+            </a:r>
+            <a:r>
+              <a:rPr lang="fr-FR" sz="2000" i="1" dirty="0"/>
+              <a:t>reconnaissance </a:t>
+            </a:r>
+            <a:r>
+              <a:rPr lang="fr-FR" sz="2000" dirty="0"/>
+              <a:t>est terminé. </a:t>
+            </a:r>
+          </a:p>
+          <a:p>
+            <a:pPr marL="0" indent="0">
+              <a:buNone/>
+            </a:pPr>
+            <a:endParaRPr lang="fr-FR" sz="2000" dirty="0"/>
+          </a:p>
+          <a:p>
+            <a:pPr marL="0" indent="0">
+              <a:buNone/>
+            </a:pPr>
+            <a:endParaRPr lang="fr-FR" sz="2000" dirty="0"/>
+          </a:p>
+          <a:p>
+            <a:pPr marL="0" indent="0">
+              <a:buNone/>
+            </a:pPr>
+            <a:r>
+              <a:rPr lang="fr-FR" sz="2000" dirty="0"/>
+              <a:t>Si vous avez des questions, demandez à l’expérimentatrice  s’il vous plait. </a:t>
+            </a:r>
+          </a:p>
+          <a:p>
             <a:endParaRPr lang="fr-FR" dirty="0"/>
           </a:p>
         </p:txBody>
       </p:sp>
       <p:sp>
         <p:nvSpPr>
-          <p:cNvPr id="5" name="Espace réservé du contenu 2"/>
-          <p:cNvSpPr txBox="1">
-            <a:spLocks/>
-          </p:cNvSpPr>
+          <p:cNvPr id="4" name="Rectangle 3"/>
+          <p:cNvSpPr/>
           <p:nvPr/>
         </p:nvSpPr>
         <p:spPr>
           <a:xfrm>
-            <a:off x="3959630" y="3735187"/>
-            <a:ext cx="4272742" cy="520930"/>
+            <a:off x="4121486" y="6369919"/>
+            <a:ext cx="3949030" cy="400110"/>
           </a:xfrm>
           <a:prstGeom prst="rect">
             <a:avLst/>
           </a:prstGeom>
         </p:spPr>
         <p:txBody>
-          <a:bodyPr vert="horz" lIns="91440" tIns="45720" rIns="91440" bIns="45720" rtlCol="0">
-            <a:normAutofit/>
+          <a:bodyPr wrap="none">
+            <a:spAutoFit/>
           </a:bodyPr>
-          <a:lstStyle>
-            <a:lvl1pPr marL="228600" indent="-228600" algn="l" defTabSz="914400" rtl="0" eaLnBrk="1" latinLnBrk="0" hangingPunct="1">
-              <a:lnSpc>
-                <a:spcPct val="90000"/>
-              </a:lnSpc>
-              <a:spcBef>
-                <a:spcPts val="1000"/>
-              </a:spcBef>
-              <a:buFont typeface="Arial" panose="020B0604020202020204" pitchFamily="34" charset="0"/>
-              <a:buChar char="•"/>
-              <a:defRPr sz="2800" kern="1200">
-                <a:solidFill>
-                  <a:schemeClr val="tx1"/>
-                </a:solidFill>
-                <a:latin typeface="+mn-lt"/>
-                <a:ea typeface="+mn-ea"/>
-                <a:cs typeface="+mn-cs"/>
-              </a:defRPr>
-            </a:lvl1pPr>
-            <a:lvl2pPr marL="685800" indent="-228600" algn="l" defTabSz="914400" rtl="0" eaLnBrk="1" latinLnBrk="0" hangingPunct="1">
-              <a:lnSpc>
-                <a:spcPct val="90000"/>
-              </a:lnSpc>
-              <a:spcBef>
-                <a:spcPts val="500"/>
-              </a:spcBef>
-              <a:buFont typeface="Arial" panose="020B0604020202020204" pitchFamily="34" charset="0"/>
-              <a:buChar char="•"/>
-              <a:defRPr sz="2400" kern="1200">
-                <a:solidFill>
-                  <a:schemeClr val="tx1"/>
-                </a:solidFill>
-                <a:latin typeface="+mn-lt"/>
-                <a:ea typeface="+mn-ea"/>
-                <a:cs typeface="+mn-cs"/>
-              </a:defRPr>
-            </a:lvl2pPr>
-            <a:lvl3pPr marL="1143000" indent="-228600" algn="l" defTabSz="914400" rtl="0" eaLnBrk="1" latinLnBrk="0" hangingPunct="1">
-              <a:lnSpc>
-                <a:spcPct val="90000"/>
-              </a:lnSpc>
-              <a:spcBef>
-                <a:spcPts val="500"/>
-              </a:spcBef>
-              <a:buFont typeface="Arial" panose="020B0604020202020204" pitchFamily="34" charset="0"/>
-              <a:buChar char="•"/>
-              <a:defRPr sz="2000" kern="1200">
-                <a:solidFill>
-                  <a:schemeClr val="tx1"/>
-                </a:solidFill>
-                <a:latin typeface="+mn-lt"/>
-                <a:ea typeface="+mn-ea"/>
-                <a:cs typeface="+mn-cs"/>
-              </a:defRPr>
-            </a:lvl3pPr>
-            <a:lvl4pPr marL="1600200" indent="-228600" algn="l" defTabSz="914400" rtl="0" eaLnBrk="1" latinLnBrk="0" hangingPunct="1">
-              <a:lnSpc>
-                <a:spcPct val="90000"/>
-              </a:lnSpc>
-              <a:spcBef>
-                <a:spcPts val="500"/>
-              </a:spcBef>
-              <a:buFont typeface="Arial" panose="020B0604020202020204" pitchFamily="34" charset="0"/>
-              <a:buChar char="•"/>
-              <a:defRPr sz="1800" kern="1200">
-                <a:solidFill>
-                  <a:schemeClr val="tx1"/>
-                </a:solidFill>
-                <a:latin typeface="+mn-lt"/>
-                <a:ea typeface="+mn-ea"/>
-                <a:cs typeface="+mn-cs"/>
-              </a:defRPr>
-            </a:lvl4pPr>
-            <a:lvl5pPr marL="2057400" indent="-228600" algn="l" defTabSz="914400" rtl="0" eaLnBrk="1" latinLnBrk="0" hangingPunct="1">
-              <a:lnSpc>
-                <a:spcPct val="90000"/>
-              </a:lnSpc>
-              <a:spcBef>
-                <a:spcPts val="500"/>
-              </a:spcBef>
-              <a:buFont typeface="Arial" panose="020B0604020202020204" pitchFamily="34" charset="0"/>
-              <a:buChar char="•"/>
-              <a:defRPr sz="1800" kern="1200">
-                <a:solidFill>
-                  <a:schemeClr val="tx1"/>
-                </a:solidFill>
-                <a:latin typeface="+mn-lt"/>
-                <a:ea typeface="+mn-ea"/>
-                <a:cs typeface="+mn-cs"/>
-              </a:defRPr>
-            </a:lvl5pPr>
-            <a:lvl6pPr marL="2514600" indent="-228600" algn="l" defTabSz="914400" rtl="0" eaLnBrk="1" latinLnBrk="0" hangingPunct="1">
-              <a:lnSpc>
-                <a:spcPct val="90000"/>
-              </a:lnSpc>
-              <a:spcBef>
-                <a:spcPts val="500"/>
-              </a:spcBef>
-              <a:buFont typeface="Arial" panose="020B0604020202020204" pitchFamily="34" charset="0"/>
-              <a:buChar char="•"/>
-              <a:defRPr sz="1800" kern="1200">
-                <a:solidFill>
-                  <a:schemeClr val="tx1"/>
-                </a:solidFill>
-                <a:latin typeface="+mn-lt"/>
-                <a:ea typeface="+mn-ea"/>
-                <a:cs typeface="+mn-cs"/>
-              </a:defRPr>
-            </a:lvl6pPr>
-            <a:lvl7pPr marL="2971800" indent="-228600" algn="l" defTabSz="914400" rtl="0" eaLnBrk="1" latinLnBrk="0" hangingPunct="1">
-              <a:lnSpc>
-                <a:spcPct val="90000"/>
-              </a:lnSpc>
-              <a:spcBef>
-                <a:spcPts val="500"/>
-              </a:spcBef>
-              <a:buFont typeface="Arial" panose="020B0604020202020204" pitchFamily="34" charset="0"/>
-              <a:buChar char="•"/>
-              <a:defRPr sz="1800" kern="1200">
-                <a:solidFill>
-                  <a:schemeClr val="tx1"/>
-                </a:solidFill>
-                <a:latin typeface="+mn-lt"/>
-                <a:ea typeface="+mn-ea"/>
-                <a:cs typeface="+mn-cs"/>
-              </a:defRPr>
-            </a:lvl7pPr>
-            <a:lvl8pPr marL="3429000" indent="-228600" algn="l" defTabSz="914400" rtl="0" eaLnBrk="1" latinLnBrk="0" hangingPunct="1">
-              <a:lnSpc>
-                <a:spcPct val="90000"/>
-              </a:lnSpc>
-              <a:spcBef>
-                <a:spcPts val="500"/>
-              </a:spcBef>
-              <a:buFont typeface="Arial" panose="020B0604020202020204" pitchFamily="34" charset="0"/>
-              <a:buChar char="•"/>
-              <a:defRPr sz="1800" kern="1200">
-                <a:solidFill>
-                  <a:schemeClr val="tx1"/>
-                </a:solidFill>
-                <a:latin typeface="+mn-lt"/>
-                <a:ea typeface="+mn-ea"/>
-                <a:cs typeface="+mn-cs"/>
-              </a:defRPr>
-            </a:lvl8pPr>
-            <a:lvl9pPr marL="3886200" indent="-228600" algn="l" defTabSz="914400" rtl="0" eaLnBrk="1" latinLnBrk="0" hangingPunct="1">
-              <a:lnSpc>
-                <a:spcPct val="90000"/>
-              </a:lnSpc>
-              <a:spcBef>
-                <a:spcPts val="500"/>
-              </a:spcBef>
-              <a:buFont typeface="Arial" panose="020B0604020202020204" pitchFamily="34" charset="0"/>
-              <a:buChar char="•"/>
-              <a:defRPr sz="1800" kern="1200">
-                <a:solidFill>
-                  <a:schemeClr val="tx1"/>
-                </a:solidFill>
-                <a:latin typeface="+mn-lt"/>
-                <a:ea typeface="+mn-ea"/>
-                <a:cs typeface="+mn-cs"/>
-              </a:defRPr>
-            </a:lvl9pPr>
-          </a:lstStyle>
-          <a:p>
-            <a:pPr marL="0" indent="0">
-              <a:buNone/>
-            </a:pPr>
-            <a:r>
-              <a:rPr lang="fr-FR" dirty="0"/>
-              <a:t>Femmes [F]  /  Hommes [H]</a:t>
-            </a:r>
-          </a:p>
-          <a:p>
-            <a:pPr marL="0" indent="0">
-              <a:buNone/>
-            </a:pPr>
-            <a:endParaRPr lang="fr-FR" dirty="0"/>
+          <a:lstStyle/>
+          <a:p>
+            <a:r>
+              <a:rPr lang="fr-FR" sz="2000" i="1" dirty="0">
+                <a:solidFill>
+                  <a:schemeClr val="tx1">
+                    <a:lumMod val="50000"/>
+                    <a:lumOff val="50000"/>
+                  </a:schemeClr>
+                </a:solidFill>
+              </a:rPr>
+              <a:t>Appuyez sur [espace] pour continuer</a:t>
+            </a:r>
           </a:p>
         </p:txBody>
       </p:sp>
     </p:spTree>
     <p:extLst>
       <p:ext uri="{BB962C8B-B14F-4D97-AF65-F5344CB8AC3E}">
-        <p14:creationId xmlns:p14="http://schemas.microsoft.com/office/powerpoint/2010/main" val="3016227659"/>
+        <p14:creationId xmlns:p14="http://schemas.microsoft.com/office/powerpoint/2010/main" val="679417419"/>
       </p:ext>
     </p:extLst>
   </p:cSld>
@@ -5028,28 +5085,87 @@
             <p:ph type="title"/>
           </p:nvPr>
         </p:nvSpPr>
-        <p:spPr>
-          <a:xfrm>
-            <a:off x="2591147" y="2766220"/>
-            <a:ext cx="7009707" cy="1325563"/>
-          </a:xfrm>
-        </p:spPr>
+        <p:spPr/>
         <p:txBody>
           <a:bodyPr/>
           <a:lstStyle/>
           <a:p>
-            <a:pPr algn="ctr"/>
+            <a:r>
+              <a:rPr lang="fr-FR" i="1" dirty="0"/>
+              <a:t>Le</a:t>
+            </a:r>
             <a:r>
               <a:rPr lang="fr-FR" dirty="0"/>
-              <a:t>Le </a:t>
+              <a:t> </a:t>
             </a:r>
             <a:r>
               <a:rPr lang="fr-FR" i="1" dirty="0"/>
-              <a:t>jeu de mémoire </a:t>
-            </a:r>
-            <a:r>
-              <a:rPr lang="fr-FR" dirty="0"/>
-              <a:t>est terminé</a:t>
+              <a:t>jeu de </a:t>
+            </a:r>
+            <a:r>
+              <a:rPr lang="fr-FR" i="1" dirty="0"/>
+              <a:t>reconnaissance</a:t>
+            </a:r>
+            <a:endParaRPr lang="fr-FR" dirty="0"/>
+          </a:p>
+        </p:txBody>
+      </p:sp>
+      <p:sp>
+        <p:nvSpPr>
+          <p:cNvPr id="5" name="Espace réservé du contenu 4"/>
+          <p:cNvSpPr>
+            <a:spLocks noGrp="1"/>
+          </p:cNvSpPr>
+          <p:nvPr>
+            <p:ph idx="1"/>
+          </p:nvPr>
+        </p:nvSpPr>
+        <p:spPr>
+          <a:xfrm>
+            <a:off x="838199" y="1825625"/>
+            <a:ext cx="10159539" cy="4351338"/>
+          </a:xfrm>
+        </p:spPr>
+        <p:txBody>
+          <a:bodyPr/>
+          <a:lstStyle/>
+          <a:p>
+            <a:pPr marL="0" indent="0">
+              <a:buNone/>
+            </a:pPr>
+            <a:endParaRPr lang="fr-FR" sz="2000" dirty="0"/>
+          </a:p>
+          <a:p>
+            <a:pPr marL="0" indent="0">
+              <a:buNone/>
+            </a:pPr>
+            <a:endParaRPr lang="fr-FR" sz="2000" dirty="0"/>
+          </a:p>
+          <a:p>
+            <a:pPr marL="0" indent="0">
+              <a:buNone/>
+            </a:pPr>
+            <a:r>
+              <a:rPr lang="fr-FR" sz="2000" dirty="0"/>
+              <a:t>Vous allez maintenant commencer le jeu. </a:t>
+            </a:r>
+          </a:p>
+          <a:p>
+            <a:endParaRPr lang="fr-FR" sz="2000" dirty="0"/>
+          </a:p>
+          <a:p>
+            <a:pPr marL="0" indent="0">
+              <a:buNone/>
+            </a:pPr>
+            <a:endParaRPr lang="fr-FR" sz="2000" dirty="0"/>
+          </a:p>
+          <a:p>
+            <a:pPr marL="0" indent="0">
+              <a:buNone/>
+            </a:pPr>
+            <a:r>
+              <a:rPr lang="fr-FR" sz="2000" dirty="0"/>
+              <a:t>Rappelez-vous d’utiliser la touche [F] pour répondre « Femmes » et la touche [H] pour répondre « Hommes ». </a:t>
             </a:r>
           </a:p>
         </p:txBody>
@@ -5092,7 +5208,7 @@
     </p:spTree>
     <p:extLst>
       <p:ext uri="{BB962C8B-B14F-4D97-AF65-F5344CB8AC3E}">
-        <p14:creationId xmlns:p14="http://schemas.microsoft.com/office/powerpoint/2010/main" val="2545851790"/>
+        <p14:creationId xmlns:p14="http://schemas.microsoft.com/office/powerpoint/2010/main" val="2557030150"/>
       </p:ext>
     </p:extLst>
   </p:cSld>
@@ -5150,27 +5266,35 @@
             </a:r>
             <a:r>
               <a:rPr lang="fr-FR" sz="2000" i="1" dirty="0"/>
-              <a:t>jeu de discrimination</a:t>
+              <a:t>jeu de </a:t>
+            </a:r>
+            <a:r>
+              <a:rPr lang="fr-FR" sz="2000" i="1" dirty="0" smtClean="0"/>
+              <a:t>détection</a:t>
+            </a:r>
+            <a:r>
+              <a:rPr lang="fr-FR" sz="2000" dirty="0" smtClean="0"/>
+              <a:t>, </a:t>
             </a:r>
             <a:r>
               <a:rPr lang="fr-FR" sz="2000" dirty="0"/>
-              <a:t>, et le </a:t>
+              <a:t>et le </a:t>
             </a:r>
             <a:r>
               <a:rPr lang="fr-FR" sz="2000" i="1" dirty="0"/>
               <a:t>jeu de </a:t>
             </a:r>
             <a:r>
-              <a:rPr lang="fr-FR" sz="2000" i="1" dirty="0">
-                <a:highlight>
-                  <a:srgbClr val="FFFF00"/>
-                </a:highlight>
-              </a:rPr>
-              <a:t>mémoire</a:t>
+              <a:rPr lang="fr-FR" sz="2000" i="1" dirty="0"/>
+              <a:t>reconnaissance</a:t>
+            </a:r>
+            <a:r>
+              <a:rPr lang="fr-FR" sz="2000" dirty="0" smtClean="0"/>
+              <a:t>) </a:t>
             </a:r>
             <a:r>
               <a:rPr lang="fr-FR" sz="2000" dirty="0"/>
-              <a:t>) qui durent environ 30 minutes chacun. Ces jeux nous permettent de tester votre capacité à réguler votre attention.</a:t>
+              <a:t>qui durent environ 30 minutes chacun. Ces jeux nous permettent de tester votre capacité à réguler votre attention.</a:t>
             </a:r>
           </a:p>
           <a:p>
@@ -5185,7 +5309,15 @@
             </a:pPr>
             <a:r>
               <a:rPr lang="fr-FR" sz="2000" dirty="0"/>
-              <a:t>Chaque jeu est divisé en 400 "essais", qui rapportent plus ou moins d'argent. Par exemple, il y a des essais pour lesquels une réponse correcte rapporte </a:t>
+              <a:t>Chaque jeu est divisé en </a:t>
+            </a:r>
+            <a:r>
+              <a:rPr lang="fr-FR" sz="2000" dirty="0" smtClean="0"/>
+              <a:t>300 </a:t>
+            </a:r>
+            <a:r>
+              <a:rPr lang="fr-FR" sz="2000" dirty="0"/>
+              <a:t>"essais", qui rapportent plus ou moins d'argent. Par exemple, il y a des essais pour lesquels une réponse correcte rapporte </a:t>
             </a:r>
             <a:r>
               <a:rPr lang="fr-FR" sz="2000" dirty="0">
@@ -5323,6 +5455,381 @@
       </p:grpSpPr>
       <p:sp>
         <p:nvSpPr>
+          <p:cNvPr id="3" name="Espace réservé du contenu 2"/>
+          <p:cNvSpPr>
+            <a:spLocks noGrp="1"/>
+          </p:cNvSpPr>
+          <p:nvPr>
+            <p:ph idx="1"/>
+          </p:nvPr>
+        </p:nvSpPr>
+        <p:spPr>
+          <a:xfrm>
+            <a:off x="2556683" y="2718263"/>
+            <a:ext cx="7078634" cy="482137"/>
+          </a:xfrm>
+        </p:spPr>
+        <p:txBody>
+          <a:bodyPr>
+            <a:noAutofit/>
+          </a:bodyPr>
+          <a:lstStyle/>
+          <a:p>
+            <a:pPr marL="0" indent="0">
+              <a:buNone/>
+            </a:pPr>
+            <a:r>
+              <a:rPr lang="fr-FR" dirty="0"/>
+              <a:t>Avez-vous vu plus de Femmes ou d’Hommes?</a:t>
+            </a:r>
+          </a:p>
+          <a:p>
+            <a:pPr marL="0" indent="0">
+              <a:buNone/>
+            </a:pPr>
+            <a:endParaRPr lang="fr-FR" dirty="0"/>
+          </a:p>
+        </p:txBody>
+      </p:sp>
+      <p:sp>
+        <p:nvSpPr>
+          <p:cNvPr id="5" name="Espace réservé du contenu 2"/>
+          <p:cNvSpPr txBox="1">
+            <a:spLocks/>
+          </p:cNvSpPr>
+          <p:nvPr/>
+        </p:nvSpPr>
+        <p:spPr>
+          <a:xfrm>
+            <a:off x="3959630" y="3735187"/>
+            <a:ext cx="4272742" cy="520930"/>
+          </a:xfrm>
+          <a:prstGeom prst="rect">
+            <a:avLst/>
+          </a:prstGeom>
+        </p:spPr>
+        <p:txBody>
+          <a:bodyPr vert="horz" lIns="91440" tIns="45720" rIns="91440" bIns="45720" rtlCol="0">
+            <a:normAutofit/>
+          </a:bodyPr>
+          <a:lstStyle>
+            <a:lvl1pPr marL="228600" indent="-228600" algn="l" defTabSz="914400" rtl="0" eaLnBrk="1" latinLnBrk="0" hangingPunct="1">
+              <a:lnSpc>
+                <a:spcPct val="90000"/>
+              </a:lnSpc>
+              <a:spcBef>
+                <a:spcPts val="1000"/>
+              </a:spcBef>
+              <a:buFont typeface="Arial" panose="020B0604020202020204" pitchFamily="34" charset="0"/>
+              <a:buChar char="•"/>
+              <a:defRPr sz="2800" kern="1200">
+                <a:solidFill>
+                  <a:schemeClr val="tx1"/>
+                </a:solidFill>
+                <a:latin typeface="+mn-lt"/>
+                <a:ea typeface="+mn-ea"/>
+                <a:cs typeface="+mn-cs"/>
+              </a:defRPr>
+            </a:lvl1pPr>
+            <a:lvl2pPr marL="685800" indent="-228600" algn="l" defTabSz="914400" rtl="0" eaLnBrk="1" latinLnBrk="0" hangingPunct="1">
+              <a:lnSpc>
+                <a:spcPct val="90000"/>
+              </a:lnSpc>
+              <a:spcBef>
+                <a:spcPts val="500"/>
+              </a:spcBef>
+              <a:buFont typeface="Arial" panose="020B0604020202020204" pitchFamily="34" charset="0"/>
+              <a:buChar char="•"/>
+              <a:defRPr sz="2400" kern="1200">
+                <a:solidFill>
+                  <a:schemeClr val="tx1"/>
+                </a:solidFill>
+                <a:latin typeface="+mn-lt"/>
+                <a:ea typeface="+mn-ea"/>
+                <a:cs typeface="+mn-cs"/>
+              </a:defRPr>
+            </a:lvl2pPr>
+            <a:lvl3pPr marL="1143000" indent="-228600" algn="l" defTabSz="914400" rtl="0" eaLnBrk="1" latinLnBrk="0" hangingPunct="1">
+              <a:lnSpc>
+                <a:spcPct val="90000"/>
+              </a:lnSpc>
+              <a:spcBef>
+                <a:spcPts val="500"/>
+              </a:spcBef>
+              <a:buFont typeface="Arial" panose="020B0604020202020204" pitchFamily="34" charset="0"/>
+              <a:buChar char="•"/>
+              <a:defRPr sz="2000" kern="1200">
+                <a:solidFill>
+                  <a:schemeClr val="tx1"/>
+                </a:solidFill>
+                <a:latin typeface="+mn-lt"/>
+                <a:ea typeface="+mn-ea"/>
+                <a:cs typeface="+mn-cs"/>
+              </a:defRPr>
+            </a:lvl3pPr>
+            <a:lvl4pPr marL="1600200" indent="-228600" algn="l" defTabSz="914400" rtl="0" eaLnBrk="1" latinLnBrk="0" hangingPunct="1">
+              <a:lnSpc>
+                <a:spcPct val="90000"/>
+              </a:lnSpc>
+              <a:spcBef>
+                <a:spcPts val="500"/>
+              </a:spcBef>
+              <a:buFont typeface="Arial" panose="020B0604020202020204" pitchFamily="34" charset="0"/>
+              <a:buChar char="•"/>
+              <a:defRPr sz="1800" kern="1200">
+                <a:solidFill>
+                  <a:schemeClr val="tx1"/>
+                </a:solidFill>
+                <a:latin typeface="+mn-lt"/>
+                <a:ea typeface="+mn-ea"/>
+                <a:cs typeface="+mn-cs"/>
+              </a:defRPr>
+            </a:lvl4pPr>
+            <a:lvl5pPr marL="2057400" indent="-228600" algn="l" defTabSz="914400" rtl="0" eaLnBrk="1" latinLnBrk="0" hangingPunct="1">
+              <a:lnSpc>
+                <a:spcPct val="90000"/>
+              </a:lnSpc>
+              <a:spcBef>
+                <a:spcPts val="500"/>
+              </a:spcBef>
+              <a:buFont typeface="Arial" panose="020B0604020202020204" pitchFamily="34" charset="0"/>
+              <a:buChar char="•"/>
+              <a:defRPr sz="1800" kern="1200">
+                <a:solidFill>
+                  <a:schemeClr val="tx1"/>
+                </a:solidFill>
+                <a:latin typeface="+mn-lt"/>
+                <a:ea typeface="+mn-ea"/>
+                <a:cs typeface="+mn-cs"/>
+              </a:defRPr>
+            </a:lvl5pPr>
+            <a:lvl6pPr marL="2514600" indent="-228600" algn="l" defTabSz="914400" rtl="0" eaLnBrk="1" latinLnBrk="0" hangingPunct="1">
+              <a:lnSpc>
+                <a:spcPct val="90000"/>
+              </a:lnSpc>
+              <a:spcBef>
+                <a:spcPts val="500"/>
+              </a:spcBef>
+              <a:buFont typeface="Arial" panose="020B0604020202020204" pitchFamily="34" charset="0"/>
+              <a:buChar char="•"/>
+              <a:defRPr sz="1800" kern="1200">
+                <a:solidFill>
+                  <a:schemeClr val="tx1"/>
+                </a:solidFill>
+                <a:latin typeface="+mn-lt"/>
+                <a:ea typeface="+mn-ea"/>
+                <a:cs typeface="+mn-cs"/>
+              </a:defRPr>
+            </a:lvl6pPr>
+            <a:lvl7pPr marL="2971800" indent="-228600" algn="l" defTabSz="914400" rtl="0" eaLnBrk="1" latinLnBrk="0" hangingPunct="1">
+              <a:lnSpc>
+                <a:spcPct val="90000"/>
+              </a:lnSpc>
+              <a:spcBef>
+                <a:spcPts val="500"/>
+              </a:spcBef>
+              <a:buFont typeface="Arial" panose="020B0604020202020204" pitchFamily="34" charset="0"/>
+              <a:buChar char="•"/>
+              <a:defRPr sz="1800" kern="1200">
+                <a:solidFill>
+                  <a:schemeClr val="tx1"/>
+                </a:solidFill>
+                <a:latin typeface="+mn-lt"/>
+                <a:ea typeface="+mn-ea"/>
+                <a:cs typeface="+mn-cs"/>
+              </a:defRPr>
+            </a:lvl7pPr>
+            <a:lvl8pPr marL="3429000" indent="-228600" algn="l" defTabSz="914400" rtl="0" eaLnBrk="1" latinLnBrk="0" hangingPunct="1">
+              <a:lnSpc>
+                <a:spcPct val="90000"/>
+              </a:lnSpc>
+              <a:spcBef>
+                <a:spcPts val="500"/>
+              </a:spcBef>
+              <a:buFont typeface="Arial" panose="020B0604020202020204" pitchFamily="34" charset="0"/>
+              <a:buChar char="•"/>
+              <a:defRPr sz="1800" kern="1200">
+                <a:solidFill>
+                  <a:schemeClr val="tx1"/>
+                </a:solidFill>
+                <a:latin typeface="+mn-lt"/>
+                <a:ea typeface="+mn-ea"/>
+                <a:cs typeface="+mn-cs"/>
+              </a:defRPr>
+            </a:lvl8pPr>
+            <a:lvl9pPr marL="3886200" indent="-228600" algn="l" defTabSz="914400" rtl="0" eaLnBrk="1" latinLnBrk="0" hangingPunct="1">
+              <a:lnSpc>
+                <a:spcPct val="90000"/>
+              </a:lnSpc>
+              <a:spcBef>
+                <a:spcPts val="500"/>
+              </a:spcBef>
+              <a:buFont typeface="Arial" panose="020B0604020202020204" pitchFamily="34" charset="0"/>
+              <a:buChar char="•"/>
+              <a:defRPr sz="1800" kern="1200">
+                <a:solidFill>
+                  <a:schemeClr val="tx1"/>
+                </a:solidFill>
+                <a:latin typeface="+mn-lt"/>
+                <a:ea typeface="+mn-ea"/>
+                <a:cs typeface="+mn-cs"/>
+              </a:defRPr>
+            </a:lvl9pPr>
+          </a:lstStyle>
+          <a:p>
+            <a:pPr marL="0" indent="0">
+              <a:buNone/>
+            </a:pPr>
+            <a:r>
+              <a:rPr lang="fr-FR" dirty="0"/>
+              <a:t>Femmes [F]  /  Hommes [H]</a:t>
+            </a:r>
+          </a:p>
+          <a:p>
+            <a:pPr marL="0" indent="0">
+              <a:buNone/>
+            </a:pPr>
+            <a:endParaRPr lang="fr-FR" dirty="0"/>
+          </a:p>
+        </p:txBody>
+      </p:sp>
+    </p:spTree>
+    <p:extLst>
+      <p:ext uri="{BB962C8B-B14F-4D97-AF65-F5344CB8AC3E}">
+        <p14:creationId xmlns:p14="http://schemas.microsoft.com/office/powerpoint/2010/main" val="3016227659"/>
+      </p:ext>
+    </p:extLst>
+  </p:cSld>
+  <p:clrMapOvr>
+    <a:masterClrMapping/>
+  </p:clrMapOvr>
+</p:sld>
+</file>
+
+<file path=ppt/slides/slide21.xml><?xml version="1.0" encoding="utf-8"?>
+<p:sld xmlns:a="http://schemas.openxmlformats.org/drawingml/2006/main" xmlns:r="http://schemas.openxmlformats.org/officeDocument/2006/relationships" xmlns:p="http://schemas.openxmlformats.org/presentationml/2006/main">
+  <p:cSld>
+    <p:spTree>
+      <p:nvGrpSpPr>
+        <p:cNvPr id="1" name=""/>
+        <p:cNvGrpSpPr/>
+        <p:nvPr/>
+      </p:nvGrpSpPr>
+      <p:grpSpPr>
+        <a:xfrm>
+          <a:off x="0" y="0"/>
+          <a:ext cx="0" cy="0"/>
+          <a:chOff x="0" y="0"/>
+          <a:chExt cx="0" cy="0"/>
+        </a:xfrm>
+      </p:grpSpPr>
+      <p:sp>
+        <p:nvSpPr>
+          <p:cNvPr id="2" name="Titre 1"/>
+          <p:cNvSpPr>
+            <a:spLocks noGrp="1"/>
+          </p:cNvSpPr>
+          <p:nvPr>
+            <p:ph type="title"/>
+          </p:nvPr>
+        </p:nvSpPr>
+        <p:spPr>
+          <a:xfrm>
+            <a:off x="2591147" y="2766220"/>
+            <a:ext cx="7009707" cy="1325563"/>
+          </a:xfrm>
+        </p:spPr>
+        <p:txBody>
+          <a:bodyPr/>
+          <a:lstStyle/>
+          <a:p>
+            <a:pPr algn="ctr"/>
+            <a:r>
+              <a:rPr lang="fr-FR" dirty="0"/>
+              <a:t>Le </a:t>
+            </a:r>
+            <a:r>
+              <a:rPr lang="fr-FR" i="1" dirty="0"/>
+              <a:t>jeu de </a:t>
+            </a:r>
+            <a:r>
+              <a:rPr lang="fr-FR" i="1" dirty="0"/>
+              <a:t>reconnaissance </a:t>
+            </a:r>
+            <a:r>
+              <a:rPr lang="fr-FR" dirty="0"/>
+              <a:t>est terminé</a:t>
+            </a:r>
+          </a:p>
+        </p:txBody>
+      </p:sp>
+      <p:sp>
+        <p:nvSpPr>
+          <p:cNvPr id="4" name="Rectangle 3"/>
+          <p:cNvSpPr/>
+          <p:nvPr/>
+        </p:nvSpPr>
+        <p:spPr>
+          <a:xfrm>
+            <a:off x="4121486" y="6369919"/>
+            <a:ext cx="3949030" cy="400110"/>
+          </a:xfrm>
+          <a:prstGeom prst="rect">
+            <a:avLst/>
+          </a:prstGeom>
+        </p:spPr>
+        <p:txBody>
+          <a:bodyPr wrap="none">
+            <a:spAutoFit/>
+          </a:bodyPr>
+          <a:lstStyle/>
+          <a:p>
+            <a:r>
+              <a:rPr lang="fr-FR" sz="2000" i="1" dirty="0">
+                <a:solidFill>
+                  <a:schemeClr val="tx1">
+                    <a:lumMod val="50000"/>
+                    <a:lumOff val="50000"/>
+                  </a:schemeClr>
+                </a:solidFill>
+              </a:rPr>
+              <a:t>Appuyez sur [espace] pour continuer</a:t>
+            </a:r>
+          </a:p>
+        </p:txBody>
+      </p:sp>
+    </p:spTree>
+    <p:extLst>
+      <p:ext uri="{BB962C8B-B14F-4D97-AF65-F5344CB8AC3E}">
+        <p14:creationId xmlns:p14="http://schemas.microsoft.com/office/powerpoint/2010/main" val="2545851790"/>
+      </p:ext>
+    </p:extLst>
+  </p:cSld>
+  <p:clrMapOvr>
+    <a:masterClrMapping/>
+  </p:clrMapOvr>
+</p:sld>
+</file>
+
+<file path=ppt/slides/slide22.xml><?xml version="1.0" encoding="utf-8"?>
+<p:sld xmlns:a="http://schemas.openxmlformats.org/drawingml/2006/main" xmlns:r="http://schemas.openxmlformats.org/officeDocument/2006/relationships" xmlns:p="http://schemas.openxmlformats.org/presentationml/2006/main">
+  <p:cSld>
+    <p:spTree>
+      <p:nvGrpSpPr>
+        <p:cNvPr id="1" name=""/>
+        <p:cNvGrpSpPr/>
+        <p:nvPr/>
+      </p:nvGrpSpPr>
+      <p:grpSpPr>
+        <a:xfrm>
+          <a:off x="0" y="0"/>
+          <a:ext cx="0" cy="0"/>
+          <a:chOff x="0" y="0"/>
+          <a:chExt cx="0" cy="0"/>
+        </a:xfrm>
+      </p:grpSpPr>
+      <p:sp>
+        <p:nvSpPr>
           <p:cNvPr id="2" name="Titre 1"/>
           <p:cNvSpPr>
             <a:spLocks noGrp="1"/>
@@ -5442,23 +5949,138 @@
         </p:nvSpPr>
         <p:spPr>
           <a:xfrm>
-            <a:off x="3502686" y="2202873"/>
-            <a:ext cx="5186631" cy="565265"/>
+            <a:off x="3154044" y="1294893"/>
+            <a:ext cx="5883910" cy="3340138"/>
           </a:xfrm>
         </p:spPr>
         <p:txBody>
           <a:bodyPr>
-            <a:normAutofit fontScale="70000" lnSpcReduction="20000"/>
+            <a:normAutofit/>
           </a:bodyPr>
           <a:lstStyle/>
           <a:p>
-            <a:pPr marL="0" indent="0">
-              <a:buNone/>
-            </a:pPr>
-            <a:r>
-              <a:rPr lang="fr-FR" dirty="0"/>
-              <a:t>La somme d’argent que peut vous rapporter un bloc sera affichée à l’écran. Exemple :</a:t>
-            </a:r>
+            <a:pPr marL="0" indent="0" algn="ctr">
+              <a:buNone/>
+            </a:pPr>
+            <a:r>
+              <a:rPr lang="fr-FR" sz="2000" dirty="0" smtClean="0"/>
+              <a:t>Si les </a:t>
+            </a:r>
+            <a:r>
+              <a:rPr lang="fr-FR" sz="2000" dirty="0"/>
+              <a:t>visages apeurés vont vous </a:t>
+            </a:r>
+            <a:r>
+              <a:rPr lang="fr-FR" sz="2000" dirty="0">
+                <a:solidFill>
+                  <a:srgbClr val="38BA40"/>
+                </a:solidFill>
+              </a:rPr>
+              <a:t>aider </a:t>
+            </a:r>
+            <a:r>
+              <a:rPr lang="fr-FR" sz="2000" dirty="0" smtClean="0"/>
+              <a:t>ou vous</a:t>
+            </a:r>
+            <a:r>
+              <a:rPr lang="fr-FR" sz="2000" dirty="0" smtClean="0">
+                <a:solidFill>
+                  <a:srgbClr val="38BA40"/>
+                </a:solidFill>
+              </a:rPr>
+              <a:t> </a:t>
+            </a:r>
+            <a:r>
+              <a:rPr lang="fr-FR" sz="2000" dirty="0" smtClean="0">
+                <a:solidFill>
+                  <a:srgbClr val="D03739"/>
+                </a:solidFill>
+              </a:rPr>
+              <a:t>induire </a:t>
+            </a:r>
+            <a:r>
+              <a:rPr lang="fr-FR" sz="2000" dirty="0">
+                <a:solidFill>
+                  <a:srgbClr val="D03739"/>
+                </a:solidFill>
+              </a:rPr>
+              <a:t>en </a:t>
+            </a:r>
+            <a:r>
+              <a:rPr lang="fr-FR" sz="2000" dirty="0" smtClean="0">
+                <a:solidFill>
+                  <a:srgbClr val="D03739"/>
+                </a:solidFill>
+              </a:rPr>
+              <a:t>erreur </a:t>
+            </a:r>
+            <a:r>
+              <a:rPr lang="fr-FR" sz="2000" dirty="0"/>
+              <a:t>sera affichée à l’écran</a:t>
+            </a:r>
+            <a:r>
+              <a:rPr lang="fr-FR" sz="2000" dirty="0" smtClean="0"/>
+              <a:t>. </a:t>
+            </a:r>
+            <a:r>
+              <a:rPr lang="fr-FR" sz="2000" dirty="0" smtClean="0"/>
+              <a:t>Exemple</a:t>
+            </a:r>
+            <a:r>
+              <a:rPr lang="fr-FR" sz="2000" dirty="0" smtClean="0"/>
+              <a:t>: </a:t>
+            </a:r>
+            <a:r>
+              <a:rPr lang="fr-FR" sz="2000" dirty="0" smtClean="0"/>
+              <a:t> </a:t>
+            </a:r>
+            <a:endParaRPr lang="fr-FR" sz="2000" dirty="0"/>
+          </a:p>
+          <a:p>
+            <a:pPr marL="0" indent="0" algn="ctr">
+              <a:buNone/>
+            </a:pPr>
+            <a:endParaRPr lang="fr-FR" sz="2000" dirty="0"/>
+          </a:p>
+          <a:p>
+            <a:pPr marL="0" indent="0" algn="ctr">
+              <a:buNone/>
+            </a:pPr>
+            <a:endParaRPr lang="fr-FR" sz="2000" dirty="0" smtClean="0"/>
+          </a:p>
+          <a:p>
+            <a:pPr marL="0" indent="0" algn="ctr">
+              <a:buNone/>
+            </a:pPr>
+            <a:endParaRPr lang="fr-FR" sz="2000" dirty="0"/>
+          </a:p>
+          <a:p>
+            <a:pPr marL="0" indent="0" algn="ctr">
+              <a:buNone/>
+            </a:pPr>
+            <a:endParaRPr lang="fr-FR" sz="2000" dirty="0"/>
+          </a:p>
+          <a:p>
+            <a:pPr marL="0" indent="0" algn="ctr">
+              <a:buNone/>
+            </a:pPr>
+            <a:r>
+              <a:rPr lang="fr-FR" sz="2000" dirty="0"/>
+              <a:t>L</a:t>
+            </a:r>
+            <a:r>
+              <a:rPr lang="fr-FR" sz="2000" dirty="0" smtClean="0"/>
+              <a:t>a </a:t>
+            </a:r>
+            <a:r>
+              <a:rPr lang="fr-FR" sz="2000" dirty="0"/>
+              <a:t>somme </a:t>
+            </a:r>
+            <a:r>
+              <a:rPr lang="fr-FR" sz="2000" dirty="0" smtClean="0"/>
+              <a:t>d’argent que peut vous rapporter un essai sera affichée à l’écran. Exemple :</a:t>
+            </a:r>
+            <a:endParaRPr lang="fr-FR" sz="2000" dirty="0"/>
           </a:p>
         </p:txBody>
       </p:sp>
@@ -5506,7 +6128,7 @@
           <p:nvPr/>
         </p:nvPicPr>
         <p:blipFill>
-          <a:blip r:embed="rId2">
+          <a:blip r:embed="rId2" cstate="print">
             <a:extLst>
               <a:ext uri="{28A0092B-C50C-407E-A947-70E740481C1C}">
                 <a14:useLocalDpi xmlns:a14="http://schemas.microsoft.com/office/drawing/2010/main" val="0"/>
@@ -5519,7 +6141,97 @@
         </p:blipFill>
         <p:spPr>
           <a:xfrm>
-            <a:off x="5556000" y="3211283"/>
+            <a:off x="6983411" y="2131417"/>
+            <a:ext cx="1080000" cy="1080000"/>
+          </a:xfrm>
+          <a:prstGeom prst="rect">
+            <a:avLst/>
+          </a:prstGeom>
+        </p:spPr>
+      </p:pic>
+      <p:pic>
+        <p:nvPicPr>
+          <p:cNvPr id="6" name="Image 5"/>
+          <p:cNvPicPr>
+            <a:picLocks noChangeAspect="1"/>
+          </p:cNvPicPr>
+          <p:nvPr/>
+        </p:nvPicPr>
+        <p:blipFill>
+          <a:blip r:embed="rId3">
+            <a:extLst>
+              <a:ext uri="{28A0092B-C50C-407E-A947-70E740481C1C}">
+                <a14:useLocalDpi xmlns:a14="http://schemas.microsoft.com/office/drawing/2010/main" val="0"/>
+              </a:ext>
+            </a:extLst>
+          </a:blip>
+          <a:stretch>
+            <a:fillRect/>
+          </a:stretch>
+        </p:blipFill>
+        <p:spPr>
+          <a:xfrm>
+            <a:off x="4121486" y="4399147"/>
+            <a:ext cx="1080000" cy="1080000"/>
+          </a:xfrm>
+          <a:prstGeom prst="rect">
+            <a:avLst/>
+          </a:prstGeom>
+        </p:spPr>
+      </p:pic>
+      <p:pic>
+        <p:nvPicPr>
+          <p:cNvPr id="7" name="Image 6"/>
+          <p:cNvPicPr>
+            <a:picLocks noChangeAspect="1"/>
+          </p:cNvPicPr>
+          <p:nvPr/>
+        </p:nvPicPr>
+        <p:blipFill>
+          <a:blip r:embed="rId4">
+            <a:extLst>
+              <a:ext uri="{28A0092B-C50C-407E-A947-70E740481C1C}">
+                <a14:useLocalDpi xmlns:a14="http://schemas.microsoft.com/office/drawing/2010/main" val="0"/>
+              </a:ext>
+            </a:extLst>
+          </a:blip>
+          <a:stretch>
+            <a:fillRect/>
+          </a:stretch>
+        </p:blipFill>
+        <p:spPr>
+          <a:xfrm>
+            <a:off x="6983411" y="4399147"/>
+            <a:ext cx="1087105" cy="1080000"/>
+          </a:xfrm>
+          <a:prstGeom prst="rect">
+            <a:avLst/>
+          </a:prstGeom>
+        </p:spPr>
+      </p:pic>
+      <p:pic>
+        <p:nvPicPr>
+          <p:cNvPr id="8" name="Image 7"/>
+          <p:cNvPicPr>
+            <a:picLocks noChangeAspect="1"/>
+          </p:cNvPicPr>
+          <p:nvPr/>
+        </p:nvPicPr>
+        <p:blipFill>
+          <a:blip r:embed="rId5" cstate="print">
+            <a:extLst>
+              <a:ext uri="{28A0092B-C50C-407E-A947-70E740481C1C}">
+                <a14:useLocalDpi xmlns:a14="http://schemas.microsoft.com/office/drawing/2010/main" val="0"/>
+              </a:ext>
+            </a:extLst>
+          </a:blip>
+          <a:stretch>
+            <a:fillRect/>
+          </a:stretch>
+        </p:blipFill>
+        <p:spPr>
+          <a:xfrm>
+            <a:off x="4121486" y="2124259"/>
             <a:ext cx="1080000" cy="1080000"/>
           </a:xfrm>
           <a:prstGeom prst="rect">
@@ -5530,7 +6242,7 @@
     </p:spTree>
     <p:extLst>
       <p:ext uri="{BB962C8B-B14F-4D97-AF65-F5344CB8AC3E}">
-        <p14:creationId xmlns:p14="http://schemas.microsoft.com/office/powerpoint/2010/main" val="885274509"/>
+        <p14:creationId xmlns:p14="http://schemas.microsoft.com/office/powerpoint/2010/main" val="610663437"/>
       </p:ext>
     </p:extLst>
   </p:cSld>
@@ -5569,8 +6281,8 @@
         </p:nvSpPr>
         <p:spPr>
           <a:xfrm>
-            <a:off x="3502686" y="2148842"/>
-            <a:ext cx="5186631" cy="477980"/>
+            <a:off x="3154044" y="1294893"/>
+            <a:ext cx="5883910" cy="3340138"/>
           </a:xfrm>
         </p:spPr>
         <p:txBody>
@@ -5579,12 +6291,60 @@
           </a:bodyPr>
           <a:lstStyle/>
           <a:p>
-            <a:pPr marL="0" indent="0">
+            <a:pPr marL="0" indent="0" algn="ctr">
               <a:buNone/>
             </a:pPr>
             <a:r>
               <a:rPr lang="fr-FR" dirty="0"/>
-              <a:t>Pour ce bloc, la somme en jeu est:</a:t>
+              <a:t>Pour les 15 essais suivants, les visages apeurés vont vous </a:t>
+            </a:r>
+            <a:r>
+              <a:rPr lang="fr-FR" dirty="0">
+                <a:solidFill>
+                  <a:srgbClr val="D03739"/>
+                </a:solidFill>
+              </a:rPr>
+              <a:t>induire en </a:t>
+            </a:r>
+            <a:r>
+              <a:rPr lang="fr-FR" dirty="0" smtClean="0">
+                <a:solidFill>
+                  <a:srgbClr val="D03739"/>
+                </a:solidFill>
+              </a:rPr>
+              <a:t>erreur</a:t>
+            </a:r>
+            <a:r>
+              <a:rPr lang="fr-FR" dirty="0" smtClean="0"/>
+              <a:t>. </a:t>
+            </a:r>
+            <a:endParaRPr lang="fr-FR" dirty="0"/>
+          </a:p>
+          <a:p>
+            <a:pPr marL="0" indent="0" algn="ctr">
+              <a:buNone/>
+            </a:pPr>
+            <a:endParaRPr lang="fr-FR" dirty="0"/>
+          </a:p>
+          <a:p>
+            <a:pPr marL="0" indent="0" algn="ctr">
+              <a:buNone/>
+            </a:pPr>
+            <a:endParaRPr lang="fr-FR" dirty="0"/>
+          </a:p>
+          <a:p>
+            <a:pPr marL="0" indent="0" algn="ctr">
+              <a:buNone/>
+            </a:pPr>
+            <a:endParaRPr lang="fr-FR" dirty="0"/>
+          </a:p>
+          <a:p>
+            <a:pPr marL="0" indent="0" algn="ctr">
+              <a:buNone/>
+            </a:pPr>
+            <a:r>
+              <a:rPr lang="fr-FR" dirty="0"/>
+              <a:t>De plus, la somme en jeu est:</a:t>
             </a:r>
           </a:p>
         </p:txBody>
@@ -5626,7 +6386,7 @@
       </p:sp>
       <p:pic>
         <p:nvPicPr>
-          <p:cNvPr id="2" name="Image 1"/>
+          <p:cNvPr id="5" name="Image 4"/>
           <p:cNvPicPr>
             <a:picLocks noChangeAspect="1"/>
           </p:cNvPicPr>
@@ -5646,7 +6406,67 @@
         </p:blipFill>
         <p:spPr>
           <a:xfrm>
-            <a:off x="5556000" y="3211283"/>
+            <a:off x="5552447" y="4399147"/>
+            <a:ext cx="1087105" cy="1080000"/>
+          </a:xfrm>
+          <a:prstGeom prst="rect">
+            <a:avLst/>
+          </a:prstGeom>
+        </p:spPr>
+      </p:pic>
+      <p:pic>
+        <p:nvPicPr>
+          <p:cNvPr id="2" name="Image 1"/>
+          <p:cNvPicPr>
+            <a:picLocks noChangeAspect="1"/>
+          </p:cNvPicPr>
+          <p:nvPr/>
+        </p:nvPicPr>
+        <p:blipFill>
+          <a:blip r:embed="rId3" cstate="print">
+            <a:extLst>
+              <a:ext uri="{28A0092B-C50C-407E-A947-70E740481C1C}">
+                <a14:useLocalDpi xmlns:a14="http://schemas.microsoft.com/office/drawing/2010/main" val="0"/>
+              </a:ext>
+            </a:extLst>
+          </a:blip>
+          <a:stretch>
+            <a:fillRect/>
+          </a:stretch>
+        </p:blipFill>
+        <p:spPr>
+          <a:xfrm>
+            <a:off x="5555999" y="2307020"/>
+            <a:ext cx="1080000" cy="1080000"/>
+          </a:xfrm>
+          <a:prstGeom prst="rect">
+            <a:avLst/>
+          </a:prstGeom>
+        </p:spPr>
+      </p:pic>
+      <p:pic>
+        <p:nvPicPr>
+          <p:cNvPr id="6" name="Image 5"/>
+          <p:cNvPicPr>
+            <a:picLocks noChangeAspect="1"/>
+          </p:cNvPicPr>
+          <p:nvPr/>
+        </p:nvPicPr>
+        <p:blipFill>
+          <a:blip r:embed="rId4">
+            <a:extLst>
+              <a:ext uri="{28A0092B-C50C-407E-A947-70E740481C1C}">
+                <a14:useLocalDpi xmlns:a14="http://schemas.microsoft.com/office/drawing/2010/main" val="0"/>
+              </a:ext>
+            </a:extLst>
+          </a:blip>
+          <a:stretch>
+            <a:fillRect/>
+          </a:stretch>
+        </p:blipFill>
+        <p:spPr>
+          <a:xfrm>
+            <a:off x="5552447" y="4399147"/>
             <a:ext cx="1080000" cy="1080000"/>
           </a:xfrm>
           <a:prstGeom prst="rect">
@@ -5657,7 +6477,7 @@
     </p:spTree>
     <p:extLst>
       <p:ext uri="{BB962C8B-B14F-4D97-AF65-F5344CB8AC3E}">
-        <p14:creationId xmlns:p14="http://schemas.microsoft.com/office/powerpoint/2010/main" val="831153424"/>
+        <p14:creationId xmlns:p14="http://schemas.microsoft.com/office/powerpoint/2010/main" val="3726161108"/>
       </p:ext>
     </p:extLst>
   </p:cSld>
@@ -5696,8 +6516,8 @@
         </p:nvSpPr>
         <p:spPr>
           <a:xfrm>
-            <a:off x="3502686" y="1546822"/>
-            <a:ext cx="7297394" cy="3340138"/>
+            <a:off x="3154044" y="1294893"/>
+            <a:ext cx="5883910" cy="3340138"/>
           </a:xfrm>
         </p:spPr>
         <p:txBody>
@@ -5706,58 +6526,47 @@
           </a:bodyPr>
           <a:lstStyle/>
           <a:p>
-            <a:pPr marL="0" indent="0">
+            <a:pPr marL="0" indent="0" algn="ctr">
               <a:buNone/>
             </a:pPr>
             <a:r>
               <a:rPr lang="fr-FR" dirty="0"/>
-              <a:t>Pour les 15 essais suivants, les visages apeurés vont </a:t>
-            </a:r>
-            <a:r>
-              <a:rPr lang="fr-FR" dirty="0">
-                <a:solidFill>
-                  <a:srgbClr val="FF0000"/>
+              <a:t>Pour les 15 essais suivants, les visages apeurés vont vous </a:t>
+            </a:r>
+            <a:r>
+              <a:rPr lang="fr-FR" dirty="0" smtClean="0">
+                <a:solidFill>
+                  <a:srgbClr val="38BA40"/>
                 </a:solidFill>
               </a:rPr>
-              <a:t>vous induire en erreur </a:t>
-            </a:r>
-            <a:r>
-              <a:rPr lang="fr-FR" dirty="0"/>
-              <a:t>/ </a:t>
-            </a:r>
-            <a:r>
-              <a:rPr lang="fr-FR" dirty="0">
-                <a:solidFill>
-                  <a:srgbClr val="00B050"/>
-                </a:solidFill>
-              </a:rPr>
-              <a:t>vous aider</a:t>
-            </a:r>
-            <a:r>
-              <a:rPr lang="fr-FR" dirty="0"/>
+              <a:t>aider</a:t>
+            </a:r>
+            <a:r>
+              <a:rPr lang="fr-FR" dirty="0" smtClean="0"/>
               <a:t>. </a:t>
             </a:r>
-          </a:p>
-          <a:p>
-            <a:pPr marL="0" indent="0">
-              <a:buNone/>
-            </a:pPr>
             <a:endParaRPr lang="fr-FR" dirty="0"/>
           </a:p>
           <a:p>
-            <a:pPr marL="0" indent="0">
+            <a:pPr marL="0" indent="0" algn="ctr">
               <a:buNone/>
             </a:pPr>
             <a:endParaRPr lang="fr-FR" dirty="0"/>
           </a:p>
           <a:p>
-            <a:pPr marL="0" indent="0">
+            <a:pPr marL="0" indent="0" algn="ctr">
               <a:buNone/>
             </a:pPr>
             <a:endParaRPr lang="fr-FR" dirty="0"/>
           </a:p>
           <a:p>
-            <a:pPr marL="0" indent="0">
+            <a:pPr marL="0" indent="0" algn="ctr">
+              <a:buNone/>
+            </a:pPr>
+            <a:endParaRPr lang="fr-FR" dirty="0"/>
+          </a:p>
+          <a:p>
+            <a:pPr marL="0" indent="0" algn="ctr">
               <a:buNone/>
             </a:pPr>
             <a:r>
@@ -5824,7 +6633,7 @@
         </p:blipFill>
         <p:spPr>
           <a:xfrm>
-            <a:off x="6470401" y="4877196"/>
+            <a:off x="5552447" y="4399147"/>
             <a:ext cx="1087105" cy="1080000"/>
           </a:xfrm>
           <a:prstGeom prst="rect">
@@ -5832,122 +6641,100 @@
           </a:prstGeom>
         </p:spPr>
       </p:pic>
-      <p:sp>
-        <p:nvSpPr>
-          <p:cNvPr id="7" name="Smiley Face 6">
+      <p:pic>
+        <p:nvPicPr>
+          <p:cNvPr id="2" name="Image 1"/>
+          <p:cNvPicPr>
+            <a:picLocks noChangeAspect="1"/>
+          </p:cNvPicPr>
+          <p:nvPr/>
+        </p:nvPicPr>
+        <p:blipFill>
+          <a:blip r:embed="rId3" cstate="print">
             <a:extLst>
-              <a:ext uri="{FF2B5EF4-FFF2-40B4-BE49-F238E27FC236}">
-                <a16:creationId xmlns:a16="http://schemas.microsoft.com/office/drawing/2014/main" id="{3EFDB199-3207-4958-9C82-CCAD43B16901}"/>
+              <a:ext uri="{28A0092B-C50C-407E-A947-70E740481C1C}">
+                <a14:useLocalDpi xmlns:a14="http://schemas.microsoft.com/office/drawing/2010/main" val="0"/>
               </a:ext>
             </a:extLst>
-          </p:cNvPr>
-          <p:cNvSpPr/>
+          </a:blip>
+          <a:stretch>
+            <a:fillRect/>
+          </a:stretch>
+        </p:blipFill>
+        <p:spPr>
+          <a:xfrm>
+            <a:off x="5555999" y="2307020"/>
+            <a:ext cx="1080000" cy="1080000"/>
+          </a:xfrm>
+          <a:prstGeom prst="rect">
+            <a:avLst/>
+          </a:prstGeom>
+        </p:spPr>
+      </p:pic>
+      <p:pic>
+        <p:nvPicPr>
+          <p:cNvPr id="6" name="Image 5"/>
+          <p:cNvPicPr>
+            <a:picLocks noChangeAspect="1"/>
+          </p:cNvPicPr>
           <p:nvPr/>
-        </p:nvSpPr>
-        <p:spPr>
-          <a:xfrm>
-            <a:off x="5211320" y="2668644"/>
-            <a:ext cx="1080000" cy="1259840"/>
-          </a:xfrm>
-          <a:prstGeom prst="smileyFace">
-            <a:avLst>
-              <a:gd name="adj" fmla="val -4653"/>
-            </a:avLst>
-          </a:prstGeom>
-          <a:solidFill>
-            <a:srgbClr val="FF0000"/>
-          </a:solidFill>
-          <a:ln w="57150">
-            <a:solidFill>
-              <a:schemeClr val="tx1"/>
-            </a:solidFill>
-          </a:ln>
-        </p:spPr>
-        <p:style>
-          <a:lnRef idx="2">
-            <a:schemeClr val="accent1">
-              <a:shade val="50000"/>
-            </a:schemeClr>
-          </a:lnRef>
-          <a:fillRef idx="1">
-            <a:schemeClr val="accent1"/>
-          </a:fillRef>
-          <a:effectRef idx="0">
-            <a:schemeClr val="accent1"/>
-          </a:effectRef>
-          <a:fontRef idx="minor">
-            <a:schemeClr val="lt1"/>
-          </a:fontRef>
-        </p:style>
-        <p:txBody>
-          <a:bodyPr rtlCol="0" anchor="ctr"/>
-          <a:lstStyle/>
-          <a:p>
-            <a:pPr algn="ctr"/>
-            <a:endParaRPr lang="en-GB"/>
-          </a:p>
-        </p:txBody>
-      </p:sp>
-      <p:sp>
-        <p:nvSpPr>
-          <p:cNvPr id="8" name="Smiley Face 7">
+        </p:nvPicPr>
+        <p:blipFill>
+          <a:blip r:embed="rId4" cstate="print">
             <a:extLst>
-              <a:ext uri="{FF2B5EF4-FFF2-40B4-BE49-F238E27FC236}">
-                <a16:creationId xmlns:a16="http://schemas.microsoft.com/office/drawing/2014/main" id="{BADC27D7-5A8B-4A61-9EA8-D0DE71669A85}"/>
+              <a:ext uri="{28A0092B-C50C-407E-A947-70E740481C1C}">
+                <a14:useLocalDpi xmlns:a14="http://schemas.microsoft.com/office/drawing/2010/main" val="0"/>
               </a:ext>
             </a:extLst>
-          </p:cNvPr>
-          <p:cNvSpPr/>
+          </a:blip>
+          <a:stretch>
+            <a:fillRect/>
+          </a:stretch>
+        </p:blipFill>
+        <p:spPr>
+          <a:xfrm>
+            <a:off x="5555999" y="2307020"/>
+            <a:ext cx="1080000" cy="1080000"/>
+          </a:xfrm>
+          <a:prstGeom prst="rect">
+            <a:avLst/>
+          </a:prstGeom>
+        </p:spPr>
+      </p:pic>
+      <p:pic>
+        <p:nvPicPr>
+          <p:cNvPr id="7" name="Image 6"/>
+          <p:cNvPicPr>
+            <a:picLocks noChangeAspect="1"/>
+          </p:cNvPicPr>
           <p:nvPr/>
-        </p:nvSpPr>
-        <p:spPr>
-          <a:xfrm>
-            <a:off x="6611383" y="2668644"/>
-            <a:ext cx="1080000" cy="1259840"/>
-          </a:xfrm>
-          <a:prstGeom prst="smileyFace">
-            <a:avLst>
-              <a:gd name="adj" fmla="val -4653"/>
-            </a:avLst>
+        </p:nvPicPr>
+        <p:blipFill>
+          <a:blip r:embed="rId5">
+            <a:extLst>
+              <a:ext uri="{28A0092B-C50C-407E-A947-70E740481C1C}">
+                <a14:useLocalDpi xmlns:a14="http://schemas.microsoft.com/office/drawing/2010/main" val="0"/>
+              </a:ext>
+            </a:extLst>
+          </a:blip>
+          <a:stretch>
+            <a:fillRect/>
+          </a:stretch>
+        </p:blipFill>
+        <p:spPr>
+          <a:xfrm>
+            <a:off x="5552447" y="4399147"/>
+            <a:ext cx="1080000" cy="1080000"/>
+          </a:xfrm>
+          <a:prstGeom prst="rect">
+            <a:avLst/>
           </a:prstGeom>
-          <a:solidFill>
-            <a:srgbClr val="00B050"/>
-          </a:solidFill>
-          <a:ln w="57150">
-            <a:solidFill>
-              <a:schemeClr val="tx1"/>
-            </a:solidFill>
-          </a:ln>
-        </p:spPr>
-        <p:style>
-          <a:lnRef idx="2">
-            <a:schemeClr val="accent1">
-              <a:shade val="50000"/>
-            </a:schemeClr>
-          </a:lnRef>
-          <a:fillRef idx="1">
-            <a:schemeClr val="accent1"/>
-          </a:fillRef>
-          <a:effectRef idx="0">
-            <a:schemeClr val="accent1"/>
-          </a:effectRef>
-          <a:fontRef idx="minor">
-            <a:schemeClr val="lt1"/>
-          </a:fontRef>
-        </p:style>
-        <p:txBody>
-          <a:bodyPr rtlCol="0" anchor="ctr"/>
-          <a:lstStyle/>
-          <a:p>
-            <a:pPr algn="ctr"/>
-            <a:endParaRPr lang="en-GB" dirty="0"/>
-          </a:p>
-        </p:txBody>
-      </p:sp>
+        </p:spPr>
+      </p:pic>
     </p:spTree>
     <p:extLst>
       <p:ext uri="{BB962C8B-B14F-4D97-AF65-F5344CB8AC3E}">
-        <p14:creationId xmlns:p14="http://schemas.microsoft.com/office/powerpoint/2010/main" val="1325705021"/>
+        <p14:creationId xmlns:p14="http://schemas.microsoft.com/office/powerpoint/2010/main" val="326752814"/>
       </p:ext>
     </p:extLst>
   </p:cSld>
@@ -5976,82 +6763,81 @@
       </p:grpSpPr>
       <p:sp>
         <p:nvSpPr>
-          <p:cNvPr id="2" name="Titre 1"/>
-          <p:cNvSpPr>
-            <a:spLocks noGrp="1"/>
-          </p:cNvSpPr>
-          <p:nvPr>
-            <p:ph type="title"/>
-          </p:nvPr>
-        </p:nvSpPr>
-        <p:spPr/>
-        <p:txBody>
-          <a:bodyPr/>
-          <a:lstStyle/>
-          <a:p>
+          <p:cNvPr id="3" name="Espace réservé du contenu 2"/>
+          <p:cNvSpPr>
+            <a:spLocks noGrp="1"/>
+          </p:cNvSpPr>
+          <p:nvPr>
+            <p:ph idx="1"/>
+          </p:nvPr>
+        </p:nvSpPr>
+        <p:spPr>
+          <a:xfrm>
+            <a:off x="3154044" y="1294893"/>
+            <a:ext cx="5883910" cy="3340138"/>
+          </a:xfrm>
+        </p:spPr>
+        <p:txBody>
+          <a:bodyPr>
+            <a:normAutofit/>
+          </a:bodyPr>
+          <a:lstStyle/>
+          <a:p>
+            <a:pPr marL="0" indent="0" algn="ctr">
+              <a:buNone/>
+            </a:pPr>
             <a:r>
               <a:rPr lang="fr-FR" dirty="0"/>
-              <a:t>Instructions pour le </a:t>
-            </a:r>
-            <a:r>
-              <a:rPr lang="fr-FR" i="1" dirty="0"/>
-              <a:t>jeu de discrimination</a:t>
+              <a:t>Pour les 15 essais suivants, les visages apeurés vont vous </a:t>
+            </a:r>
+            <a:r>
+              <a:rPr lang="fr-FR" dirty="0">
+                <a:solidFill>
+                  <a:srgbClr val="D03739"/>
+                </a:solidFill>
+              </a:rPr>
+              <a:t>induire en </a:t>
+            </a:r>
+            <a:r>
+              <a:rPr lang="fr-FR" dirty="0" smtClean="0">
+                <a:solidFill>
+                  <a:srgbClr val="D03739"/>
+                </a:solidFill>
+              </a:rPr>
+              <a:t>erreur</a:t>
+            </a:r>
+            <a:r>
+              <a:rPr lang="fr-FR" dirty="0" smtClean="0"/>
+              <a:t>. </a:t>
             </a:r>
             <a:endParaRPr lang="fr-FR" dirty="0"/>
           </a:p>
-        </p:txBody>
-      </p:sp>
-      <p:sp>
-        <p:nvSpPr>
-          <p:cNvPr id="5" name="Espace réservé du contenu 4"/>
-          <p:cNvSpPr>
-            <a:spLocks noGrp="1"/>
-          </p:cNvSpPr>
-          <p:nvPr>
-            <p:ph idx="1"/>
-          </p:nvPr>
-        </p:nvSpPr>
-        <p:spPr>
-          <a:xfrm>
-            <a:off x="838200" y="1825625"/>
-            <a:ext cx="10515600" cy="1798724"/>
-          </a:xfrm>
-        </p:spPr>
-        <p:txBody>
-          <a:bodyPr/>
-          <a:lstStyle/>
-          <a:p>
-            <a:pPr marL="0" indent="0" algn="just">
-              <a:buNone/>
-            </a:pPr>
-            <a:r>
-              <a:rPr lang="fr-FR" sz="2000" dirty="0"/>
-              <a:t>A chaque essai de ce jeu, nous allons vous présenter une séquence d’images de visages très rapide. Certains de ces visages ont été brouillés pour vous distraire.</a:t>
-            </a:r>
-          </a:p>
-          <a:p>
-            <a:pPr marL="0" indent="0" algn="just">
-              <a:buNone/>
-            </a:pPr>
-            <a:endParaRPr lang="fr-FR" sz="2000" dirty="0"/>
-          </a:p>
-          <a:p>
-            <a:pPr marL="0" indent="0" algn="just">
-              <a:buNone/>
-            </a:pPr>
-            <a:r>
-              <a:rPr lang="fr-FR" sz="2000" dirty="0"/>
-              <a:t>Le jeu consiste à reconnaître le genre (homme ou femme) des visages intacts, c’est-à-dire non brouillés. Exemple: </a:t>
-            </a:r>
-          </a:p>
-          <a:p>
-            <a:pPr marL="0" indent="0" algn="just">
-              <a:buNone/>
-            </a:pPr>
-            <a:endParaRPr lang="fr-FR" sz="2000" dirty="0"/>
-          </a:p>
-          <a:p>
+          <a:p>
+            <a:pPr marL="0" indent="0" algn="ctr">
+              <a:buNone/>
+            </a:pPr>
             <a:endParaRPr lang="fr-FR" dirty="0"/>
+          </a:p>
+          <a:p>
+            <a:pPr marL="0" indent="0" algn="ctr">
+              <a:buNone/>
+            </a:pPr>
+            <a:endParaRPr lang="fr-FR" dirty="0"/>
+          </a:p>
+          <a:p>
+            <a:pPr marL="0" indent="0" algn="ctr">
+              <a:buNone/>
+            </a:pPr>
+            <a:endParaRPr lang="fr-FR" dirty="0"/>
+          </a:p>
+          <a:p>
+            <a:pPr marL="0" indent="0" algn="ctr">
+              <a:buNone/>
+            </a:pPr>
+            <a:r>
+              <a:rPr lang="fr-FR" dirty="0"/>
+              <a:t>De plus, la somme en jeu est:</a:t>
+            </a:r>
           </a:p>
         </p:txBody>
       </p:sp>
@@ -6092,21 +6878,28 @@
       </p:sp>
       <p:pic>
         <p:nvPicPr>
-          <p:cNvPr id="6" name="Image 5"/>
+          <p:cNvPr id="5" name="Image 4"/>
           <p:cNvPicPr>
             <a:picLocks noChangeAspect="1"/>
           </p:cNvPicPr>
           <p:nvPr/>
         </p:nvPicPr>
-        <p:blipFill rotWithShape="1">
-          <a:blip r:embed="rId2"/>
-          <a:srcRect l="611" t="946" r="1475" b="-236"/>
-          <a:stretch/>
+        <p:blipFill>
+          <a:blip r:embed="rId2">
+            <a:extLst>
+              <a:ext uri="{28A0092B-C50C-407E-A947-70E740481C1C}">
+                <a14:useLocalDpi xmlns:a14="http://schemas.microsoft.com/office/drawing/2010/main" val="0"/>
+              </a:ext>
+            </a:extLst>
+          </a:blip>
+          <a:stretch>
+            <a:fillRect/>
+          </a:stretch>
         </p:blipFill>
         <p:spPr>
           <a:xfrm>
-            <a:off x="7365077" y="4330931"/>
-            <a:ext cx="1875349" cy="1800000"/>
+            <a:off x="5552447" y="4399147"/>
+            <a:ext cx="1087105" cy="1080000"/>
           </a:xfrm>
           <a:prstGeom prst="rect">
             <a:avLst/>
@@ -6115,453 +6908,38 @@
       </p:pic>
       <p:pic>
         <p:nvPicPr>
-          <p:cNvPr id="7" name="Image 6"/>
+          <p:cNvPr id="2" name="Image 1"/>
           <p:cNvPicPr>
             <a:picLocks noChangeAspect="1"/>
           </p:cNvPicPr>
           <p:nvPr/>
         </p:nvPicPr>
-        <p:blipFill rotWithShape="1">
-          <a:blip r:embed="rId3"/>
-          <a:srcRect l="1016" t="484" r="1078" b="1149"/>
-          <a:stretch/>
+        <p:blipFill>
+          <a:blip r:embed="rId3" cstate="print">
+            <a:extLst>
+              <a:ext uri="{28A0092B-C50C-407E-A947-70E740481C1C}">
+                <a14:useLocalDpi xmlns:a14="http://schemas.microsoft.com/office/drawing/2010/main" val="0"/>
+              </a:ext>
+            </a:extLst>
+          </a:blip>
+          <a:stretch>
+            <a:fillRect/>
+          </a:stretch>
         </p:blipFill>
         <p:spPr>
           <a:xfrm>
-            <a:off x="3050772" y="4322618"/>
-            <a:ext cx="1791548" cy="1800000"/>
+            <a:off x="5555999" y="2307020"/>
+            <a:ext cx="1080000" cy="1080000"/>
           </a:xfrm>
           <a:prstGeom prst="rect">
             <a:avLst/>
           </a:prstGeom>
         </p:spPr>
       </p:pic>
-      <p:sp>
-        <p:nvSpPr>
-          <p:cNvPr id="8" name="Espace réservé du contenu 4"/>
-          <p:cNvSpPr txBox="1">
-            <a:spLocks/>
-          </p:cNvSpPr>
-          <p:nvPr/>
-        </p:nvSpPr>
-        <p:spPr>
-          <a:xfrm>
-            <a:off x="3081129" y="3768461"/>
-            <a:ext cx="1702724" cy="401348"/>
-          </a:xfrm>
-          <a:prstGeom prst="rect">
-            <a:avLst/>
-          </a:prstGeom>
-        </p:spPr>
-        <p:txBody>
-          <a:bodyPr vert="horz" lIns="91440" tIns="45720" rIns="91440" bIns="45720" rtlCol="0">
-            <a:normAutofit/>
-          </a:bodyPr>
-          <a:lstStyle>
-            <a:lvl1pPr marL="228600" indent="-228600" algn="l" defTabSz="914400" rtl="0" eaLnBrk="1" latinLnBrk="0" hangingPunct="1">
-              <a:lnSpc>
-                <a:spcPct val="90000"/>
-              </a:lnSpc>
-              <a:spcBef>
-                <a:spcPts val="1000"/>
-              </a:spcBef>
-              <a:buFont typeface="Arial" panose="020B0604020202020204" pitchFamily="34" charset="0"/>
-              <a:buChar char="•"/>
-              <a:defRPr sz="2800" kern="1200">
-                <a:solidFill>
-                  <a:schemeClr val="tx1"/>
-                </a:solidFill>
-                <a:latin typeface="+mn-lt"/>
-                <a:ea typeface="+mn-ea"/>
-                <a:cs typeface="+mn-cs"/>
-              </a:defRPr>
-            </a:lvl1pPr>
-            <a:lvl2pPr marL="685800" indent="-228600" algn="l" defTabSz="914400" rtl="0" eaLnBrk="1" latinLnBrk="0" hangingPunct="1">
-              <a:lnSpc>
-                <a:spcPct val="90000"/>
-              </a:lnSpc>
-              <a:spcBef>
-                <a:spcPts val="500"/>
-              </a:spcBef>
-              <a:buFont typeface="Arial" panose="020B0604020202020204" pitchFamily="34" charset="0"/>
-              <a:buChar char="•"/>
-              <a:defRPr sz="2400" kern="1200">
-                <a:solidFill>
-                  <a:schemeClr val="tx1"/>
-                </a:solidFill>
-                <a:latin typeface="+mn-lt"/>
-                <a:ea typeface="+mn-ea"/>
-                <a:cs typeface="+mn-cs"/>
-              </a:defRPr>
-            </a:lvl2pPr>
-            <a:lvl3pPr marL="1143000" indent="-228600" algn="l" defTabSz="914400" rtl="0" eaLnBrk="1" latinLnBrk="0" hangingPunct="1">
-              <a:lnSpc>
-                <a:spcPct val="90000"/>
-              </a:lnSpc>
-              <a:spcBef>
-                <a:spcPts val="500"/>
-              </a:spcBef>
-              <a:buFont typeface="Arial" panose="020B0604020202020204" pitchFamily="34" charset="0"/>
-              <a:buChar char="•"/>
-              <a:defRPr sz="2000" kern="1200">
-                <a:solidFill>
-                  <a:schemeClr val="tx1"/>
-                </a:solidFill>
-                <a:latin typeface="+mn-lt"/>
-                <a:ea typeface="+mn-ea"/>
-                <a:cs typeface="+mn-cs"/>
-              </a:defRPr>
-            </a:lvl3pPr>
-            <a:lvl4pPr marL="1600200" indent="-228600" algn="l" defTabSz="914400" rtl="0" eaLnBrk="1" latinLnBrk="0" hangingPunct="1">
-              <a:lnSpc>
-                <a:spcPct val="90000"/>
-              </a:lnSpc>
-              <a:spcBef>
-                <a:spcPts val="500"/>
-              </a:spcBef>
-              <a:buFont typeface="Arial" panose="020B0604020202020204" pitchFamily="34" charset="0"/>
-              <a:buChar char="•"/>
-              <a:defRPr sz="1800" kern="1200">
-                <a:solidFill>
-                  <a:schemeClr val="tx1"/>
-                </a:solidFill>
-                <a:latin typeface="+mn-lt"/>
-                <a:ea typeface="+mn-ea"/>
-                <a:cs typeface="+mn-cs"/>
-              </a:defRPr>
-            </a:lvl4pPr>
-            <a:lvl5pPr marL="2057400" indent="-228600" algn="l" defTabSz="914400" rtl="0" eaLnBrk="1" latinLnBrk="0" hangingPunct="1">
-              <a:lnSpc>
-                <a:spcPct val="90000"/>
-              </a:lnSpc>
-              <a:spcBef>
-                <a:spcPts val="500"/>
-              </a:spcBef>
-              <a:buFont typeface="Arial" panose="020B0604020202020204" pitchFamily="34" charset="0"/>
-              <a:buChar char="•"/>
-              <a:defRPr sz="1800" kern="1200">
-                <a:solidFill>
-                  <a:schemeClr val="tx1"/>
-                </a:solidFill>
-                <a:latin typeface="+mn-lt"/>
-                <a:ea typeface="+mn-ea"/>
-                <a:cs typeface="+mn-cs"/>
-              </a:defRPr>
-            </a:lvl5pPr>
-            <a:lvl6pPr marL="2514600" indent="-228600" algn="l" defTabSz="914400" rtl="0" eaLnBrk="1" latinLnBrk="0" hangingPunct="1">
-              <a:lnSpc>
-                <a:spcPct val="90000"/>
-              </a:lnSpc>
-              <a:spcBef>
-                <a:spcPts val="500"/>
-              </a:spcBef>
-              <a:buFont typeface="Arial" panose="020B0604020202020204" pitchFamily="34" charset="0"/>
-              <a:buChar char="•"/>
-              <a:defRPr sz="1800" kern="1200">
-                <a:solidFill>
-                  <a:schemeClr val="tx1"/>
-                </a:solidFill>
-                <a:latin typeface="+mn-lt"/>
-                <a:ea typeface="+mn-ea"/>
-                <a:cs typeface="+mn-cs"/>
-              </a:defRPr>
-            </a:lvl6pPr>
-            <a:lvl7pPr marL="2971800" indent="-228600" algn="l" defTabSz="914400" rtl="0" eaLnBrk="1" latinLnBrk="0" hangingPunct="1">
-              <a:lnSpc>
-                <a:spcPct val="90000"/>
-              </a:lnSpc>
-              <a:spcBef>
-                <a:spcPts val="500"/>
-              </a:spcBef>
-              <a:buFont typeface="Arial" panose="020B0604020202020204" pitchFamily="34" charset="0"/>
-              <a:buChar char="•"/>
-              <a:defRPr sz="1800" kern="1200">
-                <a:solidFill>
-                  <a:schemeClr val="tx1"/>
-                </a:solidFill>
-                <a:latin typeface="+mn-lt"/>
-                <a:ea typeface="+mn-ea"/>
-                <a:cs typeface="+mn-cs"/>
-              </a:defRPr>
-            </a:lvl7pPr>
-            <a:lvl8pPr marL="3429000" indent="-228600" algn="l" defTabSz="914400" rtl="0" eaLnBrk="1" latinLnBrk="0" hangingPunct="1">
-              <a:lnSpc>
-                <a:spcPct val="90000"/>
-              </a:lnSpc>
-              <a:spcBef>
-                <a:spcPts val="500"/>
-              </a:spcBef>
-              <a:buFont typeface="Arial" panose="020B0604020202020204" pitchFamily="34" charset="0"/>
-              <a:buChar char="•"/>
-              <a:defRPr sz="1800" kern="1200">
-                <a:solidFill>
-                  <a:schemeClr val="tx1"/>
-                </a:solidFill>
-                <a:latin typeface="+mn-lt"/>
-                <a:ea typeface="+mn-ea"/>
-                <a:cs typeface="+mn-cs"/>
-              </a:defRPr>
-            </a:lvl8pPr>
-            <a:lvl9pPr marL="3886200" indent="-228600" algn="l" defTabSz="914400" rtl="0" eaLnBrk="1" latinLnBrk="0" hangingPunct="1">
-              <a:lnSpc>
-                <a:spcPct val="90000"/>
-              </a:lnSpc>
-              <a:spcBef>
-                <a:spcPts val="500"/>
-              </a:spcBef>
-              <a:buFont typeface="Arial" panose="020B0604020202020204" pitchFamily="34" charset="0"/>
-              <a:buChar char="•"/>
-              <a:defRPr sz="1800" kern="1200">
-                <a:solidFill>
-                  <a:schemeClr val="tx1"/>
-                </a:solidFill>
-                <a:latin typeface="+mn-lt"/>
-                <a:ea typeface="+mn-ea"/>
-                <a:cs typeface="+mn-cs"/>
-              </a:defRPr>
-            </a:lvl9pPr>
-          </a:lstStyle>
-          <a:p>
-            <a:pPr marL="0" indent="0" algn="just">
-              <a:buNone/>
-            </a:pPr>
-            <a:r>
-              <a:rPr lang="fr-FR" sz="2000" dirty="0"/>
-              <a:t>Visage brouillé</a:t>
-            </a:r>
-          </a:p>
-          <a:p>
-            <a:pPr marL="0" indent="0" algn="just">
-              <a:buNone/>
-            </a:pPr>
-            <a:endParaRPr lang="fr-FR" sz="2000" dirty="0"/>
-          </a:p>
-          <a:p>
-            <a:pPr marL="0" indent="0" algn="just">
-              <a:buNone/>
-            </a:pPr>
-            <a:endParaRPr lang="fr-FR" sz="2000" dirty="0"/>
-          </a:p>
-          <a:p>
-            <a:endParaRPr lang="fr-FR" dirty="0"/>
-          </a:p>
-        </p:txBody>
-      </p:sp>
-      <p:sp>
-        <p:nvSpPr>
-          <p:cNvPr id="9" name="Espace réservé du contenu 4"/>
-          <p:cNvSpPr txBox="1">
-            <a:spLocks/>
-          </p:cNvSpPr>
-          <p:nvPr/>
-        </p:nvSpPr>
-        <p:spPr>
-          <a:xfrm>
-            <a:off x="7452934" y="3768461"/>
-            <a:ext cx="1702724" cy="401348"/>
-          </a:xfrm>
-          <a:prstGeom prst="rect">
-            <a:avLst/>
-          </a:prstGeom>
-        </p:spPr>
-        <p:txBody>
-          <a:bodyPr vert="horz" lIns="91440" tIns="45720" rIns="91440" bIns="45720" rtlCol="0">
-            <a:normAutofit/>
-          </a:bodyPr>
-          <a:lstStyle>
-            <a:lvl1pPr marL="228600" indent="-228600" algn="l" defTabSz="914400" rtl="0" eaLnBrk="1" latinLnBrk="0" hangingPunct="1">
-              <a:lnSpc>
-                <a:spcPct val="90000"/>
-              </a:lnSpc>
-              <a:spcBef>
-                <a:spcPts val="1000"/>
-              </a:spcBef>
-              <a:buFont typeface="Arial" panose="020B0604020202020204" pitchFamily="34" charset="0"/>
-              <a:buChar char="•"/>
-              <a:defRPr sz="2800" kern="1200">
-                <a:solidFill>
-                  <a:schemeClr val="tx1"/>
-                </a:solidFill>
-                <a:latin typeface="+mn-lt"/>
-                <a:ea typeface="+mn-ea"/>
-                <a:cs typeface="+mn-cs"/>
-              </a:defRPr>
-            </a:lvl1pPr>
-            <a:lvl2pPr marL="685800" indent="-228600" algn="l" defTabSz="914400" rtl="0" eaLnBrk="1" latinLnBrk="0" hangingPunct="1">
-              <a:lnSpc>
-                <a:spcPct val="90000"/>
-              </a:lnSpc>
-              <a:spcBef>
-                <a:spcPts val="500"/>
-              </a:spcBef>
-              <a:buFont typeface="Arial" panose="020B0604020202020204" pitchFamily="34" charset="0"/>
-              <a:buChar char="•"/>
-              <a:defRPr sz="2400" kern="1200">
-                <a:solidFill>
-                  <a:schemeClr val="tx1"/>
-                </a:solidFill>
-                <a:latin typeface="+mn-lt"/>
-                <a:ea typeface="+mn-ea"/>
-                <a:cs typeface="+mn-cs"/>
-              </a:defRPr>
-            </a:lvl2pPr>
-            <a:lvl3pPr marL="1143000" indent="-228600" algn="l" defTabSz="914400" rtl="0" eaLnBrk="1" latinLnBrk="0" hangingPunct="1">
-              <a:lnSpc>
-                <a:spcPct val="90000"/>
-              </a:lnSpc>
-              <a:spcBef>
-                <a:spcPts val="500"/>
-              </a:spcBef>
-              <a:buFont typeface="Arial" panose="020B0604020202020204" pitchFamily="34" charset="0"/>
-              <a:buChar char="•"/>
-              <a:defRPr sz="2000" kern="1200">
-                <a:solidFill>
-                  <a:schemeClr val="tx1"/>
-                </a:solidFill>
-                <a:latin typeface="+mn-lt"/>
-                <a:ea typeface="+mn-ea"/>
-                <a:cs typeface="+mn-cs"/>
-              </a:defRPr>
-            </a:lvl3pPr>
-            <a:lvl4pPr marL="1600200" indent="-228600" algn="l" defTabSz="914400" rtl="0" eaLnBrk="1" latinLnBrk="0" hangingPunct="1">
-              <a:lnSpc>
-                <a:spcPct val="90000"/>
-              </a:lnSpc>
-              <a:spcBef>
-                <a:spcPts val="500"/>
-              </a:spcBef>
-              <a:buFont typeface="Arial" panose="020B0604020202020204" pitchFamily="34" charset="0"/>
-              <a:buChar char="•"/>
-              <a:defRPr sz="1800" kern="1200">
-                <a:solidFill>
-                  <a:schemeClr val="tx1"/>
-                </a:solidFill>
-                <a:latin typeface="+mn-lt"/>
-                <a:ea typeface="+mn-ea"/>
-                <a:cs typeface="+mn-cs"/>
-              </a:defRPr>
-            </a:lvl4pPr>
-            <a:lvl5pPr marL="2057400" indent="-228600" algn="l" defTabSz="914400" rtl="0" eaLnBrk="1" latinLnBrk="0" hangingPunct="1">
-              <a:lnSpc>
-                <a:spcPct val="90000"/>
-              </a:lnSpc>
-              <a:spcBef>
-                <a:spcPts val="500"/>
-              </a:spcBef>
-              <a:buFont typeface="Arial" panose="020B0604020202020204" pitchFamily="34" charset="0"/>
-              <a:buChar char="•"/>
-              <a:defRPr sz="1800" kern="1200">
-                <a:solidFill>
-                  <a:schemeClr val="tx1"/>
-                </a:solidFill>
-                <a:latin typeface="+mn-lt"/>
-                <a:ea typeface="+mn-ea"/>
-                <a:cs typeface="+mn-cs"/>
-              </a:defRPr>
-            </a:lvl5pPr>
-            <a:lvl6pPr marL="2514600" indent="-228600" algn="l" defTabSz="914400" rtl="0" eaLnBrk="1" latinLnBrk="0" hangingPunct="1">
-              <a:lnSpc>
-                <a:spcPct val="90000"/>
-              </a:lnSpc>
-              <a:spcBef>
-                <a:spcPts val="500"/>
-              </a:spcBef>
-              <a:buFont typeface="Arial" panose="020B0604020202020204" pitchFamily="34" charset="0"/>
-              <a:buChar char="•"/>
-              <a:defRPr sz="1800" kern="1200">
-                <a:solidFill>
-                  <a:schemeClr val="tx1"/>
-                </a:solidFill>
-                <a:latin typeface="+mn-lt"/>
-                <a:ea typeface="+mn-ea"/>
-                <a:cs typeface="+mn-cs"/>
-              </a:defRPr>
-            </a:lvl6pPr>
-            <a:lvl7pPr marL="2971800" indent="-228600" algn="l" defTabSz="914400" rtl="0" eaLnBrk="1" latinLnBrk="0" hangingPunct="1">
-              <a:lnSpc>
-                <a:spcPct val="90000"/>
-              </a:lnSpc>
-              <a:spcBef>
-                <a:spcPts val="500"/>
-              </a:spcBef>
-              <a:buFont typeface="Arial" panose="020B0604020202020204" pitchFamily="34" charset="0"/>
-              <a:buChar char="•"/>
-              <a:defRPr sz="1800" kern="1200">
-                <a:solidFill>
-                  <a:schemeClr val="tx1"/>
-                </a:solidFill>
-                <a:latin typeface="+mn-lt"/>
-                <a:ea typeface="+mn-ea"/>
-                <a:cs typeface="+mn-cs"/>
-              </a:defRPr>
-            </a:lvl7pPr>
-            <a:lvl8pPr marL="3429000" indent="-228600" algn="l" defTabSz="914400" rtl="0" eaLnBrk="1" latinLnBrk="0" hangingPunct="1">
-              <a:lnSpc>
-                <a:spcPct val="90000"/>
-              </a:lnSpc>
-              <a:spcBef>
-                <a:spcPts val="500"/>
-              </a:spcBef>
-              <a:buFont typeface="Arial" panose="020B0604020202020204" pitchFamily="34" charset="0"/>
-              <a:buChar char="•"/>
-              <a:defRPr sz="1800" kern="1200">
-                <a:solidFill>
-                  <a:schemeClr val="tx1"/>
-                </a:solidFill>
-                <a:latin typeface="+mn-lt"/>
-                <a:ea typeface="+mn-ea"/>
-                <a:cs typeface="+mn-cs"/>
-              </a:defRPr>
-            </a:lvl8pPr>
-            <a:lvl9pPr marL="3886200" indent="-228600" algn="l" defTabSz="914400" rtl="0" eaLnBrk="1" latinLnBrk="0" hangingPunct="1">
-              <a:lnSpc>
-                <a:spcPct val="90000"/>
-              </a:lnSpc>
-              <a:spcBef>
-                <a:spcPts val="500"/>
-              </a:spcBef>
-              <a:buFont typeface="Arial" panose="020B0604020202020204" pitchFamily="34" charset="0"/>
-              <a:buChar char="•"/>
-              <a:defRPr sz="1800" kern="1200">
-                <a:solidFill>
-                  <a:schemeClr val="tx1"/>
-                </a:solidFill>
-                <a:latin typeface="+mn-lt"/>
-                <a:ea typeface="+mn-ea"/>
-                <a:cs typeface="+mn-cs"/>
-              </a:defRPr>
-            </a:lvl9pPr>
-          </a:lstStyle>
-          <a:p>
-            <a:pPr marL="0" indent="0" algn="just">
-              <a:buNone/>
-            </a:pPr>
-            <a:r>
-              <a:rPr lang="fr-FR" sz="2000" dirty="0"/>
-              <a:t>Visage intact </a:t>
-            </a:r>
-          </a:p>
-          <a:p>
-            <a:pPr marL="0" indent="0" algn="just">
-              <a:buNone/>
-            </a:pPr>
-            <a:endParaRPr lang="fr-FR" sz="2000" dirty="0"/>
-          </a:p>
-          <a:p>
-            <a:pPr marL="0" indent="0" algn="just">
-              <a:buNone/>
-            </a:pPr>
-            <a:endParaRPr lang="fr-FR" sz="2000" dirty="0"/>
-          </a:p>
-          <a:p>
-            <a:endParaRPr lang="fr-FR" dirty="0"/>
-          </a:p>
-        </p:txBody>
-      </p:sp>
     </p:spTree>
     <p:extLst>
       <p:ext uri="{BB962C8B-B14F-4D97-AF65-F5344CB8AC3E}">
-        <p14:creationId xmlns:p14="http://schemas.microsoft.com/office/powerpoint/2010/main" val="1227432227"/>
+        <p14:creationId xmlns:p14="http://schemas.microsoft.com/office/powerpoint/2010/main" val="2325898629"/>
       </p:ext>
     </p:extLst>
   </p:cSld>
@@ -6590,91 +6968,73 @@
       </p:grpSpPr>
       <p:sp>
         <p:nvSpPr>
-          <p:cNvPr id="2" name="Titre 1"/>
-          <p:cNvSpPr>
-            <a:spLocks noGrp="1"/>
-          </p:cNvSpPr>
-          <p:nvPr>
-            <p:ph type="title"/>
-          </p:nvPr>
-        </p:nvSpPr>
-        <p:spPr/>
-        <p:txBody>
-          <a:bodyPr/>
-          <a:lstStyle/>
-          <a:p>
+          <p:cNvPr id="3" name="Espace réservé du contenu 2"/>
+          <p:cNvSpPr>
+            <a:spLocks noGrp="1"/>
+          </p:cNvSpPr>
+          <p:nvPr>
+            <p:ph idx="1"/>
+          </p:nvPr>
+        </p:nvSpPr>
+        <p:spPr>
+          <a:xfrm>
+            <a:off x="3154044" y="1294893"/>
+            <a:ext cx="5883910" cy="3340138"/>
+          </a:xfrm>
+        </p:spPr>
+        <p:txBody>
+          <a:bodyPr>
+            <a:normAutofit/>
+          </a:bodyPr>
+          <a:lstStyle/>
+          <a:p>
+            <a:pPr marL="0" indent="0" algn="ctr">
+              <a:buNone/>
+            </a:pPr>
             <a:r>
               <a:rPr lang="fr-FR" dirty="0"/>
-              <a:t>Instructions pour le </a:t>
-            </a:r>
-            <a:r>
-              <a:rPr lang="fr-FR" i="1" dirty="0"/>
-              <a:t>jeu de discrimination</a:t>
+              <a:t>Pour les 15 essais suivants, les visages apeurés vont vous </a:t>
+            </a:r>
+            <a:r>
+              <a:rPr lang="fr-FR" dirty="0" smtClean="0">
+                <a:solidFill>
+                  <a:srgbClr val="38BA40"/>
+                </a:solidFill>
+              </a:rPr>
+              <a:t>aider</a:t>
+            </a:r>
+            <a:r>
+              <a:rPr lang="fr-FR" dirty="0" smtClean="0"/>
+              <a:t>. </a:t>
             </a:r>
             <a:endParaRPr lang="fr-FR" dirty="0"/>
           </a:p>
-        </p:txBody>
-      </p:sp>
-      <p:sp>
-        <p:nvSpPr>
-          <p:cNvPr id="5" name="Espace réservé du contenu 4"/>
-          <p:cNvSpPr>
-            <a:spLocks noGrp="1"/>
-          </p:cNvSpPr>
-          <p:nvPr>
-            <p:ph idx="1"/>
-          </p:nvPr>
-        </p:nvSpPr>
-        <p:spPr/>
-        <p:txBody>
-          <a:bodyPr>
-            <a:normAutofit lnSpcReduction="10000"/>
-          </a:bodyPr>
-          <a:lstStyle/>
-          <a:p>
-            <a:pPr marL="0" indent="0" algn="just">
-              <a:buNone/>
-            </a:pPr>
-            <a:endParaRPr lang="fr-FR" sz="2000" dirty="0"/>
-          </a:p>
-          <a:p>
-            <a:pPr marL="0" indent="0" algn="just">
-              <a:buNone/>
-            </a:pPr>
-            <a:r>
-              <a:rPr lang="fr-FR" sz="2000" dirty="0"/>
-              <a:t>Dans certains essais, nous vous demanderons si vous avez vu "au moins un homme" ; dans les autres, nous vous demanderons si vous avez vu "au moins une femme". </a:t>
-            </a:r>
-          </a:p>
-          <a:p>
-            <a:pPr marL="0" indent="0" algn="just">
-              <a:buNone/>
-            </a:pPr>
-            <a:r>
-              <a:rPr lang="fr-FR" sz="2000" dirty="0"/>
-              <a:t>Répondez par « Oui » ou par « Non » aussi rapidement que possible, en appuyant sur les touches [O] ou [N] du clavier. Vous ne pourrez pas modifier votre réponse!</a:t>
-            </a:r>
-          </a:p>
-          <a:p>
-            <a:pPr marL="0" indent="0">
+          <a:p>
+            <a:pPr marL="0" indent="0" algn="ctr">
               <a:buNone/>
             </a:pPr>
             <a:endParaRPr lang="fr-FR" dirty="0"/>
           </a:p>
           <a:p>
-            <a:pPr marL="0" indent="0">
+            <a:pPr marL="0" indent="0" algn="ctr">
+              <a:buNone/>
+            </a:pPr>
+            <a:endParaRPr lang="fr-FR" dirty="0"/>
+          </a:p>
+          <a:p>
+            <a:pPr marL="0" indent="0" algn="ctr">
+              <a:buNone/>
+            </a:pPr>
+            <a:endParaRPr lang="fr-FR" dirty="0"/>
+          </a:p>
+          <a:p>
+            <a:pPr marL="0" indent="0" algn="ctr">
               <a:buNone/>
             </a:pPr>
             <a:r>
               <a:rPr lang="fr-FR" dirty="0"/>
-              <a:t>Attention: certains visages auront une expression apeurée et d’autres auront une expression faciale neutre. Les visages apeurés vont attirer votre attention. Dans certains essais, cela vous aidera a trouver la bonne réponse. Dans d’autres, cela vous induira en erreur. Nous vous indiquerons systématiquement si les visages apeurés vont vous aider ou vous induire en erreur.</a:t>
-            </a:r>
-          </a:p>
-          <a:p>
-            <a:pPr marL="0" indent="0">
-              <a:buNone/>
-            </a:pPr>
-            <a:endParaRPr lang="fr-FR" dirty="0"/>
+              <a:t>De plus, la somme en jeu est:</a:t>
+            </a:r>
           </a:p>
         </p:txBody>
       </p:sp>
@@ -6713,10 +7073,100 @@
           </a:p>
         </p:txBody>
       </p:sp>
+      <p:pic>
+        <p:nvPicPr>
+          <p:cNvPr id="5" name="Image 4"/>
+          <p:cNvPicPr>
+            <a:picLocks noChangeAspect="1"/>
+          </p:cNvPicPr>
+          <p:nvPr/>
+        </p:nvPicPr>
+        <p:blipFill>
+          <a:blip r:embed="rId2">
+            <a:extLst>
+              <a:ext uri="{28A0092B-C50C-407E-A947-70E740481C1C}">
+                <a14:useLocalDpi xmlns:a14="http://schemas.microsoft.com/office/drawing/2010/main" val="0"/>
+              </a:ext>
+            </a:extLst>
+          </a:blip>
+          <a:stretch>
+            <a:fillRect/>
+          </a:stretch>
+        </p:blipFill>
+        <p:spPr>
+          <a:xfrm>
+            <a:off x="5552447" y="4399147"/>
+            <a:ext cx="1087105" cy="1080000"/>
+          </a:xfrm>
+          <a:prstGeom prst="rect">
+            <a:avLst/>
+          </a:prstGeom>
+        </p:spPr>
+      </p:pic>
+      <p:pic>
+        <p:nvPicPr>
+          <p:cNvPr id="2" name="Image 1"/>
+          <p:cNvPicPr>
+            <a:picLocks noChangeAspect="1"/>
+          </p:cNvPicPr>
+          <p:nvPr/>
+        </p:nvPicPr>
+        <p:blipFill>
+          <a:blip r:embed="rId3" cstate="print">
+            <a:extLst>
+              <a:ext uri="{28A0092B-C50C-407E-A947-70E740481C1C}">
+                <a14:useLocalDpi xmlns:a14="http://schemas.microsoft.com/office/drawing/2010/main" val="0"/>
+              </a:ext>
+            </a:extLst>
+          </a:blip>
+          <a:stretch>
+            <a:fillRect/>
+          </a:stretch>
+        </p:blipFill>
+        <p:spPr>
+          <a:xfrm>
+            <a:off x="5555999" y="2307020"/>
+            <a:ext cx="1080000" cy="1080000"/>
+          </a:xfrm>
+          <a:prstGeom prst="rect">
+            <a:avLst/>
+          </a:prstGeom>
+        </p:spPr>
+      </p:pic>
+      <p:pic>
+        <p:nvPicPr>
+          <p:cNvPr id="6" name="Image 5"/>
+          <p:cNvPicPr>
+            <a:picLocks noChangeAspect="1"/>
+          </p:cNvPicPr>
+          <p:nvPr/>
+        </p:nvPicPr>
+        <p:blipFill>
+          <a:blip r:embed="rId4" cstate="print">
+            <a:extLst>
+              <a:ext uri="{28A0092B-C50C-407E-A947-70E740481C1C}">
+                <a14:useLocalDpi xmlns:a14="http://schemas.microsoft.com/office/drawing/2010/main" val="0"/>
+              </a:ext>
+            </a:extLst>
+          </a:blip>
+          <a:stretch>
+            <a:fillRect/>
+          </a:stretch>
+        </p:blipFill>
+        <p:spPr>
+          <a:xfrm>
+            <a:off x="5555999" y="2307020"/>
+            <a:ext cx="1080000" cy="1080000"/>
+          </a:xfrm>
+          <a:prstGeom prst="rect">
+            <a:avLst/>
+          </a:prstGeom>
+        </p:spPr>
+      </p:pic>
     </p:spTree>
     <p:extLst>
       <p:ext uri="{BB962C8B-B14F-4D97-AF65-F5344CB8AC3E}">
-        <p14:creationId xmlns:p14="http://schemas.microsoft.com/office/powerpoint/2010/main" val="1662341803"/>
+        <p14:creationId xmlns:p14="http://schemas.microsoft.com/office/powerpoint/2010/main" val="154242453"/>
       </p:ext>
     </p:extLst>
   </p:cSld>
@@ -6760,11 +7210,15 @@
           <a:p>
             <a:r>
               <a:rPr lang="fr-FR" dirty="0"/>
-              <a:t>Entrainement pour le </a:t>
+              <a:t>Instructions pour le </a:t>
             </a:r>
             <a:r>
               <a:rPr lang="fr-FR" i="1" dirty="0"/>
-              <a:t>jeu de discrimination</a:t>
+              <a:t>jeu de </a:t>
+            </a:r>
+            <a:r>
+              <a:rPr lang="fr-FR" i="1" dirty="0" smtClean="0"/>
+              <a:t>détection</a:t>
             </a:r>
             <a:endParaRPr lang="fr-FR" dirty="0"/>
           </a:p>
@@ -6783,71 +7237,41 @@
         <p:spPr>
           <a:xfrm>
             <a:off x="838200" y="1825625"/>
-            <a:ext cx="10608425" cy="4351338"/>
+            <a:ext cx="10515600" cy="1798724"/>
           </a:xfrm>
         </p:spPr>
         <p:txBody>
           <a:bodyPr/>
           <a:lstStyle/>
           <a:p>
-            <a:pPr marL="0" indent="0">
+            <a:pPr marL="0" indent="0" algn="just">
+              <a:buNone/>
+            </a:pPr>
+            <a:r>
+              <a:rPr lang="fr-FR" sz="2000" dirty="0"/>
+              <a:t>A chaque essai de ce jeu, nous allons vous présenter une séquence d’images de visages très rapide. Certains de ces visages ont été brouillés pour vous distraire.</a:t>
+            </a:r>
+          </a:p>
+          <a:p>
+            <a:pPr marL="0" indent="0" algn="just">
               <a:buNone/>
             </a:pPr>
             <a:endParaRPr lang="fr-FR" sz="2000" dirty="0"/>
           </a:p>
           <a:p>
-            <a:pPr marL="0" indent="0">
+            <a:pPr marL="0" indent="0" algn="just">
+              <a:buNone/>
+            </a:pPr>
+            <a:r>
+              <a:rPr lang="fr-FR" sz="2000" dirty="0"/>
+              <a:t>Le jeu consiste à reconnaître le genre (homme ou femme) des visages intacts, c’est-à-dire non brouillés. Exemple: </a:t>
+            </a:r>
+          </a:p>
+          <a:p>
+            <a:pPr marL="0" indent="0" algn="just">
               <a:buNone/>
             </a:pPr>
             <a:endParaRPr lang="fr-FR" sz="2000" dirty="0"/>
-          </a:p>
-          <a:p>
-            <a:pPr marL="0" indent="0">
-              <a:buNone/>
-            </a:pPr>
-            <a:r>
-              <a:rPr lang="fr-FR" sz="2000" dirty="0"/>
-              <a:t>Vous allez maintenant avoir plusieurs essais d’entrainement. </a:t>
-            </a:r>
-          </a:p>
-          <a:p>
-            <a:pPr marL="0" indent="0">
-              <a:buNone/>
-            </a:pPr>
-            <a:endParaRPr lang="fr-FR" sz="2000" dirty="0"/>
-          </a:p>
-          <a:p>
-            <a:pPr marL="0" indent="0">
-              <a:buNone/>
-            </a:pPr>
-            <a:endParaRPr lang="fr-FR" sz="2000" dirty="0"/>
-          </a:p>
-          <a:p>
-            <a:pPr marL="0" indent="0">
-              <a:buNone/>
-            </a:pPr>
-            <a:r>
-              <a:rPr lang="fr-FR" sz="2000" dirty="0"/>
-              <a:t>Votre performance dans cette phase ne sera pas prise en compte pour votre bonus financier.</a:t>
-            </a:r>
-          </a:p>
-          <a:p>
-            <a:endParaRPr lang="fr-FR" sz="2000" dirty="0"/>
-          </a:p>
-          <a:p>
-            <a:pPr marL="0" indent="0">
-              <a:buNone/>
-            </a:pPr>
-            <a:endParaRPr lang="fr-FR" sz="2000" dirty="0"/>
-          </a:p>
-          <a:p>
-            <a:pPr marL="0" indent="0">
-              <a:buNone/>
-            </a:pPr>
-            <a:r>
-              <a:rPr lang="fr-FR" sz="2000" dirty="0"/>
-              <a:t>Rappelez-vous d’utiliser la touche [O] pour répondre « Oui » et la touche [N] pour répondre « Non ». </a:t>
-            </a:r>
           </a:p>
           <a:p>
             <a:endParaRPr lang="fr-FR" dirty="0"/>
@@ -6889,10 +7313,478 @@
           </a:p>
         </p:txBody>
       </p:sp>
+      <p:pic>
+        <p:nvPicPr>
+          <p:cNvPr id="6" name="Image 5"/>
+          <p:cNvPicPr>
+            <a:picLocks noChangeAspect="1"/>
+          </p:cNvPicPr>
+          <p:nvPr/>
+        </p:nvPicPr>
+        <p:blipFill rotWithShape="1">
+          <a:blip r:embed="rId2"/>
+          <a:srcRect l="611" t="946" r="1475" b="-236"/>
+          <a:stretch/>
+        </p:blipFill>
+        <p:spPr>
+          <a:xfrm>
+            <a:off x="7365077" y="4330931"/>
+            <a:ext cx="1875349" cy="1800000"/>
+          </a:xfrm>
+          <a:prstGeom prst="rect">
+            <a:avLst/>
+          </a:prstGeom>
+        </p:spPr>
+      </p:pic>
+      <p:pic>
+        <p:nvPicPr>
+          <p:cNvPr id="7" name="Image 6"/>
+          <p:cNvPicPr>
+            <a:picLocks noChangeAspect="1"/>
+          </p:cNvPicPr>
+          <p:nvPr/>
+        </p:nvPicPr>
+        <p:blipFill rotWithShape="1">
+          <a:blip r:embed="rId3"/>
+          <a:srcRect l="1016" t="484" r="1078" b="1149"/>
+          <a:stretch/>
+        </p:blipFill>
+        <p:spPr>
+          <a:xfrm>
+            <a:off x="3050772" y="4322618"/>
+            <a:ext cx="1791548" cy="1800000"/>
+          </a:xfrm>
+          <a:prstGeom prst="rect">
+            <a:avLst/>
+          </a:prstGeom>
+        </p:spPr>
+      </p:pic>
+      <p:sp>
+        <p:nvSpPr>
+          <p:cNvPr id="8" name="Espace réservé du contenu 4"/>
+          <p:cNvSpPr txBox="1">
+            <a:spLocks/>
+          </p:cNvSpPr>
+          <p:nvPr/>
+        </p:nvSpPr>
+        <p:spPr>
+          <a:xfrm>
+            <a:off x="3081129" y="3768461"/>
+            <a:ext cx="1702724" cy="401348"/>
+          </a:xfrm>
+          <a:prstGeom prst="rect">
+            <a:avLst/>
+          </a:prstGeom>
+        </p:spPr>
+        <p:txBody>
+          <a:bodyPr vert="horz" lIns="91440" tIns="45720" rIns="91440" bIns="45720" rtlCol="0">
+            <a:normAutofit/>
+          </a:bodyPr>
+          <a:lstStyle>
+            <a:lvl1pPr marL="228600" indent="-228600" algn="l" defTabSz="914400" rtl="0" eaLnBrk="1" latinLnBrk="0" hangingPunct="1">
+              <a:lnSpc>
+                <a:spcPct val="90000"/>
+              </a:lnSpc>
+              <a:spcBef>
+                <a:spcPts val="1000"/>
+              </a:spcBef>
+              <a:buFont typeface="Arial" panose="020B0604020202020204" pitchFamily="34" charset="0"/>
+              <a:buChar char="•"/>
+              <a:defRPr sz="2800" kern="1200">
+                <a:solidFill>
+                  <a:schemeClr val="tx1"/>
+                </a:solidFill>
+                <a:latin typeface="+mn-lt"/>
+                <a:ea typeface="+mn-ea"/>
+                <a:cs typeface="+mn-cs"/>
+              </a:defRPr>
+            </a:lvl1pPr>
+            <a:lvl2pPr marL="685800" indent="-228600" algn="l" defTabSz="914400" rtl="0" eaLnBrk="1" latinLnBrk="0" hangingPunct="1">
+              <a:lnSpc>
+                <a:spcPct val="90000"/>
+              </a:lnSpc>
+              <a:spcBef>
+                <a:spcPts val="500"/>
+              </a:spcBef>
+              <a:buFont typeface="Arial" panose="020B0604020202020204" pitchFamily="34" charset="0"/>
+              <a:buChar char="•"/>
+              <a:defRPr sz="2400" kern="1200">
+                <a:solidFill>
+                  <a:schemeClr val="tx1"/>
+                </a:solidFill>
+                <a:latin typeface="+mn-lt"/>
+                <a:ea typeface="+mn-ea"/>
+                <a:cs typeface="+mn-cs"/>
+              </a:defRPr>
+            </a:lvl2pPr>
+            <a:lvl3pPr marL="1143000" indent="-228600" algn="l" defTabSz="914400" rtl="0" eaLnBrk="1" latinLnBrk="0" hangingPunct="1">
+              <a:lnSpc>
+                <a:spcPct val="90000"/>
+              </a:lnSpc>
+              <a:spcBef>
+                <a:spcPts val="500"/>
+              </a:spcBef>
+              <a:buFont typeface="Arial" panose="020B0604020202020204" pitchFamily="34" charset="0"/>
+              <a:buChar char="•"/>
+              <a:defRPr sz="2000" kern="1200">
+                <a:solidFill>
+                  <a:schemeClr val="tx1"/>
+                </a:solidFill>
+                <a:latin typeface="+mn-lt"/>
+                <a:ea typeface="+mn-ea"/>
+                <a:cs typeface="+mn-cs"/>
+              </a:defRPr>
+            </a:lvl3pPr>
+            <a:lvl4pPr marL="1600200" indent="-228600" algn="l" defTabSz="914400" rtl="0" eaLnBrk="1" latinLnBrk="0" hangingPunct="1">
+              <a:lnSpc>
+                <a:spcPct val="90000"/>
+              </a:lnSpc>
+              <a:spcBef>
+                <a:spcPts val="500"/>
+              </a:spcBef>
+              <a:buFont typeface="Arial" panose="020B0604020202020204" pitchFamily="34" charset="0"/>
+              <a:buChar char="•"/>
+              <a:defRPr sz="1800" kern="1200">
+                <a:solidFill>
+                  <a:schemeClr val="tx1"/>
+                </a:solidFill>
+                <a:latin typeface="+mn-lt"/>
+                <a:ea typeface="+mn-ea"/>
+                <a:cs typeface="+mn-cs"/>
+              </a:defRPr>
+            </a:lvl4pPr>
+            <a:lvl5pPr marL="2057400" indent="-228600" algn="l" defTabSz="914400" rtl="0" eaLnBrk="1" latinLnBrk="0" hangingPunct="1">
+              <a:lnSpc>
+                <a:spcPct val="90000"/>
+              </a:lnSpc>
+              <a:spcBef>
+                <a:spcPts val="500"/>
+              </a:spcBef>
+              <a:buFont typeface="Arial" panose="020B0604020202020204" pitchFamily="34" charset="0"/>
+              <a:buChar char="•"/>
+              <a:defRPr sz="1800" kern="1200">
+                <a:solidFill>
+                  <a:schemeClr val="tx1"/>
+                </a:solidFill>
+                <a:latin typeface="+mn-lt"/>
+                <a:ea typeface="+mn-ea"/>
+                <a:cs typeface="+mn-cs"/>
+              </a:defRPr>
+            </a:lvl5pPr>
+            <a:lvl6pPr marL="2514600" indent="-228600" algn="l" defTabSz="914400" rtl="0" eaLnBrk="1" latinLnBrk="0" hangingPunct="1">
+              <a:lnSpc>
+                <a:spcPct val="90000"/>
+              </a:lnSpc>
+              <a:spcBef>
+                <a:spcPts val="500"/>
+              </a:spcBef>
+              <a:buFont typeface="Arial" panose="020B0604020202020204" pitchFamily="34" charset="0"/>
+              <a:buChar char="•"/>
+              <a:defRPr sz="1800" kern="1200">
+                <a:solidFill>
+                  <a:schemeClr val="tx1"/>
+                </a:solidFill>
+                <a:latin typeface="+mn-lt"/>
+                <a:ea typeface="+mn-ea"/>
+                <a:cs typeface="+mn-cs"/>
+              </a:defRPr>
+            </a:lvl6pPr>
+            <a:lvl7pPr marL="2971800" indent="-228600" algn="l" defTabSz="914400" rtl="0" eaLnBrk="1" latinLnBrk="0" hangingPunct="1">
+              <a:lnSpc>
+                <a:spcPct val="90000"/>
+              </a:lnSpc>
+              <a:spcBef>
+                <a:spcPts val="500"/>
+              </a:spcBef>
+              <a:buFont typeface="Arial" panose="020B0604020202020204" pitchFamily="34" charset="0"/>
+              <a:buChar char="•"/>
+              <a:defRPr sz="1800" kern="1200">
+                <a:solidFill>
+                  <a:schemeClr val="tx1"/>
+                </a:solidFill>
+                <a:latin typeface="+mn-lt"/>
+                <a:ea typeface="+mn-ea"/>
+                <a:cs typeface="+mn-cs"/>
+              </a:defRPr>
+            </a:lvl7pPr>
+            <a:lvl8pPr marL="3429000" indent="-228600" algn="l" defTabSz="914400" rtl="0" eaLnBrk="1" latinLnBrk="0" hangingPunct="1">
+              <a:lnSpc>
+                <a:spcPct val="90000"/>
+              </a:lnSpc>
+              <a:spcBef>
+                <a:spcPts val="500"/>
+              </a:spcBef>
+              <a:buFont typeface="Arial" panose="020B0604020202020204" pitchFamily="34" charset="0"/>
+              <a:buChar char="•"/>
+              <a:defRPr sz="1800" kern="1200">
+                <a:solidFill>
+                  <a:schemeClr val="tx1"/>
+                </a:solidFill>
+                <a:latin typeface="+mn-lt"/>
+                <a:ea typeface="+mn-ea"/>
+                <a:cs typeface="+mn-cs"/>
+              </a:defRPr>
+            </a:lvl8pPr>
+            <a:lvl9pPr marL="3886200" indent="-228600" algn="l" defTabSz="914400" rtl="0" eaLnBrk="1" latinLnBrk="0" hangingPunct="1">
+              <a:lnSpc>
+                <a:spcPct val="90000"/>
+              </a:lnSpc>
+              <a:spcBef>
+                <a:spcPts val="500"/>
+              </a:spcBef>
+              <a:buFont typeface="Arial" panose="020B0604020202020204" pitchFamily="34" charset="0"/>
+              <a:buChar char="•"/>
+              <a:defRPr sz="1800" kern="1200">
+                <a:solidFill>
+                  <a:schemeClr val="tx1"/>
+                </a:solidFill>
+                <a:latin typeface="+mn-lt"/>
+                <a:ea typeface="+mn-ea"/>
+                <a:cs typeface="+mn-cs"/>
+              </a:defRPr>
+            </a:lvl9pPr>
+          </a:lstStyle>
+          <a:p>
+            <a:pPr marL="0" indent="0" algn="just">
+              <a:buNone/>
+            </a:pPr>
+            <a:r>
+              <a:rPr lang="fr-FR" sz="2000" dirty="0"/>
+              <a:t>Visage brouillé</a:t>
+            </a:r>
+          </a:p>
+          <a:p>
+            <a:pPr marL="0" indent="0" algn="just">
+              <a:buNone/>
+            </a:pPr>
+            <a:endParaRPr lang="fr-FR" sz="2000" dirty="0"/>
+          </a:p>
+          <a:p>
+            <a:pPr marL="0" indent="0" algn="just">
+              <a:buNone/>
+            </a:pPr>
+            <a:endParaRPr lang="fr-FR" sz="2000" dirty="0"/>
+          </a:p>
+          <a:p>
+            <a:endParaRPr lang="fr-FR" dirty="0"/>
+          </a:p>
+        </p:txBody>
+      </p:sp>
+      <p:sp>
+        <p:nvSpPr>
+          <p:cNvPr id="9" name="Espace réservé du contenu 4"/>
+          <p:cNvSpPr txBox="1">
+            <a:spLocks/>
+          </p:cNvSpPr>
+          <p:nvPr/>
+        </p:nvSpPr>
+        <p:spPr>
+          <a:xfrm>
+            <a:off x="7452934" y="3768461"/>
+            <a:ext cx="1702724" cy="401348"/>
+          </a:xfrm>
+          <a:prstGeom prst="rect">
+            <a:avLst/>
+          </a:prstGeom>
+        </p:spPr>
+        <p:txBody>
+          <a:bodyPr vert="horz" lIns="91440" tIns="45720" rIns="91440" bIns="45720" rtlCol="0">
+            <a:normAutofit/>
+          </a:bodyPr>
+          <a:lstStyle>
+            <a:lvl1pPr marL="228600" indent="-228600" algn="l" defTabSz="914400" rtl="0" eaLnBrk="1" latinLnBrk="0" hangingPunct="1">
+              <a:lnSpc>
+                <a:spcPct val="90000"/>
+              </a:lnSpc>
+              <a:spcBef>
+                <a:spcPts val="1000"/>
+              </a:spcBef>
+              <a:buFont typeface="Arial" panose="020B0604020202020204" pitchFamily="34" charset="0"/>
+              <a:buChar char="•"/>
+              <a:defRPr sz="2800" kern="1200">
+                <a:solidFill>
+                  <a:schemeClr val="tx1"/>
+                </a:solidFill>
+                <a:latin typeface="+mn-lt"/>
+                <a:ea typeface="+mn-ea"/>
+                <a:cs typeface="+mn-cs"/>
+              </a:defRPr>
+            </a:lvl1pPr>
+            <a:lvl2pPr marL="685800" indent="-228600" algn="l" defTabSz="914400" rtl="0" eaLnBrk="1" latinLnBrk="0" hangingPunct="1">
+              <a:lnSpc>
+                <a:spcPct val="90000"/>
+              </a:lnSpc>
+              <a:spcBef>
+                <a:spcPts val="500"/>
+              </a:spcBef>
+              <a:buFont typeface="Arial" panose="020B0604020202020204" pitchFamily="34" charset="0"/>
+              <a:buChar char="•"/>
+              <a:defRPr sz="2400" kern="1200">
+                <a:solidFill>
+                  <a:schemeClr val="tx1"/>
+                </a:solidFill>
+                <a:latin typeface="+mn-lt"/>
+                <a:ea typeface="+mn-ea"/>
+                <a:cs typeface="+mn-cs"/>
+              </a:defRPr>
+            </a:lvl2pPr>
+            <a:lvl3pPr marL="1143000" indent="-228600" algn="l" defTabSz="914400" rtl="0" eaLnBrk="1" latinLnBrk="0" hangingPunct="1">
+              <a:lnSpc>
+                <a:spcPct val="90000"/>
+              </a:lnSpc>
+              <a:spcBef>
+                <a:spcPts val="500"/>
+              </a:spcBef>
+              <a:buFont typeface="Arial" panose="020B0604020202020204" pitchFamily="34" charset="0"/>
+              <a:buChar char="•"/>
+              <a:defRPr sz="2000" kern="1200">
+                <a:solidFill>
+                  <a:schemeClr val="tx1"/>
+                </a:solidFill>
+                <a:latin typeface="+mn-lt"/>
+                <a:ea typeface="+mn-ea"/>
+                <a:cs typeface="+mn-cs"/>
+              </a:defRPr>
+            </a:lvl3pPr>
+            <a:lvl4pPr marL="1600200" indent="-228600" algn="l" defTabSz="914400" rtl="0" eaLnBrk="1" latinLnBrk="0" hangingPunct="1">
+              <a:lnSpc>
+                <a:spcPct val="90000"/>
+              </a:lnSpc>
+              <a:spcBef>
+                <a:spcPts val="500"/>
+              </a:spcBef>
+              <a:buFont typeface="Arial" panose="020B0604020202020204" pitchFamily="34" charset="0"/>
+              <a:buChar char="•"/>
+              <a:defRPr sz="1800" kern="1200">
+                <a:solidFill>
+                  <a:schemeClr val="tx1"/>
+                </a:solidFill>
+                <a:latin typeface="+mn-lt"/>
+                <a:ea typeface="+mn-ea"/>
+                <a:cs typeface="+mn-cs"/>
+              </a:defRPr>
+            </a:lvl4pPr>
+            <a:lvl5pPr marL="2057400" indent="-228600" algn="l" defTabSz="914400" rtl="0" eaLnBrk="1" latinLnBrk="0" hangingPunct="1">
+              <a:lnSpc>
+                <a:spcPct val="90000"/>
+              </a:lnSpc>
+              <a:spcBef>
+                <a:spcPts val="500"/>
+              </a:spcBef>
+              <a:buFont typeface="Arial" panose="020B0604020202020204" pitchFamily="34" charset="0"/>
+              <a:buChar char="•"/>
+              <a:defRPr sz="1800" kern="1200">
+                <a:solidFill>
+                  <a:schemeClr val="tx1"/>
+                </a:solidFill>
+                <a:latin typeface="+mn-lt"/>
+                <a:ea typeface="+mn-ea"/>
+                <a:cs typeface="+mn-cs"/>
+              </a:defRPr>
+            </a:lvl5pPr>
+            <a:lvl6pPr marL="2514600" indent="-228600" algn="l" defTabSz="914400" rtl="0" eaLnBrk="1" latinLnBrk="0" hangingPunct="1">
+              <a:lnSpc>
+                <a:spcPct val="90000"/>
+              </a:lnSpc>
+              <a:spcBef>
+                <a:spcPts val="500"/>
+              </a:spcBef>
+              <a:buFont typeface="Arial" panose="020B0604020202020204" pitchFamily="34" charset="0"/>
+              <a:buChar char="•"/>
+              <a:defRPr sz="1800" kern="1200">
+                <a:solidFill>
+                  <a:schemeClr val="tx1"/>
+                </a:solidFill>
+                <a:latin typeface="+mn-lt"/>
+                <a:ea typeface="+mn-ea"/>
+                <a:cs typeface="+mn-cs"/>
+              </a:defRPr>
+            </a:lvl6pPr>
+            <a:lvl7pPr marL="2971800" indent="-228600" algn="l" defTabSz="914400" rtl="0" eaLnBrk="1" latinLnBrk="0" hangingPunct="1">
+              <a:lnSpc>
+                <a:spcPct val="90000"/>
+              </a:lnSpc>
+              <a:spcBef>
+                <a:spcPts val="500"/>
+              </a:spcBef>
+              <a:buFont typeface="Arial" panose="020B0604020202020204" pitchFamily="34" charset="0"/>
+              <a:buChar char="•"/>
+              <a:defRPr sz="1800" kern="1200">
+                <a:solidFill>
+                  <a:schemeClr val="tx1"/>
+                </a:solidFill>
+                <a:latin typeface="+mn-lt"/>
+                <a:ea typeface="+mn-ea"/>
+                <a:cs typeface="+mn-cs"/>
+              </a:defRPr>
+            </a:lvl7pPr>
+            <a:lvl8pPr marL="3429000" indent="-228600" algn="l" defTabSz="914400" rtl="0" eaLnBrk="1" latinLnBrk="0" hangingPunct="1">
+              <a:lnSpc>
+                <a:spcPct val="90000"/>
+              </a:lnSpc>
+              <a:spcBef>
+                <a:spcPts val="500"/>
+              </a:spcBef>
+              <a:buFont typeface="Arial" panose="020B0604020202020204" pitchFamily="34" charset="0"/>
+              <a:buChar char="•"/>
+              <a:defRPr sz="1800" kern="1200">
+                <a:solidFill>
+                  <a:schemeClr val="tx1"/>
+                </a:solidFill>
+                <a:latin typeface="+mn-lt"/>
+                <a:ea typeface="+mn-ea"/>
+                <a:cs typeface="+mn-cs"/>
+              </a:defRPr>
+            </a:lvl8pPr>
+            <a:lvl9pPr marL="3886200" indent="-228600" algn="l" defTabSz="914400" rtl="0" eaLnBrk="1" latinLnBrk="0" hangingPunct="1">
+              <a:lnSpc>
+                <a:spcPct val="90000"/>
+              </a:lnSpc>
+              <a:spcBef>
+                <a:spcPts val="500"/>
+              </a:spcBef>
+              <a:buFont typeface="Arial" panose="020B0604020202020204" pitchFamily="34" charset="0"/>
+              <a:buChar char="•"/>
+              <a:defRPr sz="1800" kern="1200">
+                <a:solidFill>
+                  <a:schemeClr val="tx1"/>
+                </a:solidFill>
+                <a:latin typeface="+mn-lt"/>
+                <a:ea typeface="+mn-ea"/>
+                <a:cs typeface="+mn-cs"/>
+              </a:defRPr>
+            </a:lvl9pPr>
+          </a:lstStyle>
+          <a:p>
+            <a:pPr marL="0" indent="0" algn="just">
+              <a:buNone/>
+            </a:pPr>
+            <a:r>
+              <a:rPr lang="fr-FR" sz="2000" dirty="0"/>
+              <a:t>Visage intact </a:t>
+            </a:r>
+          </a:p>
+          <a:p>
+            <a:pPr marL="0" indent="0" algn="just">
+              <a:buNone/>
+            </a:pPr>
+            <a:endParaRPr lang="fr-FR" sz="2000" dirty="0"/>
+          </a:p>
+          <a:p>
+            <a:pPr marL="0" indent="0" algn="just">
+              <a:buNone/>
+            </a:pPr>
+            <a:endParaRPr lang="fr-FR" sz="2000" dirty="0"/>
+          </a:p>
+          <a:p>
+            <a:endParaRPr lang="fr-FR" dirty="0"/>
+          </a:p>
+        </p:txBody>
+      </p:sp>
     </p:spTree>
     <p:extLst>
       <p:ext uri="{BB962C8B-B14F-4D97-AF65-F5344CB8AC3E}">
-        <p14:creationId xmlns:p14="http://schemas.microsoft.com/office/powerpoint/2010/main" val="2071561818"/>
+        <p14:creationId xmlns:p14="http://schemas.microsoft.com/office/powerpoint/2010/main" val="1227432227"/>
       </p:ext>
     </p:extLst>
   </p:cSld>
@@ -6936,11 +7828,15 @@
           <a:p>
             <a:r>
               <a:rPr lang="fr-FR" dirty="0"/>
-              <a:t>Entrainement pour le </a:t>
+              <a:t>Instructions pour le </a:t>
             </a:r>
             <a:r>
               <a:rPr lang="fr-FR" i="1" dirty="0"/>
-              <a:t>jeu de discrimination</a:t>
+              <a:t>jeu de </a:t>
+            </a:r>
+            <a:r>
+              <a:rPr lang="fr-FR" i="1" dirty="0" smtClean="0"/>
+              <a:t>détection</a:t>
             </a:r>
             <a:endParaRPr lang="fr-FR" dirty="0"/>
           </a:p>
@@ -6956,15 +7852,75 @@
             <p:ph idx="1"/>
           </p:nvPr>
         </p:nvSpPr>
-        <p:spPr>
-          <a:xfrm>
-            <a:off x="838200" y="1825625"/>
-            <a:ext cx="10608425" cy="4351338"/>
-          </a:xfrm>
-        </p:spPr>
-        <p:txBody>
-          <a:bodyPr/>
-          <a:lstStyle/>
+        <p:spPr/>
+        <p:txBody>
+          <a:bodyPr>
+            <a:normAutofit/>
+          </a:bodyPr>
+          <a:lstStyle/>
+          <a:p>
+            <a:pPr marL="0" indent="0" algn="just">
+              <a:buNone/>
+            </a:pPr>
+            <a:endParaRPr lang="fr-FR" sz="2000" dirty="0"/>
+          </a:p>
+          <a:p>
+            <a:pPr marL="0" indent="0" algn="just">
+              <a:buNone/>
+            </a:pPr>
+            <a:r>
+              <a:rPr lang="fr-FR" sz="2000" dirty="0"/>
+              <a:t>Dans certains essais, nous vous demanderons si vous avez vu "</a:t>
+            </a:r>
+            <a:r>
+              <a:rPr lang="fr-FR" sz="2000" b="1" dirty="0"/>
+              <a:t>au moins un homme</a:t>
+            </a:r>
+            <a:r>
+              <a:rPr lang="fr-FR" sz="2000" dirty="0"/>
+              <a:t>" ; dans les autres, nous vous demanderons si vous avez vu "</a:t>
+            </a:r>
+            <a:r>
+              <a:rPr lang="fr-FR" sz="2000" b="1" dirty="0"/>
+              <a:t>au moins une femme</a:t>
+            </a:r>
+            <a:r>
+              <a:rPr lang="fr-FR" sz="2000" dirty="0"/>
+              <a:t>". </a:t>
+            </a:r>
+            <a:endParaRPr lang="fr-FR" sz="2000" dirty="0" smtClean="0"/>
+          </a:p>
+          <a:p>
+            <a:pPr marL="0" indent="0" algn="just">
+              <a:buNone/>
+            </a:pPr>
+            <a:endParaRPr lang="fr-FR" sz="2000" dirty="0"/>
+          </a:p>
+          <a:p>
+            <a:pPr marL="0" indent="0" algn="just">
+              <a:buNone/>
+            </a:pPr>
+            <a:r>
+              <a:rPr lang="fr-FR" sz="2000" dirty="0"/>
+              <a:t>Répondez par « </a:t>
+            </a:r>
+            <a:r>
+              <a:rPr lang="fr-FR" sz="2000" b="1" dirty="0"/>
+              <a:t>Oui</a:t>
+            </a:r>
+            <a:r>
+              <a:rPr lang="fr-FR" sz="2000" dirty="0"/>
+              <a:t> » ou par « </a:t>
+            </a:r>
+            <a:r>
+              <a:rPr lang="fr-FR" sz="2000" b="1" dirty="0"/>
+              <a:t>Non</a:t>
+            </a:r>
+            <a:r>
+              <a:rPr lang="fr-FR" sz="2000" dirty="0"/>
+              <a:t> » aussi rapidement que possible, en appuyant sur les touches [O] ou [N] du clavier. Vous ne pourrez pas modifier votre réponse!</a:t>
+            </a:r>
+          </a:p>
           <a:p>
             <a:pPr marL="0" indent="0">
               <a:buNone/>
@@ -6975,39 +7931,71 @@
             <a:pPr marL="0" indent="0">
               <a:buNone/>
             </a:pPr>
-            <a:endParaRPr lang="fr-FR" sz="2000" dirty="0"/>
+            <a:r>
+              <a:rPr lang="fr-FR" sz="2000" u="sng" dirty="0" smtClean="0"/>
+              <a:t>/!\</a:t>
+            </a:r>
+            <a:r>
+              <a:rPr lang="fr-FR" sz="2000" dirty="0" smtClean="0"/>
+              <a:t> </a:t>
+            </a:r>
+            <a:r>
+              <a:rPr lang="fr-FR" sz="2000" u="sng" dirty="0" smtClean="0"/>
+              <a:t>Attention</a:t>
+            </a:r>
+            <a:r>
+              <a:rPr lang="fr-FR" sz="2000" u="sng" dirty="0"/>
+              <a:t>: </a:t>
+            </a:r>
+            <a:r>
+              <a:rPr lang="fr-FR" sz="2000" dirty="0"/>
+              <a:t>certains visages auront une expression apeurée et d’autres auront une expression faciale neutre. Les visages apeurés vont attirer votre attention. </a:t>
+            </a:r>
+            <a:r>
+              <a:rPr lang="fr-FR" sz="2000" dirty="0" smtClean="0"/>
+              <a:t>Dans </a:t>
+            </a:r>
+            <a:r>
+              <a:rPr lang="fr-FR" sz="2000" dirty="0"/>
+              <a:t>certains essais, </a:t>
+            </a:r>
+            <a:r>
+              <a:rPr lang="fr-FR" sz="2000" dirty="0">
+                <a:solidFill>
+                  <a:srgbClr val="38BA40"/>
+                </a:solidFill>
+              </a:rPr>
+              <a:t>cela vous aidera a trouver la bonne réponse</a:t>
+            </a:r>
+            <a:r>
+              <a:rPr lang="fr-FR" sz="2000" dirty="0"/>
+              <a:t>. Dans d’autres, </a:t>
+            </a:r>
+            <a:r>
+              <a:rPr lang="fr-FR" sz="2000" dirty="0">
+                <a:solidFill>
+                  <a:srgbClr val="D03739"/>
+                </a:solidFill>
+              </a:rPr>
+              <a:t>cela vous induira en erreur</a:t>
+            </a:r>
+            <a:r>
+              <a:rPr lang="fr-FR" sz="2000" dirty="0"/>
+              <a:t>. </a:t>
+            </a:r>
+            <a:r>
+              <a:rPr lang="fr-FR" sz="2000" dirty="0" smtClean="0"/>
+              <a:t>Nous </a:t>
+            </a:r>
+            <a:r>
+              <a:rPr lang="fr-FR" sz="2000" dirty="0"/>
+              <a:t>vous indiquerons systématiquement si les visages apeurés vont vous aider ou vous induire en erreur.</a:t>
+            </a:r>
           </a:p>
           <a:p>
             <a:pPr marL="0" indent="0">
               <a:buNone/>
             </a:pPr>
-            <a:r>
-              <a:rPr lang="fr-FR" sz="2000" dirty="0"/>
-              <a:t>L’entrainement du jeu de discrimination est terminé. </a:t>
-            </a:r>
-          </a:p>
-          <a:p>
-            <a:pPr marL="0" indent="0">
-              <a:buNone/>
-            </a:pPr>
-            <a:endParaRPr lang="fr-FR" sz="2000" dirty="0"/>
-          </a:p>
-          <a:p>
-            <a:pPr marL="0" indent="0">
-              <a:buNone/>
-            </a:pPr>
-            <a:endParaRPr lang="fr-FR" sz="2000" dirty="0"/>
-          </a:p>
-          <a:p>
-            <a:pPr marL="0" indent="0">
-              <a:buNone/>
-            </a:pPr>
-            <a:r>
-              <a:rPr lang="fr-FR" sz="2000" dirty="0"/>
-              <a:t>Si vous avez des questions, demandez à l’expérimentatrice  s’il vous plait. </a:t>
-            </a:r>
-          </a:p>
-          <a:p>
             <a:endParaRPr lang="fr-FR" dirty="0"/>
           </a:p>
         </p:txBody>
@@ -7050,7 +8038,7 @@
     </p:spTree>
     <p:extLst>
       <p:ext uri="{BB962C8B-B14F-4D97-AF65-F5344CB8AC3E}">
-        <p14:creationId xmlns:p14="http://schemas.microsoft.com/office/powerpoint/2010/main" val="3249193195"/>
+        <p14:creationId xmlns:p14="http://schemas.microsoft.com/office/powerpoint/2010/main" val="1662341803"/>
       </p:ext>
     </p:extLst>
   </p:cSld>

--- a/instructions/instructionsDiapo.pptx
+++ b/instructions/instructionsDiapo.pptx
@@ -262,7 +262,7 @@
           <a:p>
             <a:fld id="{712DDF4E-9AD6-4EE5-9343-468C572CABA6}" type="datetimeFigureOut">
               <a:rPr lang="fr-FR" smtClean="0"/>
-              <a:t>09/03/2020</a:t>
+              <a:t>11/03/2020</a:t>
             </a:fld>
             <a:endParaRPr lang="fr-FR" dirty="0"/>
           </a:p>
@@ -430,7 +430,7 @@
           <a:p>
             <a:fld id="{712DDF4E-9AD6-4EE5-9343-468C572CABA6}" type="datetimeFigureOut">
               <a:rPr lang="fr-FR" smtClean="0"/>
-              <a:t>09/03/2020</a:t>
+              <a:t>11/03/2020</a:t>
             </a:fld>
             <a:endParaRPr lang="fr-FR" dirty="0"/>
           </a:p>
@@ -608,7 +608,7 @@
           <a:p>
             <a:fld id="{712DDF4E-9AD6-4EE5-9343-468C572CABA6}" type="datetimeFigureOut">
               <a:rPr lang="fr-FR" smtClean="0"/>
-              <a:t>09/03/2020</a:t>
+              <a:t>11/03/2020</a:t>
             </a:fld>
             <a:endParaRPr lang="fr-FR" dirty="0"/>
           </a:p>
@@ -776,7 +776,7 @@
           <a:p>
             <a:fld id="{712DDF4E-9AD6-4EE5-9343-468C572CABA6}" type="datetimeFigureOut">
               <a:rPr lang="fr-FR" smtClean="0"/>
-              <a:t>09/03/2020</a:t>
+              <a:t>11/03/2020</a:t>
             </a:fld>
             <a:endParaRPr lang="fr-FR" dirty="0"/>
           </a:p>
@@ -1021,7 +1021,7 @@
           <a:p>
             <a:fld id="{712DDF4E-9AD6-4EE5-9343-468C572CABA6}" type="datetimeFigureOut">
               <a:rPr lang="fr-FR" smtClean="0"/>
-              <a:t>09/03/2020</a:t>
+              <a:t>11/03/2020</a:t>
             </a:fld>
             <a:endParaRPr lang="fr-FR" dirty="0"/>
           </a:p>
@@ -1250,7 +1250,7 @@
           <a:p>
             <a:fld id="{712DDF4E-9AD6-4EE5-9343-468C572CABA6}" type="datetimeFigureOut">
               <a:rPr lang="fr-FR" smtClean="0"/>
-              <a:t>09/03/2020</a:t>
+              <a:t>11/03/2020</a:t>
             </a:fld>
             <a:endParaRPr lang="fr-FR" dirty="0"/>
           </a:p>
@@ -1614,7 +1614,7 @@
           <a:p>
             <a:fld id="{712DDF4E-9AD6-4EE5-9343-468C572CABA6}" type="datetimeFigureOut">
               <a:rPr lang="fr-FR" smtClean="0"/>
-              <a:t>09/03/2020</a:t>
+              <a:t>11/03/2020</a:t>
             </a:fld>
             <a:endParaRPr lang="fr-FR" dirty="0"/>
           </a:p>
@@ -1731,7 +1731,7 @@
           <a:p>
             <a:fld id="{712DDF4E-9AD6-4EE5-9343-468C572CABA6}" type="datetimeFigureOut">
               <a:rPr lang="fr-FR" smtClean="0"/>
-              <a:t>09/03/2020</a:t>
+              <a:t>11/03/2020</a:t>
             </a:fld>
             <a:endParaRPr lang="fr-FR" dirty="0"/>
           </a:p>
@@ -1826,7 +1826,7 @@
           <a:p>
             <a:fld id="{712DDF4E-9AD6-4EE5-9343-468C572CABA6}" type="datetimeFigureOut">
               <a:rPr lang="fr-FR" smtClean="0"/>
-              <a:t>09/03/2020</a:t>
+              <a:t>11/03/2020</a:t>
             </a:fld>
             <a:endParaRPr lang="fr-FR" dirty="0"/>
           </a:p>
@@ -2101,7 +2101,7 @@
           <a:p>
             <a:fld id="{712DDF4E-9AD6-4EE5-9343-468C572CABA6}" type="datetimeFigureOut">
               <a:rPr lang="fr-FR" smtClean="0"/>
-              <a:t>09/03/2020</a:t>
+              <a:t>11/03/2020</a:t>
             </a:fld>
             <a:endParaRPr lang="fr-FR" dirty="0"/>
           </a:p>
@@ -2353,7 +2353,7 @@
           <a:p>
             <a:fld id="{712DDF4E-9AD6-4EE5-9343-468C572CABA6}" type="datetimeFigureOut">
               <a:rPr lang="fr-FR" smtClean="0"/>
-              <a:t>09/03/2020</a:t>
+              <a:t>11/03/2020</a:t>
             </a:fld>
             <a:endParaRPr lang="fr-FR" dirty="0"/>
           </a:p>
@@ -2564,7 +2564,7 @@
           <a:p>
             <a:fld id="{712DDF4E-9AD6-4EE5-9343-468C572CABA6}" type="datetimeFigureOut">
               <a:rPr lang="fr-FR" smtClean="0"/>
-              <a:t>09/03/2020</a:t>
+              <a:t>11/03/2020</a:t>
             </a:fld>
             <a:endParaRPr lang="fr-FR" dirty="0"/>
           </a:p>
@@ -3501,11 +3501,7 @@
             </a:r>
             <a:r>
               <a:rPr lang="fr-FR" i="1" dirty="0"/>
-              <a:t>jeu de </a:t>
-            </a:r>
-            <a:r>
-              <a:rPr lang="fr-FR" i="1" dirty="0"/>
-              <a:t>détection</a:t>
+              <a:t>jeu de détection</a:t>
             </a:r>
             <a:endParaRPr lang="fr-FR" dirty="0"/>
           </a:p>
@@ -3552,11 +3548,7 @@
             </a:r>
             <a:r>
               <a:rPr lang="fr-FR" sz="2000" i="1" dirty="0"/>
-              <a:t>jeu de </a:t>
-            </a:r>
-            <a:r>
-              <a:rPr lang="fr-FR" sz="2000" i="1" dirty="0"/>
-              <a:t>détection</a:t>
+              <a:t>jeu de détection</a:t>
             </a:r>
             <a:r>
               <a:rPr lang="fr-FR" sz="2000" i="1" dirty="0" smtClean="0"/>
@@ -3683,11 +3675,7 @@
             </a:r>
             <a:r>
               <a:rPr lang="fr-FR" i="1" dirty="0"/>
-              <a:t>jeu de </a:t>
-            </a:r>
-            <a:r>
-              <a:rPr lang="fr-FR" i="1" dirty="0"/>
-              <a:t>détection</a:t>
+              <a:t>jeu de détection</a:t>
             </a:r>
             <a:endParaRPr lang="fr-FR" dirty="0"/>
           </a:p>
@@ -4421,11 +4409,7 @@
             </a:r>
             <a:r>
               <a:rPr lang="fr-FR" i="1" dirty="0"/>
-              <a:t>jeu de </a:t>
-            </a:r>
-            <a:r>
-              <a:rPr lang="fr-FR" i="1" dirty="0"/>
-              <a:t>détection </a:t>
+              <a:t>jeu de détection </a:t>
             </a:r>
             <a:r>
               <a:rPr lang="fr-FR" dirty="0"/>
@@ -4570,37 +4554,44 @@
             <a:endParaRPr lang="fr-FR" sz="2000" dirty="0"/>
           </a:p>
           <a:p>
+            <a:pPr marL="0" indent="0">
+              <a:buNone/>
+            </a:pPr>
+            <a:r>
+              <a:rPr lang="fr-FR" sz="2000" dirty="0"/>
+              <a:t>Après avoir caché les images, nous vous demanderons de nous indiquer quel était le genre le plus représenté avec la question « Avez-vous vu </a:t>
+            </a:r>
+            <a:r>
+              <a:rPr lang="fr-FR" sz="2000" b="1" dirty="0"/>
+              <a:t>plus de femmes ou d’hommes</a:t>
+            </a:r>
+            <a:r>
+              <a:rPr lang="fr-FR" sz="2000" dirty="0"/>
+              <a:t>? </a:t>
+            </a:r>
+            <a:r>
+              <a:rPr lang="fr-FR" sz="2000"/>
+              <a:t>». </a:t>
+            </a:r>
+            <a:endParaRPr lang="fr-FR" sz="2000" smtClean="0"/>
+          </a:p>
+          <a:p>
+            <a:pPr marL="0" indent="0">
+              <a:buNone/>
+            </a:pPr>
+            <a:endParaRPr lang="fr-FR" sz="2000" dirty="0"/>
+          </a:p>
+          <a:p>
             <a:pPr marL="0" indent="0" algn="just">
               <a:buNone/>
             </a:pPr>
             <a:r>
+              <a:rPr lang="fr-FR" sz="2000" dirty="0" smtClean="0"/>
+              <a:t>Répondez </a:t>
+            </a:r>
+            <a:r>
               <a:rPr lang="fr-FR" sz="2000" dirty="0"/>
-              <a:t>Après avoir caché les images, nous vous demanderons de nous indiquer quel était le genre le plus représenté. Par exemple, dans certains essais, nous vous demanderons si vous avez vu « </a:t>
-            </a:r>
-            <a:r>
-              <a:rPr lang="fr-FR" sz="2000" b="1" dirty="0"/>
-              <a:t>plus d’hommes</a:t>
-            </a:r>
-            <a:r>
-              <a:rPr lang="fr-FR" sz="2000" dirty="0"/>
-              <a:t> » ; dans les autres, nous vous demanderons si vous avez vu « </a:t>
-            </a:r>
-            <a:r>
-              <a:rPr lang="fr-FR" sz="2000" b="1" dirty="0"/>
-              <a:t>plus de femmes</a:t>
-            </a:r>
-            <a:r>
-              <a:rPr lang="fr-FR" sz="2000" dirty="0"/>
-              <a:t> ». </a:t>
-            </a:r>
-          </a:p>
-          <a:p>
-            <a:pPr marL="0" indent="0" algn="just">
-              <a:buNone/>
-            </a:pPr>
-            <a:r>
-              <a:rPr lang="fr-FR" sz="2000" dirty="0"/>
-              <a:t>Répondez par « </a:t>
+              <a:t>par « </a:t>
             </a:r>
             <a:r>
               <a:rPr lang="fr-FR" sz="2000" b="1" dirty="0"/>
@@ -4651,7 +4642,23 @@
                   <a:srgbClr val="38BA40"/>
                 </a:solidFill>
               </a:rPr>
-              <a:t>cela vous aidera a trouver la bonne réponse</a:t>
+              <a:t>cela vous aidera </a:t>
+            </a:r>
+            <a:r>
+              <a:rPr lang="fr-FR" sz="2000" dirty="0" smtClean="0">
+                <a:solidFill>
+                  <a:srgbClr val="38BA40"/>
+                </a:solidFill>
+              </a:rPr>
+              <a:t>à </a:t>
+            </a:r>
+            <a:r>
+              <a:rPr lang="fr-FR" sz="2000" dirty="0">
+                <a:solidFill>
+                  <a:srgbClr val="38BA40"/>
+                </a:solidFill>
+              </a:rPr>
+              <a:t>trouver la bonne réponse</a:t>
             </a:r>
             <a:r>
               <a:rPr lang="fr-FR" sz="2000" dirty="0"/>
@@ -4763,11 +4770,7 @@
             </a:r>
             <a:r>
               <a:rPr lang="fr-FR" i="1" dirty="0"/>
-              <a:t>jeu de </a:t>
-            </a:r>
-            <a:r>
-              <a:rPr lang="fr-FR" i="1" dirty="0"/>
-              <a:t>reconnaissance</a:t>
+              <a:t>jeu de reconnaissance</a:t>
             </a:r>
             <a:endParaRPr lang="fr-FR" dirty="0"/>
           </a:p>
@@ -4812,8 +4815,33 @@
               <a:rPr lang="fr-FR" sz="2000" dirty="0"/>
               <a:t>Vous allez maintenant avoir plusieurs essais d’entrainement. </a:t>
             </a:r>
-          </a:p>
-          <a:p>
+            <a:endParaRPr lang="fr-FR" sz="2000" dirty="0" smtClean="0"/>
+          </a:p>
+          <a:p>
+            <a:pPr marL="0" indent="0">
+              <a:buNone/>
+            </a:pPr>
+            <a:endParaRPr lang="fr-FR" sz="2000" dirty="0" smtClean="0"/>
+          </a:p>
+          <a:p>
+            <a:pPr marL="0" indent="0">
+              <a:buNone/>
+            </a:pPr>
+            <a:endParaRPr lang="fr-FR" sz="2000" dirty="0"/>
+          </a:p>
+          <a:p>
+            <a:pPr marL="0" indent="0">
+              <a:buNone/>
+            </a:pPr>
+            <a:r>
+              <a:rPr lang="fr-FR" sz="2000" dirty="0"/>
+              <a:t>Votre performance dans cette phase ne sera pas prise en compte pour votre bonus financier.</a:t>
+            </a:r>
+          </a:p>
+          <a:p>
+            <a:pPr marL="0" indent="0">
+              <a:buNone/>
+            </a:pPr>
             <a:endParaRPr lang="fr-FR" sz="2000" dirty="0"/>
           </a:p>
           <a:p>
@@ -4922,11 +4950,7 @@
             </a:r>
             <a:r>
               <a:rPr lang="fr-FR" i="1" dirty="0"/>
-              <a:t>jeu de </a:t>
-            </a:r>
-            <a:r>
-              <a:rPr lang="fr-FR" i="1" dirty="0"/>
-              <a:t>reconnaissance</a:t>
+              <a:t>jeu de reconnaissance</a:t>
             </a:r>
             <a:endParaRPr lang="fr-FR" dirty="0"/>
           </a:p>
@@ -4973,11 +4997,7 @@
             </a:r>
             <a:r>
               <a:rPr lang="fr-FR" sz="2000" i="1" dirty="0"/>
-              <a:t>jeu de </a:t>
-            </a:r>
-            <a:r>
-              <a:rPr lang="fr-FR" sz="2000" i="1" dirty="0"/>
-              <a:t>reconnaissance </a:t>
+              <a:t>jeu de reconnaissance </a:t>
             </a:r>
             <a:r>
               <a:rPr lang="fr-FR" sz="2000" dirty="0"/>
@@ -5100,11 +5120,7 @@
             </a:r>
             <a:r>
               <a:rPr lang="fr-FR" i="1" dirty="0"/>
-              <a:t>jeu de </a:t>
-            </a:r>
-            <a:r>
-              <a:rPr lang="fr-FR" i="1" dirty="0"/>
-              <a:t>reconnaissance</a:t>
+              <a:t>jeu de reconnaissance</a:t>
             </a:r>
             <a:endParaRPr lang="fr-FR" dirty="0"/>
           </a:p>
@@ -5282,11 +5298,7 @@
             </a:r>
             <a:r>
               <a:rPr lang="fr-FR" sz="2000" i="1" dirty="0"/>
-              <a:t>jeu de </a:t>
-            </a:r>
-            <a:r>
-              <a:rPr lang="fr-FR" sz="2000" i="1" dirty="0"/>
-              <a:t>reconnaissance</a:t>
+              <a:t>jeu de reconnaissance</a:t>
             </a:r>
             <a:r>
               <a:rPr lang="fr-FR" sz="2000" dirty="0" smtClean="0"/>
@@ -5480,7 +5492,23 @@
             </a:pPr>
             <a:r>
               <a:rPr lang="fr-FR" dirty="0"/>
-              <a:t>Avez-vous vu plus de Femmes ou d’Hommes?</a:t>
+              <a:t>Avez-vous vu plus de </a:t>
+            </a:r>
+            <a:r>
+              <a:rPr lang="fr-FR" dirty="0" smtClean="0"/>
+              <a:t>femmes </a:t>
+            </a:r>
+            <a:r>
+              <a:rPr lang="fr-FR" dirty="0"/>
+              <a:t>ou </a:t>
+            </a:r>
+            <a:r>
+              <a:rPr lang="fr-FR" dirty="0" smtClean="0"/>
+              <a:t>d’hommes</a:t>
+            </a:r>
+            <a:r>
+              <a:rPr lang="fr-FR" dirty="0"/>
+              <a:t>?</a:t>
             </a:r>
           </a:p>
           <a:p>
@@ -5750,11 +5778,7 @@
             </a:r>
             <a:r>
               <a:rPr lang="fr-FR" i="1" dirty="0"/>
-              <a:t>jeu de </a:t>
-            </a:r>
-            <a:r>
-              <a:rPr lang="fr-FR" i="1" dirty="0"/>
-              <a:t>reconnaissance </a:t>
+              <a:t>jeu de reconnaissance </a:t>
             </a:r>
             <a:r>
               <a:rPr lang="fr-FR" dirty="0"/>
@@ -6020,19 +6044,7 @@
             </a:r>
             <a:r>
               <a:rPr lang="fr-FR" sz="2000" dirty="0" smtClean="0"/>
-              <a:t>. </a:t>
-            </a:r>
-            <a:r>
-              <a:rPr lang="fr-FR" sz="2000" dirty="0" smtClean="0"/>
-              <a:t>Exemple</a:t>
-            </a:r>
-            <a:r>
-              <a:rPr lang="fr-FR" sz="2000" dirty="0" smtClean="0"/>
-              <a:t>: </a:t>
-            </a:r>
-            <a:r>
-              <a:rPr lang="fr-FR" sz="2000" dirty="0" smtClean="0"/>
-              <a:t> </a:t>
+              <a:t>. Exemple:  </a:t>
             </a:r>
             <a:endParaRPr lang="fr-FR" sz="2000" dirty="0"/>
           </a:p>
@@ -7870,23 +7882,59 @@
             </a:pPr>
             <a:r>
               <a:rPr lang="fr-FR" sz="2000" dirty="0"/>
-              <a:t>Dans certains essais, nous vous demanderons si vous avez vu "</a:t>
+              <a:t>Dans certains essais, nous vous demanderons si vous avez vu </a:t>
+            </a:r>
+            <a:r>
+              <a:rPr lang="fr-FR" sz="2000" dirty="0" smtClean="0"/>
+              <a:t>« </a:t>
+            </a:r>
+            <a:r>
+              <a:rPr lang="fr-FR" sz="2000" b="1" dirty="0" smtClean="0"/>
+              <a:t>au </a:t>
             </a:r>
             <a:r>
               <a:rPr lang="fr-FR" sz="2000" b="1" dirty="0"/>
-              <a:t>au moins un homme</a:t>
+              <a:t>moins un </a:t>
+            </a:r>
+            <a:r>
+              <a:rPr lang="fr-FR" sz="2000" b="1" dirty="0" smtClean="0"/>
+              <a:t>homme</a:t>
+            </a:r>
+            <a:r>
+              <a:rPr lang="fr-FR" sz="2000" dirty="0" smtClean="0"/>
+              <a:t> »</a:t>
+            </a:r>
+            <a:r>
+              <a:rPr lang="fr-FR" sz="2000" dirty="0" smtClean="0"/>
+              <a:t> </a:t>
             </a:r>
             <a:r>
               <a:rPr lang="fr-FR" sz="2000" dirty="0"/>
-              <a:t>" ; dans les autres, nous vous demanderons si vous avez vu "</a:t>
+              <a:t>; dans les autres, nous vous demanderons si vous avez vu </a:t>
+            </a:r>
+            <a:r>
+              <a:rPr lang="fr-FR" sz="2000" dirty="0" smtClean="0"/>
+              <a:t>« </a:t>
+            </a:r>
+            <a:r>
+              <a:rPr lang="fr-FR" sz="2000" b="1" dirty="0" smtClean="0"/>
+              <a:t>au </a:t>
             </a:r>
             <a:r>
               <a:rPr lang="fr-FR" sz="2000" b="1" dirty="0"/>
-              <a:t>au moins une femme</a:t>
-            </a:r>
-            <a:r>
-              <a:rPr lang="fr-FR" sz="2000" dirty="0"/>
-              <a:t>". </a:t>
+              <a:t>moins une </a:t>
+            </a:r>
+            <a:r>
+              <a:rPr lang="fr-FR" sz="2000" b="1" dirty="0" smtClean="0"/>
+              <a:t>femme</a:t>
+            </a:r>
+            <a:r>
+              <a:rPr lang="fr-FR" sz="2000" dirty="0" smtClean="0"/>
+              <a:t> »</a:t>
+            </a:r>
+            <a:r>
+              <a:rPr lang="fr-FR" sz="2000" dirty="0" smtClean="0"/>
+              <a:t>. </a:t>
             </a:r>
             <a:endParaRPr lang="fr-FR" sz="2000" dirty="0" smtClean="0"/>
           </a:p>
@@ -7918,7 +7966,23 @@
             </a:r>
             <a:r>
               <a:rPr lang="fr-FR" sz="2000" dirty="0"/>
-              <a:t> » aussi rapidement que possible, en appuyant sur les touches [O] ou [N] du clavier. Vous ne pourrez pas modifier votre réponse!</a:t>
+              <a:t> » aussi rapidement que possible, en appuyant sur les touches [</a:t>
+            </a:r>
+            <a:r>
+              <a:rPr lang="fr-FR" sz="2000" b="1" dirty="0"/>
+              <a:t>O</a:t>
+            </a:r>
+            <a:r>
+              <a:rPr lang="fr-FR" sz="2000" dirty="0"/>
+              <a:t>] ou [</a:t>
+            </a:r>
+            <a:r>
+              <a:rPr lang="fr-FR" sz="2000" b="1" dirty="0"/>
+              <a:t>N</a:t>
+            </a:r>
+            <a:r>
+              <a:rPr lang="fr-FR" sz="2000" dirty="0"/>
+              <a:t>] du clavier. Vous ne pourrez pas modifier votre réponse!</a:t>
             </a:r>
           </a:p>
           <a:p>
@@ -7965,7 +8029,23 @@
                   <a:srgbClr val="38BA40"/>
                 </a:solidFill>
               </a:rPr>
-              <a:t>cela vous aidera a trouver la bonne réponse</a:t>
+              <a:t>cela vous aidera </a:t>
+            </a:r>
+            <a:r>
+              <a:rPr lang="fr-FR" sz="2000" dirty="0" smtClean="0">
+                <a:solidFill>
+                  <a:srgbClr val="38BA40"/>
+                </a:solidFill>
+              </a:rPr>
+              <a:t>à </a:t>
+            </a:r>
+            <a:r>
+              <a:rPr lang="fr-FR" sz="2000" dirty="0">
+                <a:solidFill>
+                  <a:srgbClr val="38BA40"/>
+                </a:solidFill>
+              </a:rPr>
+              <a:t>trouver la bonne réponse</a:t>
             </a:r>
             <a:r>
               <a:rPr lang="fr-FR" sz="2000" dirty="0"/>

--- a/instructions/instructionsDiapo.pptx
+++ b/instructions/instructionsDiapo.pptx
@@ -123,6 +123,11 @@
       </a:defRPr>
     </a:lvl9pPr>
   </p:defaultTextStyle>
+  <p:extLst>
+    <p:ext uri="{EFAFB233-063F-42B5-8137-9DF3F51BA10A}">
+      <p15:sldGuideLst xmlns:p15="http://schemas.microsoft.com/office/powerpoint/2012/main"/>
+    </p:ext>
+  </p:extLst>
 </p:presentation>
 </file>
 
@@ -257,7 +262,7 @@
           <a:p>
             <a:fld id="{712DDF4E-9AD6-4EE5-9343-468C572CABA6}" type="datetimeFigureOut">
               <a:rPr lang="fr-FR" smtClean="0"/>
-              <a:t>04/03/2020</a:t>
+              <a:t>11/03/2020</a:t>
             </a:fld>
             <a:endParaRPr lang="fr-FR" dirty="0"/>
           </a:p>
@@ -427,7 +432,7 @@
           <a:p>
             <a:fld id="{712DDF4E-9AD6-4EE5-9343-468C572CABA6}" type="datetimeFigureOut">
               <a:rPr lang="fr-FR" smtClean="0"/>
-              <a:t>04/03/2020</a:t>
+              <a:t>11/03/2020</a:t>
             </a:fld>
             <a:endParaRPr lang="fr-FR" dirty="0"/>
           </a:p>
@@ -607,7 +612,7 @@
           <a:p>
             <a:fld id="{712DDF4E-9AD6-4EE5-9343-468C572CABA6}" type="datetimeFigureOut">
               <a:rPr lang="fr-FR" smtClean="0"/>
-              <a:t>04/03/2020</a:t>
+              <a:t>11/03/2020</a:t>
             </a:fld>
             <a:endParaRPr lang="fr-FR" dirty="0"/>
           </a:p>
@@ -777,7 +782,7 @@
           <a:p>
             <a:fld id="{712DDF4E-9AD6-4EE5-9343-468C572CABA6}" type="datetimeFigureOut">
               <a:rPr lang="fr-FR" smtClean="0"/>
-              <a:t>04/03/2020</a:t>
+              <a:t>11/03/2020</a:t>
             </a:fld>
             <a:endParaRPr lang="fr-FR" dirty="0"/>
           </a:p>
@@ -1023,7 +1028,7 @@
           <a:p>
             <a:fld id="{712DDF4E-9AD6-4EE5-9343-468C572CABA6}" type="datetimeFigureOut">
               <a:rPr lang="fr-FR" smtClean="0"/>
-              <a:t>04/03/2020</a:t>
+              <a:t>11/03/2020</a:t>
             </a:fld>
             <a:endParaRPr lang="fr-FR" dirty="0"/>
           </a:p>
@@ -1255,7 +1260,7 @@
           <a:p>
             <a:fld id="{712DDF4E-9AD6-4EE5-9343-468C572CABA6}" type="datetimeFigureOut">
               <a:rPr lang="fr-FR" smtClean="0"/>
-              <a:t>04/03/2020</a:t>
+              <a:t>11/03/2020</a:t>
             </a:fld>
             <a:endParaRPr lang="fr-FR" dirty="0"/>
           </a:p>
@@ -1622,7 +1627,7 @@
           <a:p>
             <a:fld id="{712DDF4E-9AD6-4EE5-9343-468C572CABA6}" type="datetimeFigureOut">
               <a:rPr lang="fr-FR" smtClean="0"/>
-              <a:t>04/03/2020</a:t>
+              <a:t>11/03/2020</a:t>
             </a:fld>
             <a:endParaRPr lang="fr-FR" dirty="0"/>
           </a:p>
@@ -1740,7 +1745,7 @@
           <a:p>
             <a:fld id="{712DDF4E-9AD6-4EE5-9343-468C572CABA6}" type="datetimeFigureOut">
               <a:rPr lang="fr-FR" smtClean="0"/>
-              <a:t>04/03/2020</a:t>
+              <a:t>11/03/2020</a:t>
             </a:fld>
             <a:endParaRPr lang="fr-FR" dirty="0"/>
           </a:p>
@@ -1835,7 +1840,7 @@
           <a:p>
             <a:fld id="{712DDF4E-9AD6-4EE5-9343-468C572CABA6}" type="datetimeFigureOut">
               <a:rPr lang="fr-FR" smtClean="0"/>
-              <a:t>04/03/2020</a:t>
+              <a:t>11/03/2020</a:t>
             </a:fld>
             <a:endParaRPr lang="fr-FR" dirty="0"/>
           </a:p>
@@ -2112,7 +2117,7 @@
           <a:p>
             <a:fld id="{712DDF4E-9AD6-4EE5-9343-468C572CABA6}" type="datetimeFigureOut">
               <a:rPr lang="fr-FR" smtClean="0"/>
-              <a:t>04/03/2020</a:t>
+              <a:t>11/03/2020</a:t>
             </a:fld>
             <a:endParaRPr lang="fr-FR" dirty="0"/>
           </a:p>
@@ -2365,7 +2370,7 @@
           <a:p>
             <a:fld id="{712DDF4E-9AD6-4EE5-9343-468C572CABA6}" type="datetimeFigureOut">
               <a:rPr lang="fr-FR" smtClean="0"/>
-              <a:t>04/03/2020</a:t>
+              <a:t>11/03/2020</a:t>
             </a:fld>
             <a:endParaRPr lang="fr-FR" dirty="0"/>
           </a:p>
@@ -2578,7 +2583,7 @@
           <a:p>
             <a:fld id="{712DDF4E-9AD6-4EE5-9343-468C572CABA6}" type="datetimeFigureOut">
               <a:rPr lang="fr-FR" smtClean="0"/>
-              <a:t>04/03/2020</a:t>
+              <a:t>11/03/2020</a:t>
             </a:fld>
             <a:endParaRPr lang="fr-FR" dirty="0"/>
           </a:p>
@@ -6062,7 +6067,19 @@
             </a:pPr>
             <a:r>
               <a:rPr lang="fr-FR" sz="2000" dirty="0"/>
-              <a:t>Le jeu consiste à reconnaître le genre (homme ou femme) des visages intactes, c’est-à-dire non brouillés. Exemple: </a:t>
+              <a:t>Le jeu consiste à reconnaître le genre (homme ou femme) des </a:t>
+            </a:r>
+            <a:r>
+              <a:rPr lang="fr-FR" sz="2000"/>
+              <a:t>visages </a:t>
+            </a:r>
+            <a:r>
+              <a:rPr lang="fr-FR" sz="2000" smtClean="0"/>
+              <a:t>intacts</a:t>
+            </a:r>
+            <a:r>
+              <a:rPr lang="fr-FR" sz="2000" dirty="0"/>
+              <a:t>, c’est-à-dire non brouillés. Exemple: </a:t>
             </a:r>
           </a:p>
           <a:p>
